--- a/Presentation1.pptx
+++ b/Presentation1.pptx
@@ -2,19 +2,20 @@
 <file path=ppt/presentation.xml><?xml version="1.0" encoding="utf-8"?>
 <p:presentation xmlns:a="http://schemas.openxmlformats.org/drawingml/2006/main" xmlns:r="http://schemas.openxmlformats.org/officeDocument/2006/relationships" xmlns:p="http://schemas.openxmlformats.org/presentationml/2006/main" autoCompressPictures="0">
   <p:sldMasterIdLst>
-    <p:sldMasterId id="2147483648" r:id="rId1"/>
+    <p:sldMasterId id="2147483648" r:id="rId4"/>
   </p:sldMasterIdLst>
   <p:sldIdLst>
-    <p:sldId id="256" r:id="rId2"/>
-    <p:sldId id="259" r:id="rId3"/>
-    <p:sldId id="260" r:id="rId4"/>
-    <p:sldId id="261" r:id="rId5"/>
-    <p:sldId id="262" r:id="rId6"/>
-    <p:sldId id="263" r:id="rId7"/>
-    <p:sldId id="264" r:id="rId8"/>
-    <p:sldId id="265" r:id="rId9"/>
-    <p:sldId id="266" r:id="rId10"/>
-    <p:sldId id="258" r:id="rId11"/>
+    <p:sldId id="256" r:id="rId5"/>
+    <p:sldId id="259" r:id="rId6"/>
+    <p:sldId id="260" r:id="rId7"/>
+    <p:sldId id="261" r:id="rId8"/>
+    <p:sldId id="262" r:id="rId9"/>
+    <p:sldId id="263" r:id="rId10"/>
+    <p:sldId id="264" r:id="rId11"/>
+    <p:sldId id="265" r:id="rId12"/>
+    <p:sldId id="267" r:id="rId13"/>
+    <p:sldId id="266" r:id="rId14"/>
+    <p:sldId id="258" r:id="rId15"/>
   </p:sldIdLst>
   <p:sldSz cx="12192000" cy="6858000"/>
   <p:notesSz cx="6858000" cy="9144000"/>
@@ -113,6 +114,11 @@
       </a:defRPr>
     </a:lvl9pPr>
   </p:defaultTextStyle>
+  <p:extLst>
+    <p:ext uri="{EFAFB233-063F-42B5-8137-9DF3F51BA10A}">
+      <p15:sldGuideLst xmlns:p15="http://schemas.microsoft.com/office/powerpoint/2012/main"/>
+    </p:ext>
+  </p:extLst>
 </p:presentation>
 </file>
 
@@ -305,7 +311,7 @@
             <a:fld id="{B61BEF0D-F0BB-DE4B-95CE-6DB70DBA9567}" type="datetimeFigureOut">
               <a:rPr lang="en-US" dirty="0"/>
               <a:pPr/>
-              <a:t>9/24/20</a:t>
+              <a:t>9/25/2020</a:t>
             </a:fld>
             <a:endParaRPr lang="en-US" dirty="0"/>
           </a:p>
@@ -640,7 +646,7 @@
             <a:fld id="{B61BEF0D-F0BB-DE4B-95CE-6DB70DBA9567}" type="datetimeFigureOut">
               <a:rPr lang="en-US" dirty="0"/>
               <a:pPr/>
-              <a:t>9/24/20</a:t>
+              <a:t>9/25/2020</a:t>
             </a:fld>
             <a:endParaRPr lang="en-US" dirty="0"/>
           </a:p>
@@ -1038,7 +1044,7 @@
             <a:fld id="{B61BEF0D-F0BB-DE4B-95CE-6DB70DBA9567}" type="datetimeFigureOut">
               <a:rPr lang="en-US" dirty="0"/>
               <a:pPr/>
-              <a:t>9/24/20</a:t>
+              <a:t>9/25/2020</a:t>
             </a:fld>
             <a:endParaRPr lang="en-US" dirty="0"/>
           </a:p>
@@ -1371,7 +1377,7 @@
             <a:fld id="{B61BEF0D-F0BB-DE4B-95CE-6DB70DBA9567}" type="datetimeFigureOut">
               <a:rPr lang="en-US" dirty="0"/>
               <a:pPr/>
-              <a:t>9/24/20</a:t>
+              <a:t>9/25/2020</a:t>
             </a:fld>
             <a:endParaRPr lang="en-US" dirty="0"/>
           </a:p>
@@ -1688,7 +1694,7 @@
             <a:fld id="{B61BEF0D-F0BB-DE4B-95CE-6DB70DBA9567}" type="datetimeFigureOut">
               <a:rPr lang="en-US" dirty="0"/>
               <a:pPr/>
-              <a:t>9/24/20</a:t>
+              <a:t>9/25/2020</a:t>
             </a:fld>
             <a:endParaRPr lang="en-US" dirty="0"/>
           </a:p>
@@ -2081,7 +2087,7 @@
             <a:fld id="{B61BEF0D-F0BB-DE4B-95CE-6DB70DBA9567}" type="datetimeFigureOut">
               <a:rPr lang="en-US" dirty="0"/>
               <a:pPr/>
-              <a:t>9/24/20</a:t>
+              <a:t>9/25/2020</a:t>
             </a:fld>
             <a:endParaRPr lang="en-US" dirty="0"/>
           </a:p>
@@ -2335,7 +2341,7 @@
             <a:fld id="{B61BEF0D-F0BB-DE4B-95CE-6DB70DBA9567}" type="datetimeFigureOut">
               <a:rPr lang="en-US" dirty="0"/>
               <a:pPr/>
-              <a:t>9/24/20</a:t>
+              <a:t>9/25/2020</a:t>
             </a:fld>
             <a:endParaRPr lang="en-US" dirty="0"/>
           </a:p>
@@ -2594,7 +2600,7 @@
             <a:fld id="{B61BEF0D-F0BB-DE4B-95CE-6DB70DBA9567}" type="datetimeFigureOut">
               <a:rPr lang="en-US" dirty="0"/>
               <a:pPr/>
-              <a:t>9/24/20</a:t>
+              <a:t>9/25/2020</a:t>
             </a:fld>
             <a:endParaRPr lang="en-US" dirty="0"/>
           </a:p>
@@ -2853,7 +2859,7 @@
             <a:fld id="{B61BEF0D-F0BB-DE4B-95CE-6DB70DBA9567}" type="datetimeFigureOut">
               <a:rPr lang="en-US" dirty="0"/>
               <a:pPr/>
-              <a:t>9/24/20</a:t>
+              <a:t>9/25/2020</a:t>
             </a:fld>
             <a:endParaRPr lang="en-US" dirty="0"/>
           </a:p>
@@ -3179,7 +3185,7 @@
             <a:fld id="{B61BEF0D-F0BB-DE4B-95CE-6DB70DBA9567}" type="datetimeFigureOut">
               <a:rPr lang="en-US" dirty="0"/>
               <a:pPr/>
-              <a:t>9/24/20</a:t>
+              <a:t>9/25/2020</a:t>
             </a:fld>
             <a:endParaRPr lang="en-US" dirty="0"/>
           </a:p>
@@ -3499,7 +3505,7 @@
             <a:fld id="{B61BEF0D-F0BB-DE4B-95CE-6DB70DBA9567}" type="datetimeFigureOut">
               <a:rPr lang="en-US" dirty="0"/>
               <a:pPr/>
-              <a:t>9/24/20</a:t>
+              <a:t>9/25/2020</a:t>
             </a:fld>
             <a:endParaRPr lang="en-US" dirty="0"/>
           </a:p>
@@ -3953,7 +3959,7 @@
             <a:fld id="{B61BEF0D-F0BB-DE4B-95CE-6DB70DBA9567}" type="datetimeFigureOut">
               <a:rPr lang="en-US" dirty="0"/>
               <a:pPr/>
-              <a:t>9/24/20</a:t>
+              <a:t>9/25/2020</a:t>
             </a:fld>
             <a:endParaRPr lang="en-US" dirty="0"/>
           </a:p>
@@ -4155,7 +4161,7 @@
             <a:fld id="{B61BEF0D-F0BB-DE4B-95CE-6DB70DBA9567}" type="datetimeFigureOut">
               <a:rPr lang="en-US" dirty="0"/>
               <a:pPr/>
-              <a:t>9/24/20</a:t>
+              <a:t>9/25/2020</a:t>
             </a:fld>
             <a:endParaRPr lang="en-US" dirty="0"/>
           </a:p>
@@ -4329,7 +4335,7 @@
             <a:fld id="{B61BEF0D-F0BB-DE4B-95CE-6DB70DBA9567}" type="datetimeFigureOut">
               <a:rPr lang="en-US" dirty="0"/>
               <a:pPr/>
-              <a:t>9/24/20</a:t>
+              <a:t>9/25/2020</a:t>
             </a:fld>
             <a:endParaRPr lang="en-US" dirty="0"/>
           </a:p>
@@ -4659,7 +4665,7 @@
             <a:fld id="{B61BEF0D-F0BB-DE4B-95CE-6DB70DBA9567}" type="datetimeFigureOut">
               <a:rPr lang="en-US" dirty="0"/>
               <a:pPr/>
-              <a:t>9/24/20</a:t>
+              <a:t>9/25/2020</a:t>
             </a:fld>
             <a:endParaRPr lang="en-US" dirty="0"/>
           </a:p>
@@ -5001,7 +5007,7 @@
             <a:fld id="{B61BEF0D-F0BB-DE4B-95CE-6DB70DBA9567}" type="datetimeFigureOut">
               <a:rPr lang="en-US" dirty="0"/>
               <a:pPr/>
-              <a:t>9/24/20</a:t>
+              <a:t>9/25/2020</a:t>
             </a:fld>
             <a:endParaRPr lang="en-US" dirty="0"/>
           </a:p>
@@ -7115,7 +7121,7 @@
             <a:fld id="{B61BEF0D-F0BB-DE4B-95CE-6DB70DBA9567}" type="datetimeFigureOut">
               <a:rPr lang="en-US" dirty="0"/>
               <a:pPr/>
-              <a:t>9/24/20</a:t>
+              <a:t>9/25/2020</a:t>
             </a:fld>
             <a:endParaRPr lang="en-US" dirty="0"/>
           </a:p>
@@ -7781,6 +7787,93 @@
           <p:cNvPr id="2" name="Title 1">
             <a:extLst>
               <a:ext uri="{FF2B5EF4-FFF2-40B4-BE49-F238E27FC236}">
+                <a16:creationId xmlns:a16="http://schemas.microsoft.com/office/drawing/2014/main" id="{276E0ABE-41EC-714F-87E8-1A7EE550BEA1}"/>
+              </a:ext>
+            </a:extLst>
+          </p:cNvPr>
+          <p:cNvSpPr>
+            <a:spLocks noGrp="1"/>
+          </p:cNvSpPr>
+          <p:nvPr>
+            <p:ph type="title"/>
+          </p:nvPr>
+        </p:nvSpPr>
+        <p:spPr/>
+        <p:txBody>
+          <a:bodyPr/>
+          <a:lstStyle/>
+          <a:p>
+            <a:r>
+              <a:rPr lang="en-US" dirty="0" err="1"/>
+              <a:t>Plotly</a:t>
+            </a:r>
+            <a:br>
+              <a:rPr lang="en-US" dirty="0"/>
+            </a:br>
+            <a:endParaRPr lang="en-US" dirty="0"/>
+          </a:p>
+        </p:txBody>
+      </p:sp>
+      <p:sp>
+        <p:nvSpPr>
+          <p:cNvPr id="3" name="Content Placeholder 2">
+            <a:extLst>
+              <a:ext uri="{FF2B5EF4-FFF2-40B4-BE49-F238E27FC236}">
+                <a16:creationId xmlns:a16="http://schemas.microsoft.com/office/drawing/2014/main" id="{B35FC83A-8648-5340-891F-F78EFAC8FD25}"/>
+              </a:ext>
+            </a:extLst>
+          </p:cNvPr>
+          <p:cNvSpPr>
+            <a:spLocks noGrp="1"/>
+          </p:cNvSpPr>
+          <p:nvPr>
+            <p:ph idx="1"/>
+          </p:nvPr>
+        </p:nvSpPr>
+        <p:spPr/>
+        <p:txBody>
+          <a:bodyPr/>
+          <a:lstStyle/>
+          <a:p>
+            <a:endParaRPr lang="en-US"/>
+          </a:p>
+        </p:txBody>
+      </p:sp>
+    </p:spTree>
+    <p:extLst>
+      <p:ext uri="{BB962C8B-B14F-4D97-AF65-F5344CB8AC3E}">
+        <p14:creationId xmlns:p14="http://schemas.microsoft.com/office/powerpoint/2010/main" val="572367801"/>
+      </p:ext>
+    </p:extLst>
+  </p:cSld>
+  <p:clrMapOvr>
+    <a:masterClrMapping/>
+  </p:clrMapOvr>
+</p:sld>
+</file>
+
+<file path=ppt/slides/slide11.xml><?xml version="1.0" encoding="utf-8"?>
+<p:sld xmlns:a="http://schemas.openxmlformats.org/drawingml/2006/main" xmlns:r="http://schemas.openxmlformats.org/officeDocument/2006/relationships" xmlns:p="http://schemas.openxmlformats.org/presentationml/2006/main">
+  <p:cSld>
+    <p:spTree>
+      <p:nvGrpSpPr>
+        <p:cNvPr id="1" name=""/>
+        <p:cNvGrpSpPr/>
+        <p:nvPr/>
+      </p:nvGrpSpPr>
+      <p:grpSpPr>
+        <a:xfrm>
+          <a:off x="0" y="0"/>
+          <a:ext cx="0" cy="0"/>
+          <a:chOff x="0" y="0"/>
+          <a:chExt cx="0" cy="0"/>
+        </a:xfrm>
+      </p:grpSpPr>
+      <p:sp>
+        <p:nvSpPr>
+          <p:cNvPr id="2" name="Title 1">
+            <a:extLst>
+              <a:ext uri="{FF2B5EF4-FFF2-40B4-BE49-F238E27FC236}">
                 <a16:creationId xmlns:a16="http://schemas.microsoft.com/office/drawing/2014/main" id="{0D7D2BF8-B7D9-614D-A54D-C4F32EEF0706}"/>
               </a:ext>
             </a:extLst>
@@ -8550,7 +8643,7 @@
           <a:bodyPr/>
           <a:lstStyle/>
           <a:p>
-            <a:endParaRPr lang="en-US"/>
+            <a:endParaRPr lang="en-US" dirty="0"/>
           </a:p>
         </p:txBody>
       </p:sp>
@@ -8600,9 +8693,16 @@
             <p:ph type="title"/>
           </p:nvPr>
         </p:nvSpPr>
-        <p:spPr/>
-        <p:txBody>
-          <a:bodyPr/>
+        <p:spPr>
+          <a:xfrm>
+            <a:off x="2130701" y="149686"/>
+            <a:ext cx="8911687" cy="1280890"/>
+          </a:xfrm>
+        </p:spPr>
+        <p:txBody>
+          <a:bodyPr>
+            <a:normAutofit fontScale="90000"/>
+          </a:bodyPr>
           <a:lstStyle/>
           <a:p>
             <a:r>
@@ -8612,35 +8712,58 @@
             <a:br>
               <a:rPr lang="en-US" dirty="0"/>
             </a:br>
+            <a:br>
+              <a:rPr lang="en-US" dirty="0"/>
+            </a:br>
+            <a:r>
+              <a:rPr lang="en-AU" sz="1600" dirty="0"/>
+              <a:t>"https://data.melbourne.vic.gov.au/resource/vh2v-4nfs.geojson"</a:t>
+            </a:r>
+            <a:br>
+              <a:rPr lang="en-AU" dirty="0"/>
+            </a:br>
+            <a:br>
+              <a:rPr lang="en-AU" dirty="0"/>
+            </a:br>
+            <a:br>
+              <a:rPr lang="en-AU" dirty="0"/>
+            </a:br>
             <a:endParaRPr lang="en-US" dirty="0"/>
           </a:p>
         </p:txBody>
       </p:sp>
-      <p:sp>
-        <p:nvSpPr>
-          <p:cNvPr id="3" name="Content Placeholder 2">
+      <p:pic>
+        <p:nvPicPr>
+          <p:cNvPr id="4" name="Content Placeholder 3">
             <a:extLst>
               <a:ext uri="{FF2B5EF4-FFF2-40B4-BE49-F238E27FC236}">
-                <a16:creationId xmlns:a16="http://schemas.microsoft.com/office/drawing/2014/main" id="{D629C055-1B47-EB4B-8737-D9FA33735A7D}"/>
+                <a16:creationId xmlns:a16="http://schemas.microsoft.com/office/drawing/2014/main" id="{85E1766B-0093-400D-85FF-62BEC3F98DD9}"/>
               </a:ext>
             </a:extLst>
           </p:cNvPr>
-          <p:cNvSpPr>
-            <a:spLocks noGrp="1"/>
-          </p:cNvSpPr>
+          <p:cNvPicPr>
+            <a:picLocks noGrp="1" noChangeAspect="1"/>
+          </p:cNvPicPr>
           <p:nvPr>
             <p:ph idx="1"/>
           </p:nvPr>
-        </p:nvSpPr>
-        <p:spPr/>
-        <p:txBody>
-          <a:bodyPr/>
-          <a:lstStyle/>
-          <a:p>
-            <a:endParaRPr lang="en-US"/>
-          </a:p>
-        </p:txBody>
-      </p:sp>
+        </p:nvPicPr>
+        <p:blipFill>
+          <a:blip r:embed="rId2"/>
+          <a:stretch>
+            <a:fillRect/>
+          </a:stretch>
+        </p:blipFill>
+        <p:spPr>
+          <a:xfrm>
+            <a:off x="2938992" y="2105048"/>
+            <a:ext cx="7295103" cy="4346699"/>
+          </a:xfrm>
+          <a:prstGeom prst="rect">
+            <a:avLst/>
+          </a:prstGeom>
+        </p:spPr>
+      </p:pic>
     </p:spTree>
     <p:extLst>
       <p:ext uri="{BB962C8B-B14F-4D97-AF65-F5344CB8AC3E}">
@@ -8671,67 +8794,85 @@
           <a:chExt cx="0" cy="0"/>
         </a:xfrm>
       </p:grpSpPr>
-      <p:sp>
-        <p:nvSpPr>
-          <p:cNvPr id="2" name="Title 1">
+      <p:pic>
+        <p:nvPicPr>
+          <p:cNvPr id="4" name="Content Placeholder 3">
             <a:extLst>
               <a:ext uri="{FF2B5EF4-FFF2-40B4-BE49-F238E27FC236}">
-                <a16:creationId xmlns:a16="http://schemas.microsoft.com/office/drawing/2014/main" id="{276E0ABE-41EC-714F-87E8-1A7EE550BEA1}"/>
+                <a16:creationId xmlns:a16="http://schemas.microsoft.com/office/drawing/2014/main" id="{5EFBA1E4-9D0B-4021-B65E-AE60E713C9C0}"/>
               </a:ext>
             </a:extLst>
           </p:cNvPr>
-          <p:cNvSpPr>
-            <a:spLocks noGrp="1"/>
-          </p:cNvSpPr>
-          <p:nvPr>
-            <p:ph type="title"/>
-          </p:nvPr>
-        </p:nvSpPr>
-        <p:spPr/>
-        <p:txBody>
-          <a:bodyPr/>
-          <a:lstStyle/>
-          <a:p>
-            <a:r>
-              <a:rPr lang="en-US" dirty="0" err="1"/>
-              <a:t>Plotly</a:t>
-            </a:r>
-            <a:br>
-              <a:rPr lang="en-US" dirty="0"/>
-            </a:br>
-            <a:endParaRPr lang="en-US" dirty="0"/>
-          </a:p>
-        </p:txBody>
-      </p:sp>
-      <p:sp>
-        <p:nvSpPr>
-          <p:cNvPr id="3" name="Content Placeholder 2">
+          <p:cNvPicPr>
+            <a:picLocks noGrp="1" noChangeAspect="1"/>
+          </p:cNvPicPr>
+          <p:nvPr>
+            <p:ph idx="1"/>
+          </p:nvPr>
+        </p:nvPicPr>
+        <p:blipFill>
+          <a:blip r:embed="rId2"/>
+          <a:stretch>
+            <a:fillRect/>
+          </a:stretch>
+        </p:blipFill>
+        <p:spPr>
+          <a:xfrm>
+            <a:off x="836861" y="1365292"/>
+            <a:ext cx="11041041" cy="5329585"/>
+          </a:xfrm>
+          <a:prstGeom prst="rect">
+            <a:avLst/>
+          </a:prstGeom>
+        </p:spPr>
+      </p:pic>
+      <p:sp>
+        <p:nvSpPr>
+          <p:cNvPr id="5" name="Rectangle 4">
             <a:extLst>
               <a:ext uri="{FF2B5EF4-FFF2-40B4-BE49-F238E27FC236}">
-                <a16:creationId xmlns:a16="http://schemas.microsoft.com/office/drawing/2014/main" id="{B35FC83A-8648-5340-891F-F78EFAC8FD25}"/>
+                <a16:creationId xmlns:a16="http://schemas.microsoft.com/office/drawing/2014/main" id="{24F4FFDE-4EEF-4F5C-BD86-ECF94B94224C}"/>
               </a:ext>
             </a:extLst>
           </p:cNvPr>
-          <p:cNvSpPr>
-            <a:spLocks noGrp="1"/>
-          </p:cNvSpPr>
-          <p:nvPr>
-            <p:ph idx="1"/>
-          </p:nvPr>
-        </p:nvSpPr>
-        <p:spPr/>
-        <p:txBody>
-          <a:bodyPr/>
+          <p:cNvSpPr/>
+          <p:nvPr/>
+        </p:nvSpPr>
+        <p:spPr>
+          <a:xfrm>
+            <a:off x="2203749" y="511182"/>
+            <a:ext cx="9922909" cy="369332"/>
+          </a:xfrm>
+          <a:prstGeom prst="rect">
+            <a:avLst/>
+          </a:prstGeom>
+        </p:spPr>
+        <p:txBody>
+          <a:bodyPr wrap="none">
+            <a:spAutoFit/>
+          </a:bodyPr>
           <a:lstStyle/>
           <a:p>
-            <a:endParaRPr lang="en-US"/>
+            <a:r>
+              <a:rPr lang="en-US" dirty="0"/>
+              <a:t>The Dataset we used: </a:t>
+            </a:r>
+            <a:r>
+              <a:rPr lang="en-AU" dirty="0"/>
+              <a:t>"https://data.melbourne.vic.gov.au/resource/vh2v-4nfs.geojson"</a:t>
+            </a:r>
+            <a:r>
+              <a:rPr lang="en-US" dirty="0"/>
+              <a:t> </a:t>
+            </a:r>
+            <a:endParaRPr lang="en-AU" dirty="0"/>
           </a:p>
         </p:txBody>
       </p:sp>
     </p:spTree>
     <p:extLst>
       <p:ext uri="{BB962C8B-B14F-4D97-AF65-F5344CB8AC3E}">
-        <p14:creationId xmlns:p14="http://schemas.microsoft.com/office/powerpoint/2010/main" val="572367801"/>
+        <p14:creationId xmlns:p14="http://schemas.microsoft.com/office/powerpoint/2010/main" val="696378920"/>
       </p:ext>
     </p:extLst>
   </p:cSld>
@@ -8982,4 +9123,278 @@
     </a:ext>
   </a:extLst>
 </a:theme>
+</file>
+
+<file path=customXml/item1.xml><?xml version="1.0" encoding="utf-8"?>
+<ct:contentTypeSchema xmlns:ct="http://schemas.microsoft.com/office/2006/metadata/contentType" xmlns:ma="http://schemas.microsoft.com/office/2006/metadata/properties/metaAttributes" ct:_="" ma:_="" ma:contentTypeName="Document" ma:contentTypeID="0x010100F2539F22E5A4404CAD34FB96C142FE3A" ma:contentTypeVersion="13" ma:contentTypeDescription="Create a new document." ma:contentTypeScope="" ma:versionID="007b3f3a912f112271816250b9555acf">
+  <xsd:schema xmlns:xsd="http://www.w3.org/2001/XMLSchema" xmlns:xs="http://www.w3.org/2001/XMLSchema" xmlns:p="http://schemas.microsoft.com/office/2006/metadata/properties" xmlns:ns3="37131f3e-0989-4fa1-a557-0e693b5133ca" xmlns:ns4="1adeb048-267d-4a84-abfa-7db00b6784a1" targetNamespace="http://schemas.microsoft.com/office/2006/metadata/properties" ma:root="true" ma:fieldsID="5458722c96c3279d2a72c45d605244fb" ns3:_="" ns4:_="">
+    <xsd:import namespace="37131f3e-0989-4fa1-a557-0e693b5133ca"/>
+    <xsd:import namespace="1adeb048-267d-4a84-abfa-7db00b6784a1"/>
+    <xsd:element name="properties">
+      <xsd:complexType>
+        <xsd:sequence>
+          <xsd:element name="documentManagement">
+            <xsd:complexType>
+              <xsd:all>
+                <xsd:element ref="ns3:MediaServiceMetadata" minOccurs="0"/>
+                <xsd:element ref="ns3:MediaServiceFastMetadata" minOccurs="0"/>
+                <xsd:element ref="ns3:MediaServiceDateTaken" minOccurs="0"/>
+                <xsd:element ref="ns3:MediaServiceAutoTags" minOccurs="0"/>
+                <xsd:element ref="ns3:MediaServiceOCR" minOccurs="0"/>
+                <xsd:element ref="ns3:MediaServiceLocation" minOccurs="0"/>
+                <xsd:element ref="ns3:MediaServiceGenerationTime" minOccurs="0"/>
+                <xsd:element ref="ns3:MediaServiceEventHashCode" minOccurs="0"/>
+                <xsd:element ref="ns3:MediaServiceAutoKeyPoints" minOccurs="0"/>
+                <xsd:element ref="ns3:MediaServiceKeyPoints" minOccurs="0"/>
+                <xsd:element ref="ns4:SharedWithUsers" minOccurs="0"/>
+                <xsd:element ref="ns4:SharedWithDetails" minOccurs="0"/>
+                <xsd:element ref="ns4:SharingHintHash" minOccurs="0"/>
+              </xsd:all>
+            </xsd:complexType>
+          </xsd:element>
+        </xsd:sequence>
+      </xsd:complexType>
+    </xsd:element>
+  </xsd:schema>
+  <xsd:schema xmlns:xsd="http://www.w3.org/2001/XMLSchema" xmlns:xs="http://www.w3.org/2001/XMLSchema" xmlns:dms="http://schemas.microsoft.com/office/2006/documentManagement/types" xmlns:pc="http://schemas.microsoft.com/office/infopath/2007/PartnerControls" targetNamespace="37131f3e-0989-4fa1-a557-0e693b5133ca" elementFormDefault="qualified">
+    <xsd:import namespace="http://schemas.microsoft.com/office/2006/documentManagement/types"/>
+    <xsd:import namespace="http://schemas.microsoft.com/office/infopath/2007/PartnerControls"/>
+    <xsd:element name="MediaServiceMetadata" ma:index="8" nillable="true" ma:displayName="MediaServiceMetadata" ma:hidden="true" ma:internalName="MediaServiceMetadata" ma:readOnly="true">
+      <xsd:simpleType>
+        <xsd:restriction base="dms:Note"/>
+      </xsd:simpleType>
+    </xsd:element>
+    <xsd:element name="MediaServiceFastMetadata" ma:index="9" nillable="true" ma:displayName="MediaServiceFastMetadata" ma:hidden="true" ma:internalName="MediaServiceFastMetadata" ma:readOnly="true">
+      <xsd:simpleType>
+        <xsd:restriction base="dms:Note"/>
+      </xsd:simpleType>
+    </xsd:element>
+    <xsd:element name="MediaServiceDateTaken" ma:index="10" nillable="true" ma:displayName="MediaServiceDateTaken" ma:hidden="true" ma:internalName="MediaServiceDateTaken" ma:readOnly="true">
+      <xsd:simpleType>
+        <xsd:restriction base="dms:Text"/>
+      </xsd:simpleType>
+    </xsd:element>
+    <xsd:element name="MediaServiceAutoTags" ma:index="11" nillable="true" ma:displayName="Tags" ma:internalName="MediaServiceAutoTags" ma:readOnly="true">
+      <xsd:simpleType>
+        <xsd:restriction base="dms:Text"/>
+      </xsd:simpleType>
+    </xsd:element>
+    <xsd:element name="MediaServiceOCR" ma:index="12" nillable="true" ma:displayName="Extracted Text" ma:internalName="MediaServiceOCR" ma:readOnly="true">
+      <xsd:simpleType>
+        <xsd:restriction base="dms:Note">
+          <xsd:maxLength value="255"/>
+        </xsd:restriction>
+      </xsd:simpleType>
+    </xsd:element>
+    <xsd:element name="MediaServiceLocation" ma:index="13" nillable="true" ma:displayName="Location" ma:internalName="MediaServiceLocation" ma:readOnly="true">
+      <xsd:simpleType>
+        <xsd:restriction base="dms:Text"/>
+      </xsd:simpleType>
+    </xsd:element>
+    <xsd:element name="MediaServiceGenerationTime" ma:index="14" nillable="true" ma:displayName="MediaServiceGenerationTime" ma:hidden="true" ma:internalName="MediaServiceGenerationTime" ma:readOnly="true">
+      <xsd:simpleType>
+        <xsd:restriction base="dms:Text"/>
+      </xsd:simpleType>
+    </xsd:element>
+    <xsd:element name="MediaServiceEventHashCode" ma:index="15" nillable="true" ma:displayName="MediaServiceEventHashCode" ma:hidden="true" ma:internalName="MediaServiceEventHashCode" ma:readOnly="true">
+      <xsd:simpleType>
+        <xsd:restriction base="dms:Text"/>
+      </xsd:simpleType>
+    </xsd:element>
+    <xsd:element name="MediaServiceAutoKeyPoints" ma:index="16" nillable="true" ma:displayName="MediaServiceAutoKeyPoints" ma:hidden="true" ma:internalName="MediaServiceAutoKeyPoints" ma:readOnly="true">
+      <xsd:simpleType>
+        <xsd:restriction base="dms:Note"/>
+      </xsd:simpleType>
+    </xsd:element>
+    <xsd:element name="MediaServiceKeyPoints" ma:index="17" nillable="true" ma:displayName="KeyPoints" ma:internalName="MediaServiceKeyPoints" ma:readOnly="true">
+      <xsd:simpleType>
+        <xsd:restriction base="dms:Note">
+          <xsd:maxLength value="255"/>
+        </xsd:restriction>
+      </xsd:simpleType>
+    </xsd:element>
+  </xsd:schema>
+  <xsd:schema xmlns:xsd="http://www.w3.org/2001/XMLSchema" xmlns:xs="http://www.w3.org/2001/XMLSchema" xmlns:dms="http://schemas.microsoft.com/office/2006/documentManagement/types" xmlns:pc="http://schemas.microsoft.com/office/infopath/2007/PartnerControls" targetNamespace="1adeb048-267d-4a84-abfa-7db00b6784a1" elementFormDefault="qualified">
+    <xsd:import namespace="http://schemas.microsoft.com/office/2006/documentManagement/types"/>
+    <xsd:import namespace="http://schemas.microsoft.com/office/infopath/2007/PartnerControls"/>
+    <xsd:element name="SharedWithUsers" ma:index="18" nillable="true" ma:displayName="Shared With" ma:internalName="SharedWithUsers" ma:readOnly="true">
+      <xsd:complexType>
+        <xsd:complexContent>
+          <xsd:extension base="dms:UserMulti">
+            <xsd:sequence>
+              <xsd:element name="UserInfo" minOccurs="0" maxOccurs="unbounded">
+                <xsd:complexType>
+                  <xsd:sequence>
+                    <xsd:element name="DisplayName" type="xsd:string" minOccurs="0"/>
+                    <xsd:element name="AccountId" type="dms:UserId" minOccurs="0" nillable="true"/>
+                    <xsd:element name="AccountType" type="xsd:string" minOccurs="0"/>
+                  </xsd:sequence>
+                </xsd:complexType>
+              </xsd:element>
+            </xsd:sequence>
+          </xsd:extension>
+        </xsd:complexContent>
+      </xsd:complexType>
+    </xsd:element>
+    <xsd:element name="SharedWithDetails" ma:index="19" nillable="true" ma:displayName="Shared With Details" ma:internalName="SharedWithDetails" ma:readOnly="true">
+      <xsd:simpleType>
+        <xsd:restriction base="dms:Note">
+          <xsd:maxLength value="255"/>
+        </xsd:restriction>
+      </xsd:simpleType>
+    </xsd:element>
+    <xsd:element name="SharingHintHash" ma:index="20" nillable="true" ma:displayName="Sharing Hint Hash" ma:hidden="true" ma:internalName="SharingHintHash" ma:readOnly="true">
+      <xsd:simpleType>
+        <xsd:restriction base="dms:Text"/>
+      </xsd:simpleType>
+    </xsd:element>
+  </xsd:schema>
+  <xsd:schema xmlns="http://schemas.openxmlformats.org/package/2006/metadata/core-properties" xmlns:xsd="http://www.w3.org/2001/XMLSchema" xmlns:xsi="http://www.w3.org/2001/XMLSchema-instance" xmlns:dc="http://purl.org/dc/elements/1.1/" xmlns:dcterms="http://purl.org/dc/terms/" xmlns:odoc="http://schemas.microsoft.com/internal/obd" targetNamespace="http://schemas.openxmlformats.org/package/2006/metadata/core-properties" elementFormDefault="qualified" attributeFormDefault="unqualified" blockDefault="#all">
+    <xsd:import namespace="http://purl.org/dc/elements/1.1/" schemaLocation="http://dublincore.org/schemas/xmls/qdc/2003/04/02/dc.xsd"/>
+    <xsd:import namespace="http://purl.org/dc/terms/" schemaLocation="http://dublincore.org/schemas/xmls/qdc/2003/04/02/dcterms.xsd"/>
+    <xsd:element name="coreProperties" type="CT_coreProperties"/>
+    <xsd:complexType name="CT_coreProperties">
+      <xsd:all>
+        <xsd:element ref="dc:creator" minOccurs="0" maxOccurs="1"/>
+        <xsd:element ref="dcterms:created" minOccurs="0" maxOccurs="1"/>
+        <xsd:element ref="dc:identifier" minOccurs="0" maxOccurs="1"/>
+        <xsd:element name="contentType" minOccurs="0" maxOccurs="1" type="xsd:string" ma:index="0" ma:displayName="Content Type"/>
+        <xsd:element ref="dc:title" minOccurs="0" maxOccurs="1" ma:index="4" ma:displayName="Title"/>
+        <xsd:element ref="dc:subject" minOccurs="0" maxOccurs="1"/>
+        <xsd:element ref="dc:description" minOccurs="0" maxOccurs="1"/>
+        <xsd:element name="keywords" minOccurs="0" maxOccurs="1" type="xsd:string"/>
+        <xsd:element ref="dc:language" minOccurs="0" maxOccurs="1"/>
+        <xsd:element name="category" minOccurs="0" maxOccurs="1" type="xsd:string"/>
+        <xsd:element name="version" minOccurs="0" maxOccurs="1" type="xsd:string"/>
+        <xsd:element name="revision" minOccurs="0" maxOccurs="1" type="xsd:string">
+          <xsd:annotation>
+            <xsd:documentation>
+                        This value indicates the number of saves or revisions. The application is responsible for updating this value after each revision.
+                    </xsd:documentation>
+          </xsd:annotation>
+        </xsd:element>
+        <xsd:element name="lastModifiedBy" minOccurs="0" maxOccurs="1" type="xsd:string"/>
+        <xsd:element ref="dcterms:modified" minOccurs="0" maxOccurs="1"/>
+        <xsd:element name="contentStatus" minOccurs="0" maxOccurs="1" type="xsd:string"/>
+      </xsd:all>
+    </xsd:complexType>
+  </xsd:schema>
+  <xs:schema xmlns:pc="http://schemas.microsoft.com/office/infopath/2007/PartnerControls" xmlns:xs="http://www.w3.org/2001/XMLSchema" targetNamespace="http://schemas.microsoft.com/office/infopath/2007/PartnerControls" elementFormDefault="qualified" attributeFormDefault="unqualified">
+    <xs:element name="Person">
+      <xs:complexType>
+        <xs:sequence>
+          <xs:element ref="pc:DisplayName" minOccurs="0"/>
+          <xs:element ref="pc:AccountId" minOccurs="0"/>
+          <xs:element ref="pc:AccountType" minOccurs="0"/>
+        </xs:sequence>
+      </xs:complexType>
+    </xs:element>
+    <xs:element name="DisplayName" type="xs:string"/>
+    <xs:element name="AccountId" type="xs:string"/>
+    <xs:element name="AccountType" type="xs:string"/>
+    <xs:element name="BDCAssociatedEntity">
+      <xs:complexType>
+        <xs:sequence>
+          <xs:element ref="pc:BDCEntity" minOccurs="0" maxOccurs="unbounded"/>
+        </xs:sequence>
+        <xs:attribute ref="pc:EntityNamespace"/>
+        <xs:attribute ref="pc:EntityName"/>
+        <xs:attribute ref="pc:SystemInstanceName"/>
+        <xs:attribute ref="pc:AssociationName"/>
+      </xs:complexType>
+    </xs:element>
+    <xs:attribute name="EntityNamespace" type="xs:string"/>
+    <xs:attribute name="EntityName" type="xs:string"/>
+    <xs:attribute name="SystemInstanceName" type="xs:string"/>
+    <xs:attribute name="AssociationName" type="xs:string"/>
+    <xs:element name="BDCEntity">
+      <xs:complexType>
+        <xs:sequence>
+          <xs:element ref="pc:EntityDisplayName" minOccurs="0"/>
+          <xs:element ref="pc:EntityInstanceReference" minOccurs="0"/>
+          <xs:element ref="pc:EntityId1" minOccurs="0"/>
+          <xs:element ref="pc:EntityId2" minOccurs="0"/>
+          <xs:element ref="pc:EntityId3" minOccurs="0"/>
+          <xs:element ref="pc:EntityId4" minOccurs="0"/>
+          <xs:element ref="pc:EntityId5" minOccurs="0"/>
+        </xs:sequence>
+      </xs:complexType>
+    </xs:element>
+    <xs:element name="EntityDisplayName" type="xs:string"/>
+    <xs:element name="EntityInstanceReference" type="xs:string"/>
+    <xs:element name="EntityId1" type="xs:string"/>
+    <xs:element name="EntityId2" type="xs:string"/>
+    <xs:element name="EntityId3" type="xs:string"/>
+    <xs:element name="EntityId4" type="xs:string"/>
+    <xs:element name="EntityId5" type="xs:string"/>
+    <xs:element name="Terms">
+      <xs:complexType>
+        <xs:sequence>
+          <xs:element ref="pc:TermInfo" minOccurs="0" maxOccurs="unbounded"/>
+        </xs:sequence>
+      </xs:complexType>
+    </xs:element>
+    <xs:element name="TermInfo">
+      <xs:complexType>
+        <xs:sequence>
+          <xs:element ref="pc:TermName" minOccurs="0"/>
+          <xs:element ref="pc:TermId" minOccurs="0"/>
+        </xs:sequence>
+      </xs:complexType>
+    </xs:element>
+    <xs:element name="TermName" type="xs:string"/>
+    <xs:element name="TermId" type="xs:string"/>
+  </xs:schema>
+</ct:contentTypeSchema>
+</file>
+
+<file path=customXml/item2.xml><?xml version="1.0" encoding="utf-8"?>
+<?mso-contentType ?>
+<FormTemplates xmlns="http://schemas.microsoft.com/sharepoint/v3/contenttype/forms">
+  <Display>DocumentLibraryForm</Display>
+  <Edit>DocumentLibraryForm</Edit>
+  <New>DocumentLibraryForm</New>
+</FormTemplates>
+</file>
+
+<file path=customXml/item3.xml><?xml version="1.0" encoding="utf-8"?>
+<p:properties xmlns:p="http://schemas.microsoft.com/office/2006/metadata/properties" xmlns:xsi="http://www.w3.org/2001/XMLSchema-instance" xmlns:pc="http://schemas.microsoft.com/office/infopath/2007/PartnerControls">
+  <documentManagement/>
+</p:properties>
+</file>
+
+<file path=customXml/itemProps1.xml><?xml version="1.0" encoding="utf-8"?>
+<ds:datastoreItem xmlns:ds="http://schemas.openxmlformats.org/officeDocument/2006/customXml" ds:itemID="{458EF97E-305A-489A-9070-95ED0A29ABFE}">
+  <ds:schemaRefs>
+    <ds:schemaRef ds:uri="http://schemas.microsoft.com/office/2006/metadata/contentType"/>
+    <ds:schemaRef ds:uri="http://schemas.microsoft.com/office/2006/metadata/properties/metaAttributes"/>
+    <ds:schemaRef ds:uri="http://www.w3.org/2001/XMLSchema"/>
+    <ds:schemaRef ds:uri="http://schemas.microsoft.com/office/2006/metadata/properties"/>
+    <ds:schemaRef ds:uri="37131f3e-0989-4fa1-a557-0e693b5133ca"/>
+    <ds:schemaRef ds:uri="1adeb048-267d-4a84-abfa-7db00b6784a1"/>
+    <ds:schemaRef ds:uri="http://schemas.microsoft.com/office/2006/documentManagement/types"/>
+    <ds:schemaRef ds:uri="http://schemas.microsoft.com/office/infopath/2007/PartnerControls"/>
+    <ds:schemaRef ds:uri="http://schemas.openxmlformats.org/package/2006/metadata/core-properties"/>
+    <ds:schemaRef ds:uri="http://purl.org/dc/elements/1.1/"/>
+    <ds:schemaRef ds:uri="http://purl.org/dc/terms/"/>
+    <ds:schemaRef ds:uri="http://schemas.microsoft.com/internal/obd"/>
+  </ds:schemaRefs>
+</ds:datastoreItem>
+</file>
+
+<file path=customXml/itemProps2.xml><?xml version="1.0" encoding="utf-8"?>
+<ds:datastoreItem xmlns:ds="http://schemas.openxmlformats.org/officeDocument/2006/customXml" ds:itemID="{01DFB8BB-6F8D-4B5F-8932-40156F08F814}">
+  <ds:schemaRefs>
+    <ds:schemaRef ds:uri="http://schemas.microsoft.com/sharepoint/v3/contenttype/forms"/>
+  </ds:schemaRefs>
+</ds:datastoreItem>
+</file>
+
+<file path=customXml/itemProps3.xml><?xml version="1.0" encoding="utf-8"?>
+<ds:datastoreItem xmlns:ds="http://schemas.openxmlformats.org/officeDocument/2006/customXml" ds:itemID="{25CD252F-7E2D-460F-B915-B87F410E1193}">
+  <ds:schemaRefs>
+    <ds:schemaRef ds:uri="http://schemas.microsoft.com/office/2006/metadata/properties"/>
+    <ds:schemaRef ds:uri="http://schemas.microsoft.com/office/infopath/2007/PartnerControls"/>
+  </ds:schemaRefs>
+</ds:datastoreItem>
 </file>
--- a/Presentation1.pptx
+++ b/Presentation1.pptx
@@ -10,12 +10,10 @@
     <p:sldId id="260" r:id="rId7"/>
     <p:sldId id="261" r:id="rId8"/>
     <p:sldId id="262" r:id="rId9"/>
-    <p:sldId id="263" r:id="rId10"/>
-    <p:sldId id="264" r:id="rId11"/>
-    <p:sldId id="265" r:id="rId12"/>
-    <p:sldId id="267" r:id="rId13"/>
-    <p:sldId id="266" r:id="rId14"/>
-    <p:sldId id="258" r:id="rId15"/>
+    <p:sldId id="264" r:id="rId10"/>
+    <p:sldId id="265" r:id="rId11"/>
+    <p:sldId id="267" r:id="rId12"/>
+    <p:sldId id="266" r:id="rId13"/>
   </p:sldIdLst>
   <p:sldSz cx="12192000" cy="6858000"/>
   <p:notesSz cx="6858000" cy="9144000"/>
@@ -311,7 +309,7 @@
             <a:fld id="{B61BEF0D-F0BB-DE4B-95CE-6DB70DBA9567}" type="datetimeFigureOut">
               <a:rPr lang="en-US" dirty="0"/>
               <a:pPr/>
-              <a:t>9/25/2020</a:t>
+              <a:t>9/26/20</a:t>
             </a:fld>
             <a:endParaRPr lang="en-US" dirty="0"/>
           </a:p>
@@ -646,7 +644,7 @@
             <a:fld id="{B61BEF0D-F0BB-DE4B-95CE-6DB70DBA9567}" type="datetimeFigureOut">
               <a:rPr lang="en-US" dirty="0"/>
               <a:pPr/>
-              <a:t>9/25/2020</a:t>
+              <a:t>9/26/20</a:t>
             </a:fld>
             <a:endParaRPr lang="en-US" dirty="0"/>
           </a:p>
@@ -1044,7 +1042,7 @@
             <a:fld id="{B61BEF0D-F0BB-DE4B-95CE-6DB70DBA9567}" type="datetimeFigureOut">
               <a:rPr lang="en-US" dirty="0"/>
               <a:pPr/>
-              <a:t>9/25/2020</a:t>
+              <a:t>9/26/20</a:t>
             </a:fld>
             <a:endParaRPr lang="en-US" dirty="0"/>
           </a:p>
@@ -1377,7 +1375,7 @@
             <a:fld id="{B61BEF0D-F0BB-DE4B-95CE-6DB70DBA9567}" type="datetimeFigureOut">
               <a:rPr lang="en-US" dirty="0"/>
               <a:pPr/>
-              <a:t>9/25/2020</a:t>
+              <a:t>9/26/20</a:t>
             </a:fld>
             <a:endParaRPr lang="en-US" dirty="0"/>
           </a:p>
@@ -1694,7 +1692,7 @@
             <a:fld id="{B61BEF0D-F0BB-DE4B-95CE-6DB70DBA9567}" type="datetimeFigureOut">
               <a:rPr lang="en-US" dirty="0"/>
               <a:pPr/>
-              <a:t>9/25/2020</a:t>
+              <a:t>9/26/20</a:t>
             </a:fld>
             <a:endParaRPr lang="en-US" dirty="0"/>
           </a:p>
@@ -2087,7 +2085,7 @@
             <a:fld id="{B61BEF0D-F0BB-DE4B-95CE-6DB70DBA9567}" type="datetimeFigureOut">
               <a:rPr lang="en-US" dirty="0"/>
               <a:pPr/>
-              <a:t>9/25/2020</a:t>
+              <a:t>9/26/20</a:t>
             </a:fld>
             <a:endParaRPr lang="en-US" dirty="0"/>
           </a:p>
@@ -2341,7 +2339,7 @@
             <a:fld id="{B61BEF0D-F0BB-DE4B-95CE-6DB70DBA9567}" type="datetimeFigureOut">
               <a:rPr lang="en-US" dirty="0"/>
               <a:pPr/>
-              <a:t>9/25/2020</a:t>
+              <a:t>9/26/20</a:t>
             </a:fld>
             <a:endParaRPr lang="en-US" dirty="0"/>
           </a:p>
@@ -2600,7 +2598,7 @@
             <a:fld id="{B61BEF0D-F0BB-DE4B-95CE-6DB70DBA9567}" type="datetimeFigureOut">
               <a:rPr lang="en-US" dirty="0"/>
               <a:pPr/>
-              <a:t>9/25/2020</a:t>
+              <a:t>9/26/20</a:t>
             </a:fld>
             <a:endParaRPr lang="en-US" dirty="0"/>
           </a:p>
@@ -2859,7 +2857,7 @@
             <a:fld id="{B61BEF0D-F0BB-DE4B-95CE-6DB70DBA9567}" type="datetimeFigureOut">
               <a:rPr lang="en-US" dirty="0"/>
               <a:pPr/>
-              <a:t>9/25/2020</a:t>
+              <a:t>9/26/20</a:t>
             </a:fld>
             <a:endParaRPr lang="en-US" dirty="0"/>
           </a:p>
@@ -3185,7 +3183,7 @@
             <a:fld id="{B61BEF0D-F0BB-DE4B-95CE-6DB70DBA9567}" type="datetimeFigureOut">
               <a:rPr lang="en-US" dirty="0"/>
               <a:pPr/>
-              <a:t>9/25/2020</a:t>
+              <a:t>9/26/20</a:t>
             </a:fld>
             <a:endParaRPr lang="en-US" dirty="0"/>
           </a:p>
@@ -3505,7 +3503,7 @@
             <a:fld id="{B61BEF0D-F0BB-DE4B-95CE-6DB70DBA9567}" type="datetimeFigureOut">
               <a:rPr lang="en-US" dirty="0"/>
               <a:pPr/>
-              <a:t>9/25/2020</a:t>
+              <a:t>9/26/20</a:t>
             </a:fld>
             <a:endParaRPr lang="en-US" dirty="0"/>
           </a:p>
@@ -3959,7 +3957,7 @@
             <a:fld id="{B61BEF0D-F0BB-DE4B-95CE-6DB70DBA9567}" type="datetimeFigureOut">
               <a:rPr lang="en-US" dirty="0"/>
               <a:pPr/>
-              <a:t>9/25/2020</a:t>
+              <a:t>9/26/20</a:t>
             </a:fld>
             <a:endParaRPr lang="en-US" dirty="0"/>
           </a:p>
@@ -4161,7 +4159,7 @@
             <a:fld id="{B61BEF0D-F0BB-DE4B-95CE-6DB70DBA9567}" type="datetimeFigureOut">
               <a:rPr lang="en-US" dirty="0"/>
               <a:pPr/>
-              <a:t>9/25/2020</a:t>
+              <a:t>9/26/20</a:t>
             </a:fld>
             <a:endParaRPr lang="en-US" dirty="0"/>
           </a:p>
@@ -4335,7 +4333,7 @@
             <a:fld id="{B61BEF0D-F0BB-DE4B-95CE-6DB70DBA9567}" type="datetimeFigureOut">
               <a:rPr lang="en-US" dirty="0"/>
               <a:pPr/>
-              <a:t>9/25/2020</a:t>
+              <a:t>9/26/20</a:t>
             </a:fld>
             <a:endParaRPr lang="en-US" dirty="0"/>
           </a:p>
@@ -4665,7 +4663,7 @@
             <a:fld id="{B61BEF0D-F0BB-DE4B-95CE-6DB70DBA9567}" type="datetimeFigureOut">
               <a:rPr lang="en-US" dirty="0"/>
               <a:pPr/>
-              <a:t>9/25/2020</a:t>
+              <a:t>9/26/20</a:t>
             </a:fld>
             <a:endParaRPr lang="en-US" dirty="0"/>
           </a:p>
@@ -5007,7 +5005,7 @@
             <a:fld id="{B61BEF0D-F0BB-DE4B-95CE-6DB70DBA9567}" type="datetimeFigureOut">
               <a:rPr lang="en-US" dirty="0"/>
               <a:pPr/>
-              <a:t>9/25/2020</a:t>
+              <a:t>9/26/20</a:t>
             </a:fld>
             <a:endParaRPr lang="en-US" dirty="0"/>
           </a:p>
@@ -7121,7 +7119,7 @@
             <a:fld id="{B61BEF0D-F0BB-DE4B-95CE-6DB70DBA9567}" type="datetimeFigureOut">
               <a:rPr lang="en-US" dirty="0"/>
               <a:pPr/>
-              <a:t>9/25/2020</a:t>
+              <a:t>9/26/20</a:t>
             </a:fld>
             <a:endParaRPr lang="en-US" dirty="0"/>
           </a:p>
@@ -7765,177 +7763,6 @@
 </p:sld>
 </file>
 
-<file path=ppt/slides/slide10.xml><?xml version="1.0" encoding="utf-8"?>
-<p:sld xmlns:a="http://schemas.openxmlformats.org/drawingml/2006/main" xmlns:r="http://schemas.openxmlformats.org/officeDocument/2006/relationships" xmlns:p="http://schemas.openxmlformats.org/presentationml/2006/main">
-  <p:cSld>
-    <p:spTree>
-      <p:nvGrpSpPr>
-        <p:cNvPr id="1" name=""/>
-        <p:cNvGrpSpPr/>
-        <p:nvPr/>
-      </p:nvGrpSpPr>
-      <p:grpSpPr>
-        <a:xfrm>
-          <a:off x="0" y="0"/>
-          <a:ext cx="0" cy="0"/>
-          <a:chOff x="0" y="0"/>
-          <a:chExt cx="0" cy="0"/>
-        </a:xfrm>
-      </p:grpSpPr>
-      <p:sp>
-        <p:nvSpPr>
-          <p:cNvPr id="2" name="Title 1">
-            <a:extLst>
-              <a:ext uri="{FF2B5EF4-FFF2-40B4-BE49-F238E27FC236}">
-                <a16:creationId xmlns:a16="http://schemas.microsoft.com/office/drawing/2014/main" id="{276E0ABE-41EC-714F-87E8-1A7EE550BEA1}"/>
-              </a:ext>
-            </a:extLst>
-          </p:cNvPr>
-          <p:cNvSpPr>
-            <a:spLocks noGrp="1"/>
-          </p:cNvSpPr>
-          <p:nvPr>
-            <p:ph type="title"/>
-          </p:nvPr>
-        </p:nvSpPr>
-        <p:spPr/>
-        <p:txBody>
-          <a:bodyPr/>
-          <a:lstStyle/>
-          <a:p>
-            <a:r>
-              <a:rPr lang="en-US" dirty="0" err="1"/>
-              <a:t>Plotly</a:t>
-            </a:r>
-            <a:br>
-              <a:rPr lang="en-US" dirty="0"/>
-            </a:br>
-            <a:endParaRPr lang="en-US" dirty="0"/>
-          </a:p>
-        </p:txBody>
-      </p:sp>
-      <p:sp>
-        <p:nvSpPr>
-          <p:cNvPr id="3" name="Content Placeholder 2">
-            <a:extLst>
-              <a:ext uri="{FF2B5EF4-FFF2-40B4-BE49-F238E27FC236}">
-                <a16:creationId xmlns:a16="http://schemas.microsoft.com/office/drawing/2014/main" id="{B35FC83A-8648-5340-891F-F78EFAC8FD25}"/>
-              </a:ext>
-            </a:extLst>
-          </p:cNvPr>
-          <p:cNvSpPr>
-            <a:spLocks noGrp="1"/>
-          </p:cNvSpPr>
-          <p:nvPr>
-            <p:ph idx="1"/>
-          </p:nvPr>
-        </p:nvSpPr>
-        <p:spPr/>
-        <p:txBody>
-          <a:bodyPr/>
-          <a:lstStyle/>
-          <a:p>
-            <a:endParaRPr lang="en-US"/>
-          </a:p>
-        </p:txBody>
-      </p:sp>
-    </p:spTree>
-    <p:extLst>
-      <p:ext uri="{BB962C8B-B14F-4D97-AF65-F5344CB8AC3E}">
-        <p14:creationId xmlns:p14="http://schemas.microsoft.com/office/powerpoint/2010/main" val="572367801"/>
-      </p:ext>
-    </p:extLst>
-  </p:cSld>
-  <p:clrMapOvr>
-    <a:masterClrMapping/>
-  </p:clrMapOvr>
-</p:sld>
-</file>
-
-<file path=ppt/slides/slide11.xml><?xml version="1.0" encoding="utf-8"?>
-<p:sld xmlns:a="http://schemas.openxmlformats.org/drawingml/2006/main" xmlns:r="http://schemas.openxmlformats.org/officeDocument/2006/relationships" xmlns:p="http://schemas.openxmlformats.org/presentationml/2006/main">
-  <p:cSld>
-    <p:spTree>
-      <p:nvGrpSpPr>
-        <p:cNvPr id="1" name=""/>
-        <p:cNvGrpSpPr/>
-        <p:nvPr/>
-      </p:nvGrpSpPr>
-      <p:grpSpPr>
-        <a:xfrm>
-          <a:off x="0" y="0"/>
-          <a:ext cx="0" cy="0"/>
-          <a:chOff x="0" y="0"/>
-          <a:chExt cx="0" cy="0"/>
-        </a:xfrm>
-      </p:grpSpPr>
-      <p:sp>
-        <p:nvSpPr>
-          <p:cNvPr id="2" name="Title 1">
-            <a:extLst>
-              <a:ext uri="{FF2B5EF4-FFF2-40B4-BE49-F238E27FC236}">
-                <a16:creationId xmlns:a16="http://schemas.microsoft.com/office/drawing/2014/main" id="{0D7D2BF8-B7D9-614D-A54D-C4F32EEF0706}"/>
-              </a:ext>
-            </a:extLst>
-          </p:cNvPr>
-          <p:cNvSpPr>
-            <a:spLocks noGrp="1"/>
-          </p:cNvSpPr>
-          <p:nvPr>
-            <p:ph type="title"/>
-          </p:nvPr>
-        </p:nvSpPr>
-        <p:spPr/>
-        <p:txBody>
-          <a:bodyPr/>
-          <a:lstStyle/>
-          <a:p>
-            <a:r>
-              <a:rPr lang="en-US" dirty="0" err="1"/>
-              <a:t>Conclutions</a:t>
-            </a:r>
-            <a:endParaRPr lang="en-US" dirty="0"/>
-          </a:p>
-        </p:txBody>
-      </p:sp>
-      <p:sp>
-        <p:nvSpPr>
-          <p:cNvPr id="7" name="Content Placeholder 6">
-            <a:extLst>
-              <a:ext uri="{FF2B5EF4-FFF2-40B4-BE49-F238E27FC236}">
-                <a16:creationId xmlns:a16="http://schemas.microsoft.com/office/drawing/2014/main" id="{0FC06716-2B28-F345-9684-1615ECCD7F4A}"/>
-              </a:ext>
-            </a:extLst>
-          </p:cNvPr>
-          <p:cNvSpPr>
-            <a:spLocks noGrp="1"/>
-          </p:cNvSpPr>
-          <p:nvPr>
-            <p:ph idx="1"/>
-          </p:nvPr>
-        </p:nvSpPr>
-        <p:spPr/>
-        <p:txBody>
-          <a:bodyPr/>
-          <a:lstStyle/>
-          <a:p>
-            <a:endParaRPr lang="en-US"/>
-          </a:p>
-        </p:txBody>
-      </p:sp>
-    </p:spTree>
-    <p:extLst>
-      <p:ext uri="{BB962C8B-B14F-4D97-AF65-F5344CB8AC3E}">
-        <p14:creationId xmlns:p14="http://schemas.microsoft.com/office/powerpoint/2010/main" val="1983482311"/>
-      </p:ext>
-    </p:extLst>
-  </p:cSld>
-  <p:clrMapOvr>
-    <a:masterClrMapping/>
-  </p:clrMapOvr>
-</p:sld>
-</file>
-
 <file path=ppt/slides/slide2.xml><?xml version="1.0" encoding="utf-8"?>
 <p:sld xmlns:a="http://schemas.openxmlformats.org/drawingml/2006/main" xmlns:r="http://schemas.openxmlformats.org/officeDocument/2006/relationships" xmlns:p="http://schemas.openxmlformats.org/presentationml/2006/main">
   <p:cSld>
@@ -7985,7 +7812,7 @@
                   <a:srgbClr val="C00000"/>
                 </a:solidFill>
               </a:rPr>
-              <a:t>problem</a:t>
+              <a:t>Problem</a:t>
             </a:r>
             <a:endParaRPr lang="en-US" dirty="0"/>
           </a:p>
@@ -8446,10 +8273,10 @@
       </p:sp>
       <p:pic>
         <p:nvPicPr>
-          <p:cNvPr id="5" name="Content Placeholder 4">
+          <p:cNvPr id="7" name="Content Placeholder 6" descr="Graphical user interface, application&#10;&#10;Description automatically generated">
             <a:extLst>
               <a:ext uri="{FF2B5EF4-FFF2-40B4-BE49-F238E27FC236}">
-                <a16:creationId xmlns:a16="http://schemas.microsoft.com/office/drawing/2014/main" id="{65A3233E-F82B-6748-A9AF-521EBF3A469E}"/>
+                <a16:creationId xmlns:a16="http://schemas.microsoft.com/office/drawing/2014/main" id="{DA7490D7-BA21-B34E-8407-8F6478A0E9BB}"/>
               </a:ext>
             </a:extLst>
           </p:cNvPr>
@@ -8468,8 +8295,8 @@
         </p:blipFill>
         <p:spPr>
           <a:xfrm>
-            <a:off x="7681005" y="1905000"/>
-            <a:ext cx="3112180" cy="2340166"/>
+            <a:off x="1678489" y="1598612"/>
+            <a:ext cx="10029056" cy="4635278"/>
           </a:xfrm>
         </p:spPr>
       </p:pic>
@@ -8508,93 +8335,6 @@
           <p:cNvPr id="2" name="Title 1">
             <a:extLst>
               <a:ext uri="{FF2B5EF4-FFF2-40B4-BE49-F238E27FC236}">
-                <a16:creationId xmlns:a16="http://schemas.microsoft.com/office/drawing/2014/main" id="{B8D1C271-D4D5-E74D-843D-1F5D472B1D18}"/>
-              </a:ext>
-            </a:extLst>
-          </p:cNvPr>
-          <p:cNvSpPr>
-            <a:spLocks noGrp="1"/>
-          </p:cNvSpPr>
-          <p:nvPr>
-            <p:ph type="title"/>
-          </p:nvPr>
-        </p:nvSpPr>
-        <p:spPr/>
-        <p:txBody>
-          <a:bodyPr/>
-          <a:lstStyle/>
-          <a:p>
-            <a:r>
-              <a:rPr lang="en-US" dirty="0" err="1"/>
-              <a:t>SQLAlchemy</a:t>
-            </a:r>
-            <a:br>
-              <a:rPr lang="en-US" dirty="0"/>
-            </a:br>
-            <a:endParaRPr lang="en-US" dirty="0"/>
-          </a:p>
-        </p:txBody>
-      </p:sp>
-      <p:sp>
-        <p:nvSpPr>
-          <p:cNvPr id="3" name="Content Placeholder 2">
-            <a:extLst>
-              <a:ext uri="{FF2B5EF4-FFF2-40B4-BE49-F238E27FC236}">
-                <a16:creationId xmlns:a16="http://schemas.microsoft.com/office/drawing/2014/main" id="{55D5C78E-E3D8-C14C-AF3B-8EB48858B465}"/>
-              </a:ext>
-            </a:extLst>
-          </p:cNvPr>
-          <p:cNvSpPr>
-            <a:spLocks noGrp="1"/>
-          </p:cNvSpPr>
-          <p:nvPr>
-            <p:ph idx="1"/>
-          </p:nvPr>
-        </p:nvSpPr>
-        <p:spPr/>
-        <p:txBody>
-          <a:bodyPr/>
-          <a:lstStyle/>
-          <a:p>
-            <a:endParaRPr lang="en-US"/>
-          </a:p>
-        </p:txBody>
-      </p:sp>
-    </p:spTree>
-    <p:extLst>
-      <p:ext uri="{BB962C8B-B14F-4D97-AF65-F5344CB8AC3E}">
-        <p14:creationId xmlns:p14="http://schemas.microsoft.com/office/powerpoint/2010/main" val="2679753577"/>
-      </p:ext>
-    </p:extLst>
-  </p:cSld>
-  <p:clrMapOvr>
-    <a:masterClrMapping/>
-  </p:clrMapOvr>
-</p:sld>
-</file>
-
-<file path=ppt/slides/slide7.xml><?xml version="1.0" encoding="utf-8"?>
-<p:sld xmlns:a="http://schemas.openxmlformats.org/drawingml/2006/main" xmlns:r="http://schemas.openxmlformats.org/officeDocument/2006/relationships" xmlns:p="http://schemas.openxmlformats.org/presentationml/2006/main">
-  <p:cSld>
-    <p:spTree>
-      <p:nvGrpSpPr>
-        <p:cNvPr id="1" name=""/>
-        <p:cNvGrpSpPr/>
-        <p:nvPr/>
-      </p:nvGrpSpPr>
-      <p:grpSpPr>
-        <a:xfrm>
-          <a:off x="0" y="0"/>
-          <a:ext cx="0" cy="0"/>
-          <a:chOff x="0" y="0"/>
-          <a:chExt cx="0" cy="0"/>
-        </a:xfrm>
-      </p:grpSpPr>
-      <p:sp>
-        <p:nvSpPr>
-          <p:cNvPr id="2" name="Title 1">
-            <a:extLst>
-              <a:ext uri="{FF2B5EF4-FFF2-40B4-BE49-F238E27FC236}">
                 <a16:creationId xmlns:a16="http://schemas.microsoft.com/office/drawing/2014/main" id="{B2052E06-F4F4-9B4A-BAE0-05EE81E98BAA}"/>
               </a:ext>
             </a:extLst>
@@ -8660,7 +8400,7 @@
 </p:sld>
 </file>
 
-<file path=ppt/slides/slide8.xml><?xml version="1.0" encoding="utf-8"?>
+<file path=ppt/slides/slide7.xml><?xml version="1.0" encoding="utf-8"?>
 <p:sld xmlns:a="http://schemas.openxmlformats.org/drawingml/2006/main" xmlns:r="http://schemas.openxmlformats.org/officeDocument/2006/relationships" xmlns:p="http://schemas.openxmlformats.org/presentationml/2006/main">
   <p:cSld>
     <p:spTree>
@@ -8777,7 +8517,7 @@
 </p:sld>
 </file>
 
-<file path=ppt/slides/slide9.xml><?xml version="1.0" encoding="utf-8"?>
+<file path=ppt/slides/slide8.xml><?xml version="1.0" encoding="utf-8"?>
 <p:sld xmlns:a="http://schemas.openxmlformats.org/drawingml/2006/main" xmlns:r="http://schemas.openxmlformats.org/officeDocument/2006/relationships" xmlns:p="http://schemas.openxmlformats.org/presentationml/2006/main">
   <p:cSld>
     <p:spTree>
@@ -8873,6 +8613,101 @@
     <p:extLst>
       <p:ext uri="{BB962C8B-B14F-4D97-AF65-F5344CB8AC3E}">
         <p14:creationId xmlns:p14="http://schemas.microsoft.com/office/powerpoint/2010/main" val="696378920"/>
+      </p:ext>
+    </p:extLst>
+  </p:cSld>
+  <p:clrMapOvr>
+    <a:masterClrMapping/>
+  </p:clrMapOvr>
+</p:sld>
+</file>
+
+<file path=ppt/slides/slide9.xml><?xml version="1.0" encoding="utf-8"?>
+<p:sld xmlns:a="http://schemas.openxmlformats.org/drawingml/2006/main" xmlns:r="http://schemas.openxmlformats.org/officeDocument/2006/relationships" xmlns:p="http://schemas.openxmlformats.org/presentationml/2006/main">
+  <p:cSld>
+    <p:spTree>
+      <p:nvGrpSpPr>
+        <p:cNvPr id="1" name=""/>
+        <p:cNvGrpSpPr/>
+        <p:nvPr/>
+      </p:nvGrpSpPr>
+      <p:grpSpPr>
+        <a:xfrm>
+          <a:off x="0" y="0"/>
+          <a:ext cx="0" cy="0"/>
+          <a:chOff x="0" y="0"/>
+          <a:chExt cx="0" cy="0"/>
+        </a:xfrm>
+      </p:grpSpPr>
+      <p:sp>
+        <p:nvSpPr>
+          <p:cNvPr id="2" name="Title 1">
+            <a:extLst>
+              <a:ext uri="{FF2B5EF4-FFF2-40B4-BE49-F238E27FC236}">
+                <a16:creationId xmlns:a16="http://schemas.microsoft.com/office/drawing/2014/main" id="{276E0ABE-41EC-714F-87E8-1A7EE550BEA1}"/>
+              </a:ext>
+            </a:extLst>
+          </p:cNvPr>
+          <p:cNvSpPr>
+            <a:spLocks noGrp="1"/>
+          </p:cNvSpPr>
+          <p:nvPr>
+            <p:ph type="title"/>
+          </p:nvPr>
+        </p:nvSpPr>
+        <p:spPr/>
+        <p:txBody>
+          <a:bodyPr/>
+          <a:lstStyle/>
+          <a:p>
+            <a:r>
+              <a:rPr lang="en-US" dirty="0" err="1"/>
+              <a:t>Plotly</a:t>
+            </a:r>
+            <a:br>
+              <a:rPr lang="en-US" dirty="0"/>
+            </a:br>
+            <a:endParaRPr lang="en-US" dirty="0"/>
+          </a:p>
+        </p:txBody>
+      </p:sp>
+      <p:sp>
+        <p:nvSpPr>
+          <p:cNvPr id="3" name="Content Placeholder 2">
+            <a:extLst>
+              <a:ext uri="{FF2B5EF4-FFF2-40B4-BE49-F238E27FC236}">
+                <a16:creationId xmlns:a16="http://schemas.microsoft.com/office/drawing/2014/main" id="{B35FC83A-8648-5340-891F-F78EFAC8FD25}"/>
+              </a:ext>
+            </a:extLst>
+          </p:cNvPr>
+          <p:cNvSpPr>
+            <a:spLocks noGrp="1"/>
+          </p:cNvSpPr>
+          <p:nvPr>
+            <p:ph idx="1"/>
+          </p:nvPr>
+        </p:nvSpPr>
+        <p:spPr>
+          <a:xfrm>
+            <a:off x="1638300" y="1540189"/>
+            <a:ext cx="8915400" cy="3777622"/>
+          </a:xfrm>
+        </p:spPr>
+        <p:txBody>
+          <a:bodyPr/>
+          <a:lstStyle/>
+          <a:p>
+            <a:r>
+              <a:rPr lang="en-US" dirty="0"/>
+              <a:t>Explore the difference between duration of stay for Melbourne’s CBD</a:t>
+            </a:r>
+          </a:p>
+        </p:txBody>
+      </p:sp>
+    </p:spTree>
+    <p:extLst>
+      <p:ext uri="{BB962C8B-B14F-4D97-AF65-F5344CB8AC3E}">
+        <p14:creationId xmlns:p14="http://schemas.microsoft.com/office/powerpoint/2010/main" val="572367801"/>
       </p:ext>
     </p:extLst>
   </p:cSld>
@@ -9126,6 +8961,21 @@
 </file>
 
 <file path=customXml/item1.xml><?xml version="1.0" encoding="utf-8"?>
+<?mso-contentType ?>
+<FormTemplates xmlns="http://schemas.microsoft.com/sharepoint/v3/contenttype/forms">
+  <Display>DocumentLibraryForm</Display>
+  <Edit>DocumentLibraryForm</Edit>
+  <New>DocumentLibraryForm</New>
+</FormTemplates>
+</file>
+
+<file path=customXml/item2.xml><?xml version="1.0" encoding="utf-8"?>
+<p:properties xmlns:p="http://schemas.microsoft.com/office/2006/metadata/properties" xmlns:xsi="http://www.w3.org/2001/XMLSchema-instance" xmlns:pc="http://schemas.microsoft.com/office/infopath/2007/PartnerControls">
+  <documentManagement/>
+</p:properties>
+</file>
+
+<file path=customXml/item3.xml><?xml version="1.0" encoding="utf-8"?>
 <ct:contentTypeSchema xmlns:ct="http://schemas.microsoft.com/office/2006/metadata/contentType" xmlns:ma="http://schemas.microsoft.com/office/2006/metadata/properties/metaAttributes" ct:_="" ma:_="" ma:contentTypeName="Document" ma:contentTypeID="0x010100F2539F22E5A4404CAD34FB96C142FE3A" ma:contentTypeVersion="13" ma:contentTypeDescription="Create a new document." ma:contentTypeScope="" ma:versionID="007b3f3a912f112271816250b9555acf">
   <xsd:schema xmlns:xsd="http://www.w3.org/2001/XMLSchema" xmlns:xs="http://www.w3.org/2001/XMLSchema" xmlns:p="http://schemas.microsoft.com/office/2006/metadata/properties" xmlns:ns3="37131f3e-0989-4fa1-a557-0e693b5133ca" xmlns:ns4="1adeb048-267d-4a84-abfa-7db00b6784a1" targetNamespace="http://schemas.microsoft.com/office/2006/metadata/properties" ma:root="true" ma:fieldsID="5458722c96c3279d2a72c45d605244fb" ns3:_="" ns4:_="">
     <xsd:import namespace="37131f3e-0989-4fa1-a557-0e693b5133ca"/>
@@ -9348,22 +9198,24 @@
 </ct:contentTypeSchema>
 </file>
 
-<file path=customXml/item2.xml><?xml version="1.0" encoding="utf-8"?>
-<?mso-contentType ?>
-<FormTemplates xmlns="http://schemas.microsoft.com/sharepoint/v3/contenttype/forms">
-  <Display>DocumentLibraryForm</Display>
-  <Edit>DocumentLibraryForm</Edit>
-  <New>DocumentLibraryForm</New>
-</FormTemplates>
+<file path=customXml/itemProps1.xml><?xml version="1.0" encoding="utf-8"?>
+<ds:datastoreItem xmlns:ds="http://schemas.openxmlformats.org/officeDocument/2006/customXml" ds:itemID="{01DFB8BB-6F8D-4B5F-8932-40156F08F814}">
+  <ds:schemaRefs>
+    <ds:schemaRef ds:uri="http://schemas.microsoft.com/sharepoint/v3/contenttype/forms"/>
+  </ds:schemaRefs>
+</ds:datastoreItem>
 </file>
 
-<file path=customXml/item3.xml><?xml version="1.0" encoding="utf-8"?>
-<p:properties xmlns:p="http://schemas.microsoft.com/office/2006/metadata/properties" xmlns:xsi="http://www.w3.org/2001/XMLSchema-instance" xmlns:pc="http://schemas.microsoft.com/office/infopath/2007/PartnerControls">
-  <documentManagement/>
-</p:properties>
+<file path=customXml/itemProps2.xml><?xml version="1.0" encoding="utf-8"?>
+<ds:datastoreItem xmlns:ds="http://schemas.openxmlformats.org/officeDocument/2006/customXml" ds:itemID="{25CD252F-7E2D-460F-B915-B87F410E1193}">
+  <ds:schemaRefs>
+    <ds:schemaRef ds:uri="http://schemas.microsoft.com/office/2006/metadata/properties"/>
+    <ds:schemaRef ds:uri="http://schemas.microsoft.com/office/infopath/2007/PartnerControls"/>
+  </ds:schemaRefs>
+</ds:datastoreItem>
 </file>
 
-<file path=customXml/itemProps1.xml><?xml version="1.0" encoding="utf-8"?>
+<file path=customXml/itemProps3.xml><?xml version="1.0" encoding="utf-8"?>
 <ds:datastoreItem xmlns:ds="http://schemas.openxmlformats.org/officeDocument/2006/customXml" ds:itemID="{458EF97E-305A-489A-9070-95ED0A29ABFE}">
   <ds:schemaRefs>
     <ds:schemaRef ds:uri="http://schemas.microsoft.com/office/2006/metadata/contentType"/>
@@ -9380,21 +9232,4 @@
     <ds:schemaRef ds:uri="http://schemas.microsoft.com/internal/obd"/>
   </ds:schemaRefs>
 </ds:datastoreItem>
-</file>
-
-<file path=customXml/itemProps2.xml><?xml version="1.0" encoding="utf-8"?>
-<ds:datastoreItem xmlns:ds="http://schemas.openxmlformats.org/officeDocument/2006/customXml" ds:itemID="{01DFB8BB-6F8D-4B5F-8932-40156F08F814}">
-  <ds:schemaRefs>
-    <ds:schemaRef ds:uri="http://schemas.microsoft.com/sharepoint/v3/contenttype/forms"/>
-  </ds:schemaRefs>
-</ds:datastoreItem>
-</file>
-
-<file path=customXml/itemProps3.xml><?xml version="1.0" encoding="utf-8"?>
-<ds:datastoreItem xmlns:ds="http://schemas.openxmlformats.org/officeDocument/2006/customXml" ds:itemID="{25CD252F-7E2D-460F-B915-B87F410E1193}">
-  <ds:schemaRefs>
-    <ds:schemaRef ds:uri="http://schemas.microsoft.com/office/2006/metadata/properties"/>
-    <ds:schemaRef ds:uri="http://schemas.microsoft.com/office/infopath/2007/PartnerControls"/>
-  </ds:schemaRefs>
-</ds:datastoreItem>
 </file>
--- a/Presentation1.pptx
+++ b/Presentation1.pptx
@@ -118,6 +118,2852 @@
     </p:ext>
   </p:extLst>
 </p:presentation>
+</file>
+
+<file path=ppt/diagrams/colors1.xml><?xml version="1.0" encoding="utf-8"?>
+<dgm:colorsDef xmlns:dgm="http://schemas.openxmlformats.org/drawingml/2006/diagram" xmlns:a="http://schemas.openxmlformats.org/drawingml/2006/main" uniqueId="urn:microsoft.com/office/officeart/2005/8/colors/accent1_2">
+  <dgm:title val=""/>
+  <dgm:desc val=""/>
+  <dgm:catLst>
+    <dgm:cat type="accent1" pri="11200"/>
+  </dgm:catLst>
+  <dgm:styleLbl name="node0">
+    <dgm:fillClrLst meth="repeat">
+      <a:schemeClr val="accent1"/>
+    </dgm:fillClrLst>
+    <dgm:linClrLst meth="repeat">
+      <a:schemeClr val="lt1"/>
+    </dgm:linClrLst>
+    <dgm:effectClrLst/>
+    <dgm:txLinClrLst/>
+    <dgm:txFillClrLst/>
+    <dgm:txEffectClrLst/>
+  </dgm:styleLbl>
+  <dgm:styleLbl name="alignNode1">
+    <dgm:fillClrLst meth="repeat">
+      <a:schemeClr val="accent1"/>
+    </dgm:fillClrLst>
+    <dgm:linClrLst meth="repeat">
+      <a:schemeClr val="accent1"/>
+    </dgm:linClrLst>
+    <dgm:effectClrLst/>
+    <dgm:txLinClrLst/>
+    <dgm:txFillClrLst/>
+    <dgm:txEffectClrLst/>
+  </dgm:styleLbl>
+  <dgm:styleLbl name="node1">
+    <dgm:fillClrLst meth="repeat">
+      <a:schemeClr val="accent1"/>
+    </dgm:fillClrLst>
+    <dgm:linClrLst meth="repeat">
+      <a:schemeClr val="lt1"/>
+    </dgm:linClrLst>
+    <dgm:effectClrLst/>
+    <dgm:txLinClrLst/>
+    <dgm:txFillClrLst/>
+    <dgm:txEffectClrLst/>
+  </dgm:styleLbl>
+  <dgm:styleLbl name="lnNode1">
+    <dgm:fillClrLst meth="repeat">
+      <a:schemeClr val="accent1"/>
+    </dgm:fillClrLst>
+    <dgm:linClrLst meth="repeat">
+      <a:schemeClr val="lt1"/>
+    </dgm:linClrLst>
+    <dgm:effectClrLst/>
+    <dgm:txLinClrLst/>
+    <dgm:txFillClrLst/>
+    <dgm:txEffectClrLst/>
+  </dgm:styleLbl>
+  <dgm:styleLbl name="vennNode1">
+    <dgm:fillClrLst meth="repeat">
+      <a:schemeClr val="accent1">
+        <a:alpha val="50000"/>
+      </a:schemeClr>
+    </dgm:fillClrLst>
+    <dgm:linClrLst meth="repeat">
+      <a:schemeClr val="lt1"/>
+    </dgm:linClrLst>
+    <dgm:effectClrLst/>
+    <dgm:txLinClrLst/>
+    <dgm:txFillClrLst/>
+    <dgm:txEffectClrLst/>
+  </dgm:styleLbl>
+  <dgm:styleLbl name="node2">
+    <dgm:fillClrLst meth="repeat">
+      <a:schemeClr val="accent1"/>
+    </dgm:fillClrLst>
+    <dgm:linClrLst meth="repeat">
+      <a:schemeClr val="lt1"/>
+    </dgm:linClrLst>
+    <dgm:effectClrLst/>
+    <dgm:txLinClrLst/>
+    <dgm:txFillClrLst/>
+    <dgm:txEffectClrLst/>
+  </dgm:styleLbl>
+  <dgm:styleLbl name="node3">
+    <dgm:fillClrLst meth="repeat">
+      <a:schemeClr val="accent1"/>
+    </dgm:fillClrLst>
+    <dgm:linClrLst meth="repeat">
+      <a:schemeClr val="lt1"/>
+    </dgm:linClrLst>
+    <dgm:effectClrLst/>
+    <dgm:txLinClrLst/>
+    <dgm:txFillClrLst/>
+    <dgm:txEffectClrLst/>
+  </dgm:styleLbl>
+  <dgm:styleLbl name="node4">
+    <dgm:fillClrLst meth="repeat">
+      <a:schemeClr val="accent1"/>
+    </dgm:fillClrLst>
+    <dgm:linClrLst meth="repeat">
+      <a:schemeClr val="lt1"/>
+    </dgm:linClrLst>
+    <dgm:effectClrLst/>
+    <dgm:txLinClrLst/>
+    <dgm:txFillClrLst/>
+    <dgm:txEffectClrLst/>
+  </dgm:styleLbl>
+  <dgm:styleLbl name="fgImgPlace1">
+    <dgm:fillClrLst meth="repeat">
+      <a:schemeClr val="accent1">
+        <a:tint val="50000"/>
+      </a:schemeClr>
+    </dgm:fillClrLst>
+    <dgm:linClrLst meth="repeat">
+      <a:schemeClr val="lt1"/>
+    </dgm:linClrLst>
+    <dgm:effectClrLst/>
+    <dgm:txLinClrLst/>
+    <dgm:txFillClrLst meth="repeat">
+      <a:schemeClr val="lt1"/>
+    </dgm:txFillClrLst>
+    <dgm:txEffectClrLst/>
+  </dgm:styleLbl>
+  <dgm:styleLbl name="alignImgPlace1">
+    <dgm:fillClrLst meth="repeat">
+      <a:schemeClr val="accent1">
+        <a:tint val="50000"/>
+      </a:schemeClr>
+    </dgm:fillClrLst>
+    <dgm:linClrLst meth="repeat">
+      <a:schemeClr val="lt1"/>
+    </dgm:linClrLst>
+    <dgm:effectClrLst/>
+    <dgm:txLinClrLst/>
+    <dgm:txFillClrLst meth="repeat">
+      <a:schemeClr val="lt1"/>
+    </dgm:txFillClrLst>
+    <dgm:txEffectClrLst/>
+  </dgm:styleLbl>
+  <dgm:styleLbl name="bgImgPlace1">
+    <dgm:fillClrLst meth="repeat">
+      <a:schemeClr val="accent1">
+        <a:tint val="50000"/>
+      </a:schemeClr>
+    </dgm:fillClrLst>
+    <dgm:linClrLst meth="repeat">
+      <a:schemeClr val="lt1"/>
+    </dgm:linClrLst>
+    <dgm:effectClrLst/>
+    <dgm:txLinClrLst/>
+    <dgm:txFillClrLst meth="repeat">
+      <a:schemeClr val="lt1"/>
+    </dgm:txFillClrLst>
+    <dgm:txEffectClrLst/>
+  </dgm:styleLbl>
+  <dgm:styleLbl name="sibTrans2D1">
+    <dgm:fillClrLst meth="repeat">
+      <a:schemeClr val="accent1">
+        <a:tint val="60000"/>
+      </a:schemeClr>
+    </dgm:fillClrLst>
+    <dgm:linClrLst meth="repeat">
+      <a:schemeClr val="accent1">
+        <a:tint val="60000"/>
+      </a:schemeClr>
+    </dgm:linClrLst>
+    <dgm:effectClrLst/>
+    <dgm:txLinClrLst/>
+    <dgm:txFillClrLst/>
+    <dgm:txEffectClrLst/>
+  </dgm:styleLbl>
+  <dgm:styleLbl name="fgSibTrans2D1">
+    <dgm:fillClrLst meth="repeat">
+      <a:schemeClr val="accent1">
+        <a:tint val="60000"/>
+      </a:schemeClr>
+    </dgm:fillClrLst>
+    <dgm:linClrLst meth="repeat">
+      <a:schemeClr val="accent1">
+        <a:tint val="60000"/>
+      </a:schemeClr>
+    </dgm:linClrLst>
+    <dgm:effectClrLst/>
+    <dgm:txLinClrLst/>
+    <dgm:txFillClrLst/>
+    <dgm:txEffectClrLst/>
+  </dgm:styleLbl>
+  <dgm:styleLbl name="bgSibTrans2D1">
+    <dgm:fillClrLst meth="repeat">
+      <a:schemeClr val="accent1">
+        <a:tint val="60000"/>
+      </a:schemeClr>
+    </dgm:fillClrLst>
+    <dgm:linClrLst meth="repeat">
+      <a:schemeClr val="accent1">
+        <a:tint val="60000"/>
+      </a:schemeClr>
+    </dgm:linClrLst>
+    <dgm:effectClrLst/>
+    <dgm:txLinClrLst/>
+    <dgm:txFillClrLst/>
+    <dgm:txEffectClrLst/>
+  </dgm:styleLbl>
+  <dgm:styleLbl name="sibTrans1D1">
+    <dgm:fillClrLst meth="repeat">
+      <a:schemeClr val="accent1"/>
+    </dgm:fillClrLst>
+    <dgm:linClrLst meth="repeat">
+      <a:schemeClr val="accent1"/>
+    </dgm:linClrLst>
+    <dgm:effectClrLst/>
+    <dgm:txLinClrLst/>
+    <dgm:txFillClrLst meth="repeat">
+      <a:schemeClr val="tx1"/>
+    </dgm:txFillClrLst>
+    <dgm:txEffectClrLst/>
+  </dgm:styleLbl>
+  <dgm:styleLbl name="callout">
+    <dgm:fillClrLst meth="repeat">
+      <a:schemeClr val="accent1"/>
+    </dgm:fillClrLst>
+    <dgm:linClrLst meth="repeat">
+      <a:schemeClr val="accent1">
+        <a:tint val="50000"/>
+      </a:schemeClr>
+    </dgm:linClrLst>
+    <dgm:effectClrLst/>
+    <dgm:txLinClrLst/>
+    <dgm:txFillClrLst meth="repeat">
+      <a:schemeClr val="tx1"/>
+    </dgm:txFillClrLst>
+    <dgm:txEffectClrLst/>
+  </dgm:styleLbl>
+  <dgm:styleLbl name="asst0">
+    <dgm:fillClrLst meth="repeat">
+      <a:schemeClr val="accent1"/>
+    </dgm:fillClrLst>
+    <dgm:linClrLst meth="repeat">
+      <a:schemeClr val="lt1"/>
+    </dgm:linClrLst>
+    <dgm:effectClrLst/>
+    <dgm:txLinClrLst/>
+    <dgm:txFillClrLst/>
+    <dgm:txEffectClrLst/>
+  </dgm:styleLbl>
+  <dgm:styleLbl name="asst1">
+    <dgm:fillClrLst meth="repeat">
+      <a:schemeClr val="accent1"/>
+    </dgm:fillClrLst>
+    <dgm:linClrLst meth="repeat">
+      <a:schemeClr val="lt1"/>
+    </dgm:linClrLst>
+    <dgm:effectClrLst/>
+    <dgm:txLinClrLst/>
+    <dgm:txFillClrLst/>
+    <dgm:txEffectClrLst/>
+  </dgm:styleLbl>
+  <dgm:styleLbl name="asst2">
+    <dgm:fillClrLst meth="repeat">
+      <a:schemeClr val="accent1"/>
+    </dgm:fillClrLst>
+    <dgm:linClrLst meth="repeat">
+      <a:schemeClr val="lt1"/>
+    </dgm:linClrLst>
+    <dgm:effectClrLst/>
+    <dgm:txLinClrLst/>
+    <dgm:txFillClrLst/>
+    <dgm:txEffectClrLst/>
+  </dgm:styleLbl>
+  <dgm:styleLbl name="asst3">
+    <dgm:fillClrLst meth="repeat">
+      <a:schemeClr val="accent1"/>
+    </dgm:fillClrLst>
+    <dgm:linClrLst meth="repeat">
+      <a:schemeClr val="lt1"/>
+    </dgm:linClrLst>
+    <dgm:effectClrLst/>
+    <dgm:txLinClrLst/>
+    <dgm:txFillClrLst/>
+    <dgm:txEffectClrLst/>
+  </dgm:styleLbl>
+  <dgm:styleLbl name="asst4">
+    <dgm:fillClrLst meth="repeat">
+      <a:schemeClr val="accent1"/>
+    </dgm:fillClrLst>
+    <dgm:linClrLst meth="repeat">
+      <a:schemeClr val="lt1"/>
+    </dgm:linClrLst>
+    <dgm:effectClrLst/>
+    <dgm:txLinClrLst/>
+    <dgm:txFillClrLst/>
+    <dgm:txEffectClrLst/>
+  </dgm:styleLbl>
+  <dgm:styleLbl name="parChTrans2D1">
+    <dgm:fillClrLst meth="repeat">
+      <a:schemeClr val="accent1">
+        <a:tint val="60000"/>
+      </a:schemeClr>
+    </dgm:fillClrLst>
+    <dgm:linClrLst meth="repeat">
+      <a:schemeClr val="accent1">
+        <a:tint val="60000"/>
+      </a:schemeClr>
+    </dgm:linClrLst>
+    <dgm:effectClrLst/>
+    <dgm:txLinClrLst/>
+    <dgm:txFillClrLst meth="repeat">
+      <a:schemeClr val="lt1"/>
+    </dgm:txFillClrLst>
+    <dgm:txEffectClrLst/>
+  </dgm:styleLbl>
+  <dgm:styleLbl name="parChTrans2D2">
+    <dgm:fillClrLst meth="repeat">
+      <a:schemeClr val="accent1"/>
+    </dgm:fillClrLst>
+    <dgm:linClrLst meth="repeat">
+      <a:schemeClr val="accent1"/>
+    </dgm:linClrLst>
+    <dgm:effectClrLst/>
+    <dgm:txLinClrLst/>
+    <dgm:txFillClrLst meth="repeat">
+      <a:schemeClr val="lt1"/>
+    </dgm:txFillClrLst>
+    <dgm:txEffectClrLst/>
+  </dgm:styleLbl>
+  <dgm:styleLbl name="parChTrans2D3">
+    <dgm:fillClrLst meth="repeat">
+      <a:schemeClr val="accent1"/>
+    </dgm:fillClrLst>
+    <dgm:linClrLst meth="repeat">
+      <a:schemeClr val="accent1"/>
+    </dgm:linClrLst>
+    <dgm:effectClrLst/>
+    <dgm:txLinClrLst/>
+    <dgm:txFillClrLst meth="repeat">
+      <a:schemeClr val="lt1"/>
+    </dgm:txFillClrLst>
+    <dgm:txEffectClrLst/>
+  </dgm:styleLbl>
+  <dgm:styleLbl name="parChTrans2D4">
+    <dgm:fillClrLst meth="repeat">
+      <a:schemeClr val="accent1"/>
+    </dgm:fillClrLst>
+    <dgm:linClrLst meth="repeat">
+      <a:schemeClr val="accent1"/>
+    </dgm:linClrLst>
+    <dgm:effectClrLst/>
+    <dgm:txLinClrLst/>
+    <dgm:txFillClrLst meth="repeat">
+      <a:schemeClr val="lt1"/>
+    </dgm:txFillClrLst>
+    <dgm:txEffectClrLst/>
+  </dgm:styleLbl>
+  <dgm:styleLbl name="parChTrans1D1">
+    <dgm:fillClrLst meth="repeat">
+      <a:schemeClr val="accent1"/>
+    </dgm:fillClrLst>
+    <dgm:linClrLst meth="repeat">
+      <a:schemeClr val="accent1">
+        <a:shade val="60000"/>
+      </a:schemeClr>
+    </dgm:linClrLst>
+    <dgm:effectClrLst/>
+    <dgm:txLinClrLst/>
+    <dgm:txFillClrLst meth="repeat">
+      <a:schemeClr val="tx1"/>
+    </dgm:txFillClrLst>
+    <dgm:txEffectClrLst/>
+  </dgm:styleLbl>
+  <dgm:styleLbl name="parChTrans1D2">
+    <dgm:fillClrLst meth="repeat">
+      <a:schemeClr val="accent1"/>
+    </dgm:fillClrLst>
+    <dgm:linClrLst meth="repeat">
+      <a:schemeClr val="accent1">
+        <a:shade val="60000"/>
+      </a:schemeClr>
+    </dgm:linClrLst>
+    <dgm:effectClrLst/>
+    <dgm:txLinClrLst/>
+    <dgm:txFillClrLst meth="repeat">
+      <a:schemeClr val="tx1"/>
+    </dgm:txFillClrLst>
+    <dgm:txEffectClrLst/>
+  </dgm:styleLbl>
+  <dgm:styleLbl name="parChTrans1D3">
+    <dgm:fillClrLst meth="repeat">
+      <a:schemeClr val="accent1"/>
+    </dgm:fillClrLst>
+    <dgm:linClrLst meth="repeat">
+      <a:schemeClr val="accent1">
+        <a:shade val="80000"/>
+      </a:schemeClr>
+    </dgm:linClrLst>
+    <dgm:effectClrLst/>
+    <dgm:txLinClrLst/>
+    <dgm:txFillClrLst meth="repeat">
+      <a:schemeClr val="tx1"/>
+    </dgm:txFillClrLst>
+    <dgm:txEffectClrLst/>
+  </dgm:styleLbl>
+  <dgm:styleLbl name="parChTrans1D4">
+    <dgm:fillClrLst meth="repeat">
+      <a:schemeClr val="accent1"/>
+    </dgm:fillClrLst>
+    <dgm:linClrLst meth="repeat">
+      <a:schemeClr val="accent1">
+        <a:shade val="80000"/>
+      </a:schemeClr>
+    </dgm:linClrLst>
+    <dgm:effectClrLst/>
+    <dgm:txLinClrLst/>
+    <dgm:txFillClrLst meth="repeat">
+      <a:schemeClr val="tx1"/>
+    </dgm:txFillClrLst>
+    <dgm:txEffectClrLst/>
+  </dgm:styleLbl>
+  <dgm:styleLbl name="fgAcc1">
+    <dgm:fillClrLst meth="repeat">
+      <a:schemeClr val="lt1">
+        <a:alpha val="90000"/>
+      </a:schemeClr>
+    </dgm:fillClrLst>
+    <dgm:linClrLst meth="repeat">
+      <a:schemeClr val="accent1"/>
+    </dgm:linClrLst>
+    <dgm:effectClrLst/>
+    <dgm:txLinClrLst/>
+    <dgm:txFillClrLst meth="repeat">
+      <a:schemeClr val="dk1"/>
+    </dgm:txFillClrLst>
+    <dgm:txEffectClrLst/>
+  </dgm:styleLbl>
+  <dgm:styleLbl name="conFgAcc1">
+    <dgm:fillClrLst meth="repeat">
+      <a:schemeClr val="lt1">
+        <a:alpha val="90000"/>
+      </a:schemeClr>
+    </dgm:fillClrLst>
+    <dgm:linClrLst meth="repeat">
+      <a:schemeClr val="accent1"/>
+    </dgm:linClrLst>
+    <dgm:effectClrLst/>
+    <dgm:txLinClrLst/>
+    <dgm:txFillClrLst meth="repeat">
+      <a:schemeClr val="dk1"/>
+    </dgm:txFillClrLst>
+    <dgm:txEffectClrLst/>
+  </dgm:styleLbl>
+  <dgm:styleLbl name="alignAcc1">
+    <dgm:fillClrLst meth="repeat">
+      <a:schemeClr val="lt1">
+        <a:alpha val="90000"/>
+      </a:schemeClr>
+    </dgm:fillClrLst>
+    <dgm:linClrLst meth="repeat">
+      <a:schemeClr val="accent1"/>
+    </dgm:linClrLst>
+    <dgm:effectClrLst/>
+    <dgm:txLinClrLst/>
+    <dgm:txFillClrLst meth="repeat">
+      <a:schemeClr val="dk1"/>
+    </dgm:txFillClrLst>
+    <dgm:txEffectClrLst/>
+  </dgm:styleLbl>
+  <dgm:styleLbl name="trAlignAcc1">
+    <dgm:fillClrLst meth="repeat">
+      <a:schemeClr val="lt1">
+        <a:alpha val="40000"/>
+      </a:schemeClr>
+    </dgm:fillClrLst>
+    <dgm:linClrLst meth="repeat">
+      <a:schemeClr val="accent1"/>
+    </dgm:linClrLst>
+    <dgm:effectClrLst/>
+    <dgm:txLinClrLst/>
+    <dgm:txFillClrLst meth="repeat">
+      <a:schemeClr val="dk1"/>
+    </dgm:txFillClrLst>
+    <dgm:txEffectClrLst/>
+  </dgm:styleLbl>
+  <dgm:styleLbl name="bgAcc1">
+    <dgm:fillClrLst meth="repeat">
+      <a:schemeClr val="lt1">
+        <a:alpha val="90000"/>
+      </a:schemeClr>
+    </dgm:fillClrLst>
+    <dgm:linClrLst meth="repeat">
+      <a:schemeClr val="accent1"/>
+    </dgm:linClrLst>
+    <dgm:effectClrLst/>
+    <dgm:txLinClrLst/>
+    <dgm:txFillClrLst meth="repeat">
+      <a:schemeClr val="dk1"/>
+    </dgm:txFillClrLst>
+    <dgm:txEffectClrLst/>
+  </dgm:styleLbl>
+  <dgm:styleLbl name="solidFgAcc1">
+    <dgm:fillClrLst meth="repeat">
+      <a:schemeClr val="lt1"/>
+    </dgm:fillClrLst>
+    <dgm:linClrLst meth="repeat">
+      <a:schemeClr val="accent1"/>
+    </dgm:linClrLst>
+    <dgm:effectClrLst/>
+    <dgm:txLinClrLst/>
+    <dgm:txFillClrLst meth="repeat">
+      <a:schemeClr val="dk1"/>
+    </dgm:txFillClrLst>
+    <dgm:txEffectClrLst/>
+  </dgm:styleLbl>
+  <dgm:styleLbl name="solidAlignAcc1">
+    <dgm:fillClrLst meth="repeat">
+      <a:schemeClr val="lt1"/>
+    </dgm:fillClrLst>
+    <dgm:linClrLst meth="repeat">
+      <a:schemeClr val="accent1"/>
+    </dgm:linClrLst>
+    <dgm:effectClrLst/>
+    <dgm:txLinClrLst/>
+    <dgm:txFillClrLst meth="repeat">
+      <a:schemeClr val="dk1"/>
+    </dgm:txFillClrLst>
+    <dgm:txEffectClrLst/>
+  </dgm:styleLbl>
+  <dgm:styleLbl name="solidBgAcc1">
+    <dgm:fillClrLst meth="repeat">
+      <a:schemeClr val="lt1"/>
+    </dgm:fillClrLst>
+    <dgm:linClrLst meth="repeat">
+      <a:schemeClr val="accent1"/>
+    </dgm:linClrLst>
+    <dgm:effectClrLst/>
+    <dgm:txLinClrLst/>
+    <dgm:txFillClrLst meth="repeat">
+      <a:schemeClr val="dk1"/>
+    </dgm:txFillClrLst>
+    <dgm:txEffectClrLst/>
+  </dgm:styleLbl>
+  <dgm:styleLbl name="fgAccFollowNode1">
+    <dgm:fillClrLst meth="repeat">
+      <a:schemeClr val="accent1">
+        <a:alpha val="90000"/>
+        <a:tint val="40000"/>
+      </a:schemeClr>
+    </dgm:fillClrLst>
+    <dgm:linClrLst meth="repeat">
+      <a:schemeClr val="accent1">
+        <a:alpha val="90000"/>
+        <a:tint val="40000"/>
+      </a:schemeClr>
+    </dgm:linClrLst>
+    <dgm:effectClrLst/>
+    <dgm:txLinClrLst/>
+    <dgm:txFillClrLst meth="repeat">
+      <a:schemeClr val="dk1"/>
+    </dgm:txFillClrLst>
+    <dgm:txEffectClrLst/>
+  </dgm:styleLbl>
+  <dgm:styleLbl name="alignAccFollowNode1">
+    <dgm:fillClrLst meth="repeat">
+      <a:schemeClr val="accent1">
+        <a:alpha val="90000"/>
+        <a:tint val="40000"/>
+      </a:schemeClr>
+    </dgm:fillClrLst>
+    <dgm:linClrLst meth="repeat">
+      <a:schemeClr val="accent1">
+        <a:alpha val="90000"/>
+        <a:tint val="40000"/>
+      </a:schemeClr>
+    </dgm:linClrLst>
+    <dgm:effectClrLst/>
+    <dgm:txLinClrLst/>
+    <dgm:txFillClrLst meth="repeat">
+      <a:schemeClr val="dk1"/>
+    </dgm:txFillClrLst>
+    <dgm:txEffectClrLst/>
+  </dgm:styleLbl>
+  <dgm:styleLbl name="bgAccFollowNode1">
+    <dgm:fillClrLst meth="repeat">
+      <a:schemeClr val="accent1">
+        <a:alpha val="90000"/>
+        <a:tint val="40000"/>
+      </a:schemeClr>
+    </dgm:fillClrLst>
+    <dgm:linClrLst meth="repeat">
+      <a:schemeClr val="accent1">
+        <a:alpha val="90000"/>
+        <a:tint val="40000"/>
+      </a:schemeClr>
+    </dgm:linClrLst>
+    <dgm:effectClrLst/>
+    <dgm:txLinClrLst/>
+    <dgm:txFillClrLst meth="repeat">
+      <a:schemeClr val="dk1"/>
+    </dgm:txFillClrLst>
+    <dgm:txEffectClrLst/>
+  </dgm:styleLbl>
+  <dgm:styleLbl name="fgAcc0">
+    <dgm:fillClrLst meth="repeat">
+      <a:schemeClr val="lt1">
+        <a:alpha val="90000"/>
+      </a:schemeClr>
+    </dgm:fillClrLst>
+    <dgm:linClrLst meth="repeat">
+      <a:schemeClr val="accent1"/>
+    </dgm:linClrLst>
+    <dgm:effectClrLst/>
+    <dgm:txLinClrLst/>
+    <dgm:txFillClrLst meth="repeat">
+      <a:schemeClr val="dk1"/>
+    </dgm:txFillClrLst>
+    <dgm:txEffectClrLst/>
+  </dgm:styleLbl>
+  <dgm:styleLbl name="fgAcc2">
+    <dgm:fillClrLst meth="repeat">
+      <a:schemeClr val="lt1">
+        <a:alpha val="90000"/>
+      </a:schemeClr>
+    </dgm:fillClrLst>
+    <dgm:linClrLst meth="repeat">
+      <a:schemeClr val="accent1"/>
+    </dgm:linClrLst>
+    <dgm:effectClrLst/>
+    <dgm:txLinClrLst/>
+    <dgm:txFillClrLst meth="repeat">
+      <a:schemeClr val="dk1"/>
+    </dgm:txFillClrLst>
+    <dgm:txEffectClrLst/>
+  </dgm:styleLbl>
+  <dgm:styleLbl name="fgAcc3">
+    <dgm:fillClrLst meth="repeat">
+      <a:schemeClr val="lt1">
+        <a:alpha val="90000"/>
+      </a:schemeClr>
+    </dgm:fillClrLst>
+    <dgm:linClrLst meth="repeat">
+      <a:schemeClr val="accent1"/>
+    </dgm:linClrLst>
+    <dgm:effectClrLst/>
+    <dgm:txLinClrLst/>
+    <dgm:txFillClrLst meth="repeat">
+      <a:schemeClr val="dk1"/>
+    </dgm:txFillClrLst>
+    <dgm:txEffectClrLst/>
+  </dgm:styleLbl>
+  <dgm:styleLbl name="fgAcc4">
+    <dgm:fillClrLst meth="repeat">
+      <a:schemeClr val="lt1">
+        <a:alpha val="90000"/>
+      </a:schemeClr>
+    </dgm:fillClrLst>
+    <dgm:linClrLst meth="repeat">
+      <a:schemeClr val="accent1"/>
+    </dgm:linClrLst>
+    <dgm:effectClrLst/>
+    <dgm:txLinClrLst/>
+    <dgm:txFillClrLst meth="repeat">
+      <a:schemeClr val="dk1"/>
+    </dgm:txFillClrLst>
+    <dgm:txEffectClrLst/>
+  </dgm:styleLbl>
+  <dgm:styleLbl name="bgShp">
+    <dgm:fillClrLst meth="repeat">
+      <a:schemeClr val="accent1">
+        <a:tint val="40000"/>
+      </a:schemeClr>
+    </dgm:fillClrLst>
+    <dgm:linClrLst meth="repeat">
+      <a:schemeClr val="accent1"/>
+    </dgm:linClrLst>
+    <dgm:effectClrLst/>
+    <dgm:txLinClrLst/>
+    <dgm:txFillClrLst meth="repeat">
+      <a:schemeClr val="dk1"/>
+    </dgm:txFillClrLst>
+    <dgm:txEffectClrLst/>
+  </dgm:styleLbl>
+  <dgm:styleLbl name="dkBgShp">
+    <dgm:fillClrLst meth="repeat">
+      <a:schemeClr val="accent1">
+        <a:shade val="80000"/>
+      </a:schemeClr>
+    </dgm:fillClrLst>
+    <dgm:linClrLst meth="repeat">
+      <a:schemeClr val="accent1"/>
+    </dgm:linClrLst>
+    <dgm:effectClrLst/>
+    <dgm:txLinClrLst/>
+    <dgm:txFillClrLst meth="repeat">
+      <a:schemeClr val="lt1"/>
+    </dgm:txFillClrLst>
+    <dgm:txEffectClrLst/>
+  </dgm:styleLbl>
+  <dgm:styleLbl name="trBgShp">
+    <dgm:fillClrLst meth="repeat">
+      <a:schemeClr val="accent1">
+        <a:tint val="50000"/>
+        <a:alpha val="40000"/>
+      </a:schemeClr>
+    </dgm:fillClrLst>
+    <dgm:linClrLst meth="repeat">
+      <a:schemeClr val="accent1"/>
+    </dgm:linClrLst>
+    <dgm:effectClrLst/>
+    <dgm:txLinClrLst/>
+    <dgm:txFillClrLst meth="repeat">
+      <a:schemeClr val="lt1"/>
+    </dgm:txFillClrLst>
+    <dgm:txEffectClrLst/>
+  </dgm:styleLbl>
+  <dgm:styleLbl name="fgShp">
+    <dgm:fillClrLst meth="repeat">
+      <a:schemeClr val="accent1">
+        <a:tint val="60000"/>
+      </a:schemeClr>
+    </dgm:fillClrLst>
+    <dgm:linClrLst meth="repeat">
+      <a:schemeClr val="lt1"/>
+    </dgm:linClrLst>
+    <dgm:effectClrLst/>
+    <dgm:txLinClrLst/>
+    <dgm:txFillClrLst meth="repeat">
+      <a:schemeClr val="dk1"/>
+    </dgm:txFillClrLst>
+    <dgm:txEffectClrLst/>
+  </dgm:styleLbl>
+  <dgm:styleLbl name="revTx">
+    <dgm:fillClrLst meth="repeat">
+      <a:schemeClr val="lt1">
+        <a:alpha val="0"/>
+      </a:schemeClr>
+    </dgm:fillClrLst>
+    <dgm:linClrLst meth="repeat">
+      <a:schemeClr val="dk1">
+        <a:alpha val="0"/>
+      </a:schemeClr>
+    </dgm:linClrLst>
+    <dgm:effectClrLst/>
+    <dgm:txLinClrLst/>
+    <dgm:txFillClrLst meth="repeat">
+      <a:schemeClr val="tx1"/>
+    </dgm:txFillClrLst>
+    <dgm:txEffectClrLst/>
+  </dgm:styleLbl>
+</dgm:colorsDef>
+</file>
+
+<file path=ppt/diagrams/data1.xml><?xml version="1.0" encoding="utf-8"?>
+<dgm:dataModel xmlns:dgm="http://schemas.openxmlformats.org/drawingml/2006/diagram" xmlns:a="http://schemas.openxmlformats.org/drawingml/2006/main">
+  <dgm:ptLst>
+    <dgm:pt modelId="{FB82C231-DEC4-BE40-9582-7E6034ACAF54}" type="doc">
+      <dgm:prSet loTypeId="urn:microsoft.com/office/officeart/2005/8/layout/radial2" loCatId="relationship" qsTypeId="urn:microsoft.com/office/officeart/2005/8/quickstyle/simple1" qsCatId="simple" csTypeId="urn:microsoft.com/office/officeart/2005/8/colors/accent1_2" csCatId="accent1" phldr="1"/>
+      <dgm:spPr/>
+      <dgm:t>
+        <a:bodyPr/>
+        <a:lstStyle/>
+        <a:p>
+          <a:endParaRPr lang="en-GB"/>
+        </a:p>
+      </dgm:t>
+    </dgm:pt>
+    <dgm:pt modelId="{37F1F1C8-155F-0544-A2DA-20CF6E3E8E27}">
+      <dgm:prSet phldrT="[Text]"/>
+      <dgm:spPr/>
+      <dgm:t>
+        <a:bodyPr/>
+        <a:lstStyle/>
+        <a:p>
+          <a:r>
+            <a:rPr lang="en-GB" dirty="0"/>
+            <a:t>Home</a:t>
+          </a:r>
+        </a:p>
+      </dgm:t>
+    </dgm:pt>
+    <dgm:pt modelId="{D61621FB-4B27-0549-8C8A-C8C6FE6138D4}" type="parTrans" cxnId="{37017E72-6418-ED46-A6DF-9EEFCECC5D19}">
+      <dgm:prSet/>
+      <dgm:spPr/>
+      <dgm:t>
+        <a:bodyPr/>
+        <a:lstStyle/>
+        <a:p>
+          <a:endParaRPr lang="en-GB"/>
+        </a:p>
+      </dgm:t>
+    </dgm:pt>
+    <dgm:pt modelId="{226A799F-AEAE-AF48-868B-E05B55D9E7DF}" type="sibTrans" cxnId="{37017E72-6418-ED46-A6DF-9EEFCECC5D19}">
+      <dgm:prSet/>
+      <dgm:spPr/>
+      <dgm:t>
+        <a:bodyPr/>
+        <a:lstStyle/>
+        <a:p>
+          <a:endParaRPr lang="en-GB"/>
+        </a:p>
+      </dgm:t>
+    </dgm:pt>
+    <dgm:pt modelId="{386F117E-9A1C-514D-8FB9-0941C9FEEEA5}">
+      <dgm:prSet phldrT="[Text]"/>
+      <dgm:spPr/>
+      <dgm:t>
+        <a:bodyPr/>
+        <a:lstStyle/>
+        <a:p>
+          <a:r>
+            <a:rPr lang="en-GB" dirty="0"/>
+            <a:t>Map </a:t>
+          </a:r>
+        </a:p>
+      </dgm:t>
+    </dgm:pt>
+    <dgm:pt modelId="{E8C6ED3A-E039-FF4B-9164-31EAF2FAC54B}" type="parTrans" cxnId="{E8E6D507-BEF0-354B-BF50-7DDAC155358F}">
+      <dgm:prSet/>
+      <dgm:spPr/>
+      <dgm:t>
+        <a:bodyPr/>
+        <a:lstStyle/>
+        <a:p>
+          <a:endParaRPr lang="en-GB"/>
+        </a:p>
+      </dgm:t>
+    </dgm:pt>
+    <dgm:pt modelId="{E1BC2C85-1C8B-C441-8078-CFF938321E95}" type="sibTrans" cxnId="{E8E6D507-BEF0-354B-BF50-7DDAC155358F}">
+      <dgm:prSet/>
+      <dgm:spPr/>
+      <dgm:t>
+        <a:bodyPr/>
+        <a:lstStyle/>
+        <a:p>
+          <a:endParaRPr lang="en-GB"/>
+        </a:p>
+      </dgm:t>
+    </dgm:pt>
+    <dgm:pt modelId="{785DFAE4-C68C-D640-A58E-FD8876129DEA}">
+      <dgm:prSet phldrT="[Text]"/>
+      <dgm:spPr/>
+      <dgm:t>
+        <a:bodyPr/>
+        <a:lstStyle/>
+        <a:p>
+          <a:r>
+            <a:rPr lang="en-GB" dirty="0"/>
+            <a:t>Chart</a:t>
+          </a:r>
+        </a:p>
+      </dgm:t>
+    </dgm:pt>
+    <dgm:pt modelId="{BBEF15A9-3491-AB4E-AA5B-004305DA4056}" type="parTrans" cxnId="{3319FE3F-5B25-1946-B4D4-121BB9212C70}">
+      <dgm:prSet/>
+      <dgm:spPr/>
+      <dgm:t>
+        <a:bodyPr/>
+        <a:lstStyle/>
+        <a:p>
+          <a:endParaRPr lang="en-GB"/>
+        </a:p>
+      </dgm:t>
+    </dgm:pt>
+    <dgm:pt modelId="{3242662C-0A48-CE46-878A-4C63973CAED6}" type="sibTrans" cxnId="{3319FE3F-5B25-1946-B4D4-121BB9212C70}">
+      <dgm:prSet/>
+      <dgm:spPr/>
+      <dgm:t>
+        <a:bodyPr/>
+        <a:lstStyle/>
+        <a:p>
+          <a:endParaRPr lang="en-GB"/>
+        </a:p>
+      </dgm:t>
+    </dgm:pt>
+    <dgm:pt modelId="{D3FDA0FD-CE3E-0C41-B714-840D65FD3A41}" type="pres">
+      <dgm:prSet presAssocID="{FB82C231-DEC4-BE40-9582-7E6034ACAF54}" presName="composite" presStyleCnt="0">
+        <dgm:presLayoutVars>
+          <dgm:chMax val="5"/>
+          <dgm:dir/>
+          <dgm:animLvl val="ctr"/>
+          <dgm:resizeHandles val="exact"/>
+        </dgm:presLayoutVars>
+      </dgm:prSet>
+      <dgm:spPr/>
+    </dgm:pt>
+    <dgm:pt modelId="{4A0CF059-1344-A541-AE84-2F8B5CA24BA9}" type="pres">
+      <dgm:prSet presAssocID="{FB82C231-DEC4-BE40-9582-7E6034ACAF54}" presName="cycle" presStyleCnt="0"/>
+      <dgm:spPr/>
+    </dgm:pt>
+    <dgm:pt modelId="{B18D66B2-4EAE-5B4C-9044-F4C8CEE6EDC8}" type="pres">
+      <dgm:prSet presAssocID="{FB82C231-DEC4-BE40-9582-7E6034ACAF54}" presName="centerShape" presStyleCnt="0"/>
+      <dgm:spPr/>
+    </dgm:pt>
+    <dgm:pt modelId="{FA70B093-1F1C-1D49-8FC1-919C9A335F59}" type="pres">
+      <dgm:prSet presAssocID="{FB82C231-DEC4-BE40-9582-7E6034ACAF54}" presName="connSite" presStyleLbl="node1" presStyleIdx="0" presStyleCnt="4"/>
+      <dgm:spPr/>
+    </dgm:pt>
+    <dgm:pt modelId="{779D8AA0-36D2-1545-97CE-97D011362D3A}" type="pres">
+      <dgm:prSet presAssocID="{FB82C231-DEC4-BE40-9582-7E6034ACAF54}" presName="visible" presStyleLbl="node1" presStyleIdx="0" presStyleCnt="4"/>
+      <dgm:spPr/>
+    </dgm:pt>
+    <dgm:pt modelId="{3CE86168-819D-564A-BA75-951BFFDB7519}" type="pres">
+      <dgm:prSet presAssocID="{D61621FB-4B27-0549-8C8A-C8C6FE6138D4}" presName="Name25" presStyleLbl="parChTrans1D1" presStyleIdx="0" presStyleCnt="3"/>
+      <dgm:spPr/>
+    </dgm:pt>
+    <dgm:pt modelId="{2D42EC1A-73D5-F648-BD38-6333A18512B7}" type="pres">
+      <dgm:prSet presAssocID="{37F1F1C8-155F-0544-A2DA-20CF6E3E8E27}" presName="node" presStyleCnt="0"/>
+      <dgm:spPr/>
+    </dgm:pt>
+    <dgm:pt modelId="{5060C4F6-D02E-734D-AA09-B1751C493E1A}" type="pres">
+      <dgm:prSet presAssocID="{37F1F1C8-155F-0544-A2DA-20CF6E3E8E27}" presName="parentNode" presStyleLbl="node1" presStyleIdx="1" presStyleCnt="4">
+        <dgm:presLayoutVars>
+          <dgm:chMax val="1"/>
+          <dgm:bulletEnabled val="1"/>
+        </dgm:presLayoutVars>
+      </dgm:prSet>
+      <dgm:spPr/>
+    </dgm:pt>
+    <dgm:pt modelId="{000D3FF7-D48A-6B45-A712-F4D50BBA603D}" type="pres">
+      <dgm:prSet presAssocID="{37F1F1C8-155F-0544-A2DA-20CF6E3E8E27}" presName="childNode" presStyleLbl="revTx" presStyleIdx="0" presStyleCnt="0">
+        <dgm:presLayoutVars>
+          <dgm:bulletEnabled val="1"/>
+        </dgm:presLayoutVars>
+      </dgm:prSet>
+      <dgm:spPr/>
+    </dgm:pt>
+    <dgm:pt modelId="{7A4DC38B-654C-874E-92C9-1FCD1D878211}" type="pres">
+      <dgm:prSet presAssocID="{E8C6ED3A-E039-FF4B-9164-31EAF2FAC54B}" presName="Name25" presStyleLbl="parChTrans1D1" presStyleIdx="1" presStyleCnt="3"/>
+      <dgm:spPr/>
+    </dgm:pt>
+    <dgm:pt modelId="{EAF3CAE8-7C6F-E742-8439-259DC789C5FC}" type="pres">
+      <dgm:prSet presAssocID="{386F117E-9A1C-514D-8FB9-0941C9FEEEA5}" presName="node" presStyleCnt="0"/>
+      <dgm:spPr/>
+    </dgm:pt>
+    <dgm:pt modelId="{144104DC-95F3-8E45-9A60-E689C44B6B3F}" type="pres">
+      <dgm:prSet presAssocID="{386F117E-9A1C-514D-8FB9-0941C9FEEEA5}" presName="parentNode" presStyleLbl="node1" presStyleIdx="2" presStyleCnt="4">
+        <dgm:presLayoutVars>
+          <dgm:chMax val="1"/>
+          <dgm:bulletEnabled val="1"/>
+        </dgm:presLayoutVars>
+      </dgm:prSet>
+      <dgm:spPr/>
+    </dgm:pt>
+    <dgm:pt modelId="{A78621A4-0FAB-2C44-9096-A74FBCD93D1D}" type="pres">
+      <dgm:prSet presAssocID="{386F117E-9A1C-514D-8FB9-0941C9FEEEA5}" presName="childNode" presStyleLbl="revTx" presStyleIdx="0" presStyleCnt="0">
+        <dgm:presLayoutVars>
+          <dgm:bulletEnabled val="1"/>
+        </dgm:presLayoutVars>
+      </dgm:prSet>
+      <dgm:spPr/>
+    </dgm:pt>
+    <dgm:pt modelId="{4A4902B8-F77D-7848-B784-8AD02CDA8947}" type="pres">
+      <dgm:prSet presAssocID="{BBEF15A9-3491-AB4E-AA5B-004305DA4056}" presName="Name25" presStyleLbl="parChTrans1D1" presStyleIdx="2" presStyleCnt="3"/>
+      <dgm:spPr/>
+    </dgm:pt>
+    <dgm:pt modelId="{2A1ECA6A-63F0-D044-B667-D97542B72574}" type="pres">
+      <dgm:prSet presAssocID="{785DFAE4-C68C-D640-A58E-FD8876129DEA}" presName="node" presStyleCnt="0"/>
+      <dgm:spPr/>
+    </dgm:pt>
+    <dgm:pt modelId="{5D61AA1C-4C72-894F-93F9-D37FFE8050D3}" type="pres">
+      <dgm:prSet presAssocID="{785DFAE4-C68C-D640-A58E-FD8876129DEA}" presName="parentNode" presStyleLbl="node1" presStyleIdx="3" presStyleCnt="4">
+        <dgm:presLayoutVars>
+          <dgm:chMax val="1"/>
+          <dgm:bulletEnabled val="1"/>
+        </dgm:presLayoutVars>
+      </dgm:prSet>
+      <dgm:spPr/>
+    </dgm:pt>
+    <dgm:pt modelId="{A6CED0AE-991D-864A-8F77-6DAD3F7C3AC4}" type="pres">
+      <dgm:prSet presAssocID="{785DFAE4-C68C-D640-A58E-FD8876129DEA}" presName="childNode" presStyleLbl="revTx" presStyleIdx="0" presStyleCnt="0">
+        <dgm:presLayoutVars>
+          <dgm:bulletEnabled val="1"/>
+        </dgm:presLayoutVars>
+      </dgm:prSet>
+      <dgm:spPr/>
+    </dgm:pt>
+  </dgm:ptLst>
+  <dgm:cxnLst>
+    <dgm:cxn modelId="{08E74E00-D2E3-4C4B-8992-A86386AB928D}" type="presOf" srcId="{E8C6ED3A-E039-FF4B-9164-31EAF2FAC54B}" destId="{7A4DC38B-654C-874E-92C9-1FCD1D878211}" srcOrd="0" destOrd="0" presId="urn:microsoft.com/office/officeart/2005/8/layout/radial2"/>
+    <dgm:cxn modelId="{E8E6D507-BEF0-354B-BF50-7DDAC155358F}" srcId="{FB82C231-DEC4-BE40-9582-7E6034ACAF54}" destId="{386F117E-9A1C-514D-8FB9-0941C9FEEEA5}" srcOrd="1" destOrd="0" parTransId="{E8C6ED3A-E039-FF4B-9164-31EAF2FAC54B}" sibTransId="{E1BC2C85-1C8B-C441-8078-CFF938321E95}"/>
+    <dgm:cxn modelId="{DC66A228-63E2-664A-943F-54653CC2ED26}" type="presOf" srcId="{BBEF15A9-3491-AB4E-AA5B-004305DA4056}" destId="{4A4902B8-F77D-7848-B784-8AD02CDA8947}" srcOrd="0" destOrd="0" presId="urn:microsoft.com/office/officeart/2005/8/layout/radial2"/>
+    <dgm:cxn modelId="{37728231-EB82-8745-B113-6393AEF14DC6}" type="presOf" srcId="{386F117E-9A1C-514D-8FB9-0941C9FEEEA5}" destId="{144104DC-95F3-8E45-9A60-E689C44B6B3F}" srcOrd="0" destOrd="0" presId="urn:microsoft.com/office/officeart/2005/8/layout/radial2"/>
+    <dgm:cxn modelId="{7A58AF34-3DAE-7849-BC49-3A8EC71E1A75}" type="presOf" srcId="{FB82C231-DEC4-BE40-9582-7E6034ACAF54}" destId="{D3FDA0FD-CE3E-0C41-B714-840D65FD3A41}" srcOrd="0" destOrd="0" presId="urn:microsoft.com/office/officeart/2005/8/layout/radial2"/>
+    <dgm:cxn modelId="{3319FE3F-5B25-1946-B4D4-121BB9212C70}" srcId="{FB82C231-DEC4-BE40-9582-7E6034ACAF54}" destId="{785DFAE4-C68C-D640-A58E-FD8876129DEA}" srcOrd="2" destOrd="0" parTransId="{BBEF15A9-3491-AB4E-AA5B-004305DA4056}" sibTransId="{3242662C-0A48-CE46-878A-4C63973CAED6}"/>
+    <dgm:cxn modelId="{37017E72-6418-ED46-A6DF-9EEFCECC5D19}" srcId="{FB82C231-DEC4-BE40-9582-7E6034ACAF54}" destId="{37F1F1C8-155F-0544-A2DA-20CF6E3E8E27}" srcOrd="0" destOrd="0" parTransId="{D61621FB-4B27-0549-8C8A-C8C6FE6138D4}" sibTransId="{226A799F-AEAE-AF48-868B-E05B55D9E7DF}"/>
+    <dgm:cxn modelId="{91311784-CCBC-8445-8C88-14DA5C1489D7}" type="presOf" srcId="{D61621FB-4B27-0549-8C8A-C8C6FE6138D4}" destId="{3CE86168-819D-564A-BA75-951BFFDB7519}" srcOrd="0" destOrd="0" presId="urn:microsoft.com/office/officeart/2005/8/layout/radial2"/>
+    <dgm:cxn modelId="{1B9264A7-18C1-A64A-AA70-5EED8310EF5F}" type="presOf" srcId="{37F1F1C8-155F-0544-A2DA-20CF6E3E8E27}" destId="{5060C4F6-D02E-734D-AA09-B1751C493E1A}" srcOrd="0" destOrd="0" presId="urn:microsoft.com/office/officeart/2005/8/layout/radial2"/>
+    <dgm:cxn modelId="{A839F2C5-1EDD-CB4C-AA3B-65BB17130BB6}" type="presOf" srcId="{785DFAE4-C68C-D640-A58E-FD8876129DEA}" destId="{5D61AA1C-4C72-894F-93F9-D37FFE8050D3}" srcOrd="0" destOrd="0" presId="urn:microsoft.com/office/officeart/2005/8/layout/radial2"/>
+    <dgm:cxn modelId="{4E881A09-04DE-1548-A6FD-1E74CA7F5EC7}" type="presParOf" srcId="{D3FDA0FD-CE3E-0C41-B714-840D65FD3A41}" destId="{4A0CF059-1344-A541-AE84-2F8B5CA24BA9}" srcOrd="0" destOrd="0" presId="urn:microsoft.com/office/officeart/2005/8/layout/radial2"/>
+    <dgm:cxn modelId="{F054351D-98C8-194E-B306-48536EC9FE34}" type="presParOf" srcId="{4A0CF059-1344-A541-AE84-2F8B5CA24BA9}" destId="{B18D66B2-4EAE-5B4C-9044-F4C8CEE6EDC8}" srcOrd="0" destOrd="0" presId="urn:microsoft.com/office/officeart/2005/8/layout/radial2"/>
+    <dgm:cxn modelId="{FBDAC57E-F5BC-5348-9F65-D3553EB30252}" type="presParOf" srcId="{B18D66B2-4EAE-5B4C-9044-F4C8CEE6EDC8}" destId="{FA70B093-1F1C-1D49-8FC1-919C9A335F59}" srcOrd="0" destOrd="0" presId="urn:microsoft.com/office/officeart/2005/8/layout/radial2"/>
+    <dgm:cxn modelId="{1CA18FD1-56AB-BB48-A50C-72A4FE33A719}" type="presParOf" srcId="{B18D66B2-4EAE-5B4C-9044-F4C8CEE6EDC8}" destId="{779D8AA0-36D2-1545-97CE-97D011362D3A}" srcOrd="1" destOrd="0" presId="urn:microsoft.com/office/officeart/2005/8/layout/radial2"/>
+    <dgm:cxn modelId="{1B4636CE-D7C1-3F46-92C4-6B535FD2765A}" type="presParOf" srcId="{4A0CF059-1344-A541-AE84-2F8B5CA24BA9}" destId="{3CE86168-819D-564A-BA75-951BFFDB7519}" srcOrd="1" destOrd="0" presId="urn:microsoft.com/office/officeart/2005/8/layout/radial2"/>
+    <dgm:cxn modelId="{FD52687E-AE56-784B-A633-A7DAC6FE29FB}" type="presParOf" srcId="{4A0CF059-1344-A541-AE84-2F8B5CA24BA9}" destId="{2D42EC1A-73D5-F648-BD38-6333A18512B7}" srcOrd="2" destOrd="0" presId="urn:microsoft.com/office/officeart/2005/8/layout/radial2"/>
+    <dgm:cxn modelId="{D8C8EB85-DBB7-B14C-A58C-D6E110CF0AE4}" type="presParOf" srcId="{2D42EC1A-73D5-F648-BD38-6333A18512B7}" destId="{5060C4F6-D02E-734D-AA09-B1751C493E1A}" srcOrd="0" destOrd="0" presId="urn:microsoft.com/office/officeart/2005/8/layout/radial2"/>
+    <dgm:cxn modelId="{CEA55B16-2C2D-1B4E-84B2-7695E3F60DB9}" type="presParOf" srcId="{2D42EC1A-73D5-F648-BD38-6333A18512B7}" destId="{000D3FF7-D48A-6B45-A712-F4D50BBA603D}" srcOrd="1" destOrd="0" presId="urn:microsoft.com/office/officeart/2005/8/layout/radial2"/>
+    <dgm:cxn modelId="{5390A0A2-D7E0-A24B-AD72-DABC899651D0}" type="presParOf" srcId="{4A0CF059-1344-A541-AE84-2F8B5CA24BA9}" destId="{7A4DC38B-654C-874E-92C9-1FCD1D878211}" srcOrd="3" destOrd="0" presId="urn:microsoft.com/office/officeart/2005/8/layout/radial2"/>
+    <dgm:cxn modelId="{2A0AE0DE-D68C-0247-8BAC-21DE747C3BE1}" type="presParOf" srcId="{4A0CF059-1344-A541-AE84-2F8B5CA24BA9}" destId="{EAF3CAE8-7C6F-E742-8439-259DC789C5FC}" srcOrd="4" destOrd="0" presId="urn:microsoft.com/office/officeart/2005/8/layout/radial2"/>
+    <dgm:cxn modelId="{468E8D7F-0FDD-E241-85DF-A87B38F502FC}" type="presParOf" srcId="{EAF3CAE8-7C6F-E742-8439-259DC789C5FC}" destId="{144104DC-95F3-8E45-9A60-E689C44B6B3F}" srcOrd="0" destOrd="0" presId="urn:microsoft.com/office/officeart/2005/8/layout/radial2"/>
+    <dgm:cxn modelId="{AB41BFA4-0E7F-574F-B67D-1B52D9D221F9}" type="presParOf" srcId="{EAF3CAE8-7C6F-E742-8439-259DC789C5FC}" destId="{A78621A4-0FAB-2C44-9096-A74FBCD93D1D}" srcOrd="1" destOrd="0" presId="urn:microsoft.com/office/officeart/2005/8/layout/radial2"/>
+    <dgm:cxn modelId="{82C0F07E-9099-CC49-9E64-E5A8CB9D9374}" type="presParOf" srcId="{4A0CF059-1344-A541-AE84-2F8B5CA24BA9}" destId="{4A4902B8-F77D-7848-B784-8AD02CDA8947}" srcOrd="5" destOrd="0" presId="urn:microsoft.com/office/officeart/2005/8/layout/radial2"/>
+    <dgm:cxn modelId="{C6185BE2-4F9B-A841-8C54-6F268E0FEE40}" type="presParOf" srcId="{4A0CF059-1344-A541-AE84-2F8B5CA24BA9}" destId="{2A1ECA6A-63F0-D044-B667-D97542B72574}" srcOrd="6" destOrd="0" presId="urn:microsoft.com/office/officeart/2005/8/layout/radial2"/>
+    <dgm:cxn modelId="{4A4D5517-8348-D242-A2BF-7CFE996AC293}" type="presParOf" srcId="{2A1ECA6A-63F0-D044-B667-D97542B72574}" destId="{5D61AA1C-4C72-894F-93F9-D37FFE8050D3}" srcOrd="0" destOrd="0" presId="urn:microsoft.com/office/officeart/2005/8/layout/radial2"/>
+    <dgm:cxn modelId="{23F11AB5-47E1-9841-9C38-3F62FF4038DD}" type="presParOf" srcId="{2A1ECA6A-63F0-D044-B667-D97542B72574}" destId="{A6CED0AE-991D-864A-8F77-6DAD3F7C3AC4}" srcOrd="1" destOrd="0" presId="urn:microsoft.com/office/officeart/2005/8/layout/radial2"/>
+  </dgm:cxnLst>
+  <dgm:bg/>
+  <dgm:whole/>
+  <dgm:extLst>
+    <a:ext uri="http://schemas.microsoft.com/office/drawing/2008/diagram">
+      <dsp:dataModelExt xmlns:dsp="http://schemas.microsoft.com/office/drawing/2008/diagram" relId="rId6" minVer="http://schemas.openxmlformats.org/drawingml/2006/diagram"/>
+    </a:ext>
+  </dgm:extLst>
+</dgm:dataModel>
+</file>
+
+<file path=ppt/diagrams/drawing1.xml><?xml version="1.0" encoding="utf-8"?>
+<dsp:drawing xmlns:dgm="http://schemas.openxmlformats.org/drawingml/2006/diagram" xmlns:dsp="http://schemas.microsoft.com/office/drawing/2008/diagram" xmlns:a="http://schemas.openxmlformats.org/drawingml/2006/main">
+  <dsp:spTree>
+    <dsp:nvGrpSpPr>
+      <dsp:cNvPr id="0" name=""/>
+      <dsp:cNvGrpSpPr/>
+    </dsp:nvGrpSpPr>
+    <dsp:grpSpPr/>
+    <dsp:sp modelId="{4A4902B8-F77D-7848-B784-8AD02CDA8947}">
+      <dsp:nvSpPr>
+        <dsp:cNvPr id="0" name=""/>
+        <dsp:cNvSpPr/>
+      </dsp:nvSpPr>
+      <dsp:spPr>
+        <a:xfrm rot="2563225">
+          <a:off x="3379432" y="3262805"/>
+          <a:ext cx="700624" cy="43198"/>
+        </a:xfrm>
+        <a:custGeom>
+          <a:avLst/>
+          <a:gdLst/>
+          <a:ahLst/>
+          <a:cxnLst/>
+          <a:rect l="0" t="0" r="0" b="0"/>
+          <a:pathLst>
+            <a:path>
+              <a:moveTo>
+                <a:pt x="0" y="21599"/>
+              </a:moveTo>
+              <a:lnTo>
+                <a:pt x="700624" y="21599"/>
+              </a:lnTo>
+            </a:path>
+          </a:pathLst>
+        </a:custGeom>
+        <a:noFill/>
+        <a:ln w="15875" cap="rnd" cmpd="sng" algn="ctr">
+          <a:solidFill>
+            <a:schemeClr val="accent1">
+              <a:shade val="60000"/>
+              <a:hueOff val="0"/>
+              <a:satOff val="0"/>
+              <a:lumOff val="0"/>
+              <a:alphaOff val="0"/>
+            </a:schemeClr>
+          </a:solidFill>
+          <a:prstDash val="solid"/>
+        </a:ln>
+        <a:effectLst/>
+      </dsp:spPr>
+      <dsp:style>
+        <a:lnRef idx="2">
+          <a:scrgbClr r="0" g="0" b="0"/>
+        </a:lnRef>
+        <a:fillRef idx="0">
+          <a:scrgbClr r="0" g="0" b="0"/>
+        </a:fillRef>
+        <a:effectRef idx="0">
+          <a:scrgbClr r="0" g="0" b="0"/>
+        </a:effectRef>
+        <a:fontRef idx="minor"/>
+      </dsp:style>
+    </dsp:sp>
+    <dsp:sp modelId="{7A4DC38B-654C-874E-92C9-1FCD1D878211}">
+      <dsp:nvSpPr>
+        <dsp:cNvPr id="0" name=""/>
+        <dsp:cNvSpPr/>
+      </dsp:nvSpPr>
+      <dsp:spPr>
+        <a:xfrm>
+          <a:off x="3472380" y="2302946"/>
+          <a:ext cx="779599" cy="43198"/>
+        </a:xfrm>
+        <a:custGeom>
+          <a:avLst/>
+          <a:gdLst/>
+          <a:ahLst/>
+          <a:cxnLst/>
+          <a:rect l="0" t="0" r="0" b="0"/>
+          <a:pathLst>
+            <a:path>
+              <a:moveTo>
+                <a:pt x="0" y="21599"/>
+              </a:moveTo>
+              <a:lnTo>
+                <a:pt x="779599" y="21599"/>
+              </a:lnTo>
+            </a:path>
+          </a:pathLst>
+        </a:custGeom>
+        <a:noFill/>
+        <a:ln w="15875" cap="rnd" cmpd="sng" algn="ctr">
+          <a:solidFill>
+            <a:schemeClr val="accent1">
+              <a:shade val="60000"/>
+              <a:hueOff val="0"/>
+              <a:satOff val="0"/>
+              <a:lumOff val="0"/>
+              <a:alphaOff val="0"/>
+            </a:schemeClr>
+          </a:solidFill>
+          <a:prstDash val="solid"/>
+        </a:ln>
+        <a:effectLst/>
+      </dsp:spPr>
+      <dsp:style>
+        <a:lnRef idx="2">
+          <a:scrgbClr r="0" g="0" b="0"/>
+        </a:lnRef>
+        <a:fillRef idx="0">
+          <a:scrgbClr r="0" g="0" b="0"/>
+        </a:fillRef>
+        <a:effectRef idx="0">
+          <a:scrgbClr r="0" g="0" b="0"/>
+        </a:effectRef>
+        <a:fontRef idx="minor"/>
+      </dsp:style>
+    </dsp:sp>
+    <dsp:sp modelId="{3CE86168-819D-564A-BA75-951BFFDB7519}">
+      <dsp:nvSpPr>
+        <dsp:cNvPr id="0" name=""/>
+        <dsp:cNvSpPr/>
+      </dsp:nvSpPr>
+      <dsp:spPr>
+        <a:xfrm rot="19036775">
+          <a:off x="3379432" y="1343087"/>
+          <a:ext cx="700624" cy="43198"/>
+        </a:xfrm>
+        <a:custGeom>
+          <a:avLst/>
+          <a:gdLst/>
+          <a:ahLst/>
+          <a:cxnLst/>
+          <a:rect l="0" t="0" r="0" b="0"/>
+          <a:pathLst>
+            <a:path>
+              <a:moveTo>
+                <a:pt x="0" y="21599"/>
+              </a:moveTo>
+              <a:lnTo>
+                <a:pt x="700624" y="21599"/>
+              </a:lnTo>
+            </a:path>
+          </a:pathLst>
+        </a:custGeom>
+        <a:noFill/>
+        <a:ln w="15875" cap="rnd" cmpd="sng" algn="ctr">
+          <a:solidFill>
+            <a:schemeClr val="accent1">
+              <a:shade val="60000"/>
+              <a:hueOff val="0"/>
+              <a:satOff val="0"/>
+              <a:lumOff val="0"/>
+              <a:alphaOff val="0"/>
+            </a:schemeClr>
+          </a:solidFill>
+          <a:prstDash val="solid"/>
+        </a:ln>
+        <a:effectLst/>
+      </dsp:spPr>
+      <dsp:style>
+        <a:lnRef idx="2">
+          <a:scrgbClr r="0" g="0" b="0"/>
+        </a:lnRef>
+        <a:fillRef idx="0">
+          <a:scrgbClr r="0" g="0" b="0"/>
+        </a:fillRef>
+        <a:effectRef idx="0">
+          <a:scrgbClr r="0" g="0" b="0"/>
+        </a:effectRef>
+        <a:fontRef idx="minor"/>
+      </dsp:style>
+    </dsp:sp>
+    <dsp:sp modelId="{779D8AA0-36D2-1545-97CE-97D011362D3A}">
+      <dsp:nvSpPr>
+        <dsp:cNvPr id="0" name=""/>
+        <dsp:cNvSpPr/>
+      </dsp:nvSpPr>
+      <dsp:spPr>
+        <a:xfrm>
+          <a:off x="1573040" y="1207287"/>
+          <a:ext cx="2234517" cy="2234517"/>
+        </a:xfrm>
+        <a:prstGeom prst="ellipse">
+          <a:avLst/>
+        </a:prstGeom>
+        <a:solidFill>
+          <a:schemeClr val="accent1">
+            <a:hueOff val="0"/>
+            <a:satOff val="0"/>
+            <a:lumOff val="0"/>
+            <a:alphaOff val="0"/>
+          </a:schemeClr>
+        </a:solidFill>
+        <a:ln w="15875" cap="rnd" cmpd="sng" algn="ctr">
+          <a:solidFill>
+            <a:schemeClr val="lt1">
+              <a:hueOff val="0"/>
+              <a:satOff val="0"/>
+              <a:lumOff val="0"/>
+              <a:alphaOff val="0"/>
+            </a:schemeClr>
+          </a:solidFill>
+          <a:prstDash val="solid"/>
+        </a:ln>
+        <a:effectLst/>
+      </dsp:spPr>
+      <dsp:style>
+        <a:lnRef idx="2">
+          <a:scrgbClr r="0" g="0" b="0"/>
+        </a:lnRef>
+        <a:fillRef idx="1">
+          <a:scrgbClr r="0" g="0" b="0"/>
+        </a:fillRef>
+        <a:effectRef idx="0">
+          <a:scrgbClr r="0" g="0" b="0"/>
+        </a:effectRef>
+        <a:fontRef idx="minor">
+          <a:schemeClr val="lt1"/>
+        </a:fontRef>
+      </dsp:style>
+    </dsp:sp>
+    <dsp:sp modelId="{5060C4F6-D02E-734D-AA09-B1751C493E1A}">
+      <dsp:nvSpPr>
+        <dsp:cNvPr id="0" name=""/>
+        <dsp:cNvSpPr/>
+      </dsp:nvSpPr>
+      <dsp:spPr>
+        <a:xfrm>
+          <a:off x="3809246" y="1889"/>
+          <a:ext cx="1340710" cy="1340710"/>
+        </a:xfrm>
+        <a:prstGeom prst="ellipse">
+          <a:avLst/>
+        </a:prstGeom>
+        <a:solidFill>
+          <a:schemeClr val="accent1">
+            <a:hueOff val="0"/>
+            <a:satOff val="0"/>
+            <a:lumOff val="0"/>
+            <a:alphaOff val="0"/>
+          </a:schemeClr>
+        </a:solidFill>
+        <a:ln w="15875" cap="rnd" cmpd="sng" algn="ctr">
+          <a:solidFill>
+            <a:schemeClr val="lt1">
+              <a:hueOff val="0"/>
+              <a:satOff val="0"/>
+              <a:lumOff val="0"/>
+              <a:alphaOff val="0"/>
+            </a:schemeClr>
+          </a:solidFill>
+          <a:prstDash val="solid"/>
+        </a:ln>
+        <a:effectLst/>
+      </dsp:spPr>
+      <dsp:style>
+        <a:lnRef idx="2">
+          <a:scrgbClr r="0" g="0" b="0"/>
+        </a:lnRef>
+        <a:fillRef idx="1">
+          <a:scrgbClr r="0" g="0" b="0"/>
+        </a:fillRef>
+        <a:effectRef idx="0">
+          <a:scrgbClr r="0" g="0" b="0"/>
+        </a:effectRef>
+        <a:fontRef idx="minor">
+          <a:schemeClr val="lt1"/>
+        </a:fontRef>
+      </dsp:style>
+      <dsp:txBody>
+        <a:bodyPr spcFirstLastPara="0" vert="horz" wrap="square" lIns="15240" tIns="15240" rIns="15240" bIns="15240" numCol="1" spcCol="1270" anchor="ctr" anchorCtr="0">
+          <a:noAutofit/>
+        </a:bodyPr>
+        <a:lstStyle/>
+        <a:p>
+          <a:pPr marL="0" lvl="0" indent="0" algn="ctr" defTabSz="1066800">
+            <a:lnSpc>
+              <a:spcPct val="90000"/>
+            </a:lnSpc>
+            <a:spcBef>
+              <a:spcPct val="0"/>
+            </a:spcBef>
+            <a:spcAft>
+              <a:spcPct val="35000"/>
+            </a:spcAft>
+            <a:buNone/>
+          </a:pPr>
+          <a:r>
+            <a:rPr lang="en-GB" sz="2400" kern="1200" dirty="0"/>
+            <a:t>Home</a:t>
+          </a:r>
+        </a:p>
+      </dsp:txBody>
+      <dsp:txXfrm>
+        <a:off x="4005588" y="198231"/>
+        <a:ext cx="948026" cy="948026"/>
+      </dsp:txXfrm>
+    </dsp:sp>
+    <dsp:sp modelId="{144104DC-95F3-8E45-9A60-E689C44B6B3F}">
+      <dsp:nvSpPr>
+        <dsp:cNvPr id="0" name=""/>
+        <dsp:cNvSpPr/>
+      </dsp:nvSpPr>
+      <dsp:spPr>
+        <a:xfrm>
+          <a:off x="4251979" y="1654190"/>
+          <a:ext cx="1340710" cy="1340710"/>
+        </a:xfrm>
+        <a:prstGeom prst="ellipse">
+          <a:avLst/>
+        </a:prstGeom>
+        <a:solidFill>
+          <a:schemeClr val="accent1">
+            <a:hueOff val="0"/>
+            <a:satOff val="0"/>
+            <a:lumOff val="0"/>
+            <a:alphaOff val="0"/>
+          </a:schemeClr>
+        </a:solidFill>
+        <a:ln w="15875" cap="rnd" cmpd="sng" algn="ctr">
+          <a:solidFill>
+            <a:schemeClr val="lt1">
+              <a:hueOff val="0"/>
+              <a:satOff val="0"/>
+              <a:lumOff val="0"/>
+              <a:alphaOff val="0"/>
+            </a:schemeClr>
+          </a:solidFill>
+          <a:prstDash val="solid"/>
+        </a:ln>
+        <a:effectLst/>
+      </dsp:spPr>
+      <dsp:style>
+        <a:lnRef idx="2">
+          <a:scrgbClr r="0" g="0" b="0"/>
+        </a:lnRef>
+        <a:fillRef idx="1">
+          <a:scrgbClr r="0" g="0" b="0"/>
+        </a:fillRef>
+        <a:effectRef idx="0">
+          <a:scrgbClr r="0" g="0" b="0"/>
+        </a:effectRef>
+        <a:fontRef idx="minor">
+          <a:schemeClr val="lt1"/>
+        </a:fontRef>
+      </dsp:style>
+      <dsp:txBody>
+        <a:bodyPr spcFirstLastPara="0" vert="horz" wrap="square" lIns="15240" tIns="15240" rIns="15240" bIns="15240" numCol="1" spcCol="1270" anchor="ctr" anchorCtr="0">
+          <a:noAutofit/>
+        </a:bodyPr>
+        <a:lstStyle/>
+        <a:p>
+          <a:pPr marL="0" lvl="0" indent="0" algn="ctr" defTabSz="1066800">
+            <a:lnSpc>
+              <a:spcPct val="90000"/>
+            </a:lnSpc>
+            <a:spcBef>
+              <a:spcPct val="0"/>
+            </a:spcBef>
+            <a:spcAft>
+              <a:spcPct val="35000"/>
+            </a:spcAft>
+            <a:buNone/>
+          </a:pPr>
+          <a:r>
+            <a:rPr lang="en-GB" sz="2400" kern="1200" dirty="0"/>
+            <a:t>Map </a:t>
+          </a:r>
+        </a:p>
+      </dsp:txBody>
+      <dsp:txXfrm>
+        <a:off x="4448321" y="1850532"/>
+        <a:ext cx="948026" cy="948026"/>
+      </dsp:txXfrm>
+    </dsp:sp>
+    <dsp:sp modelId="{5D61AA1C-4C72-894F-93F9-D37FFE8050D3}">
+      <dsp:nvSpPr>
+        <dsp:cNvPr id="0" name=""/>
+        <dsp:cNvSpPr/>
+      </dsp:nvSpPr>
+      <dsp:spPr>
+        <a:xfrm>
+          <a:off x="3809246" y="3306492"/>
+          <a:ext cx="1340710" cy="1340710"/>
+        </a:xfrm>
+        <a:prstGeom prst="ellipse">
+          <a:avLst/>
+        </a:prstGeom>
+        <a:solidFill>
+          <a:schemeClr val="accent1">
+            <a:hueOff val="0"/>
+            <a:satOff val="0"/>
+            <a:lumOff val="0"/>
+            <a:alphaOff val="0"/>
+          </a:schemeClr>
+        </a:solidFill>
+        <a:ln w="15875" cap="rnd" cmpd="sng" algn="ctr">
+          <a:solidFill>
+            <a:schemeClr val="lt1">
+              <a:hueOff val="0"/>
+              <a:satOff val="0"/>
+              <a:lumOff val="0"/>
+              <a:alphaOff val="0"/>
+            </a:schemeClr>
+          </a:solidFill>
+          <a:prstDash val="solid"/>
+        </a:ln>
+        <a:effectLst/>
+      </dsp:spPr>
+      <dsp:style>
+        <a:lnRef idx="2">
+          <a:scrgbClr r="0" g="0" b="0"/>
+        </a:lnRef>
+        <a:fillRef idx="1">
+          <a:scrgbClr r="0" g="0" b="0"/>
+        </a:fillRef>
+        <a:effectRef idx="0">
+          <a:scrgbClr r="0" g="0" b="0"/>
+        </a:effectRef>
+        <a:fontRef idx="minor">
+          <a:schemeClr val="lt1"/>
+        </a:fontRef>
+      </dsp:style>
+      <dsp:txBody>
+        <a:bodyPr spcFirstLastPara="0" vert="horz" wrap="square" lIns="15240" tIns="15240" rIns="15240" bIns="15240" numCol="1" spcCol="1270" anchor="ctr" anchorCtr="0">
+          <a:noAutofit/>
+        </a:bodyPr>
+        <a:lstStyle/>
+        <a:p>
+          <a:pPr marL="0" lvl="0" indent="0" algn="ctr" defTabSz="1066800">
+            <a:lnSpc>
+              <a:spcPct val="90000"/>
+            </a:lnSpc>
+            <a:spcBef>
+              <a:spcPct val="0"/>
+            </a:spcBef>
+            <a:spcAft>
+              <a:spcPct val="35000"/>
+            </a:spcAft>
+            <a:buNone/>
+          </a:pPr>
+          <a:r>
+            <a:rPr lang="en-GB" sz="2400" kern="1200" dirty="0"/>
+            <a:t>Chart</a:t>
+          </a:r>
+        </a:p>
+      </dsp:txBody>
+      <dsp:txXfrm>
+        <a:off x="4005588" y="3502834"/>
+        <a:ext cx="948026" cy="948026"/>
+      </dsp:txXfrm>
+    </dsp:sp>
+  </dsp:spTree>
+</dsp:drawing>
+</file>
+
+<file path=ppt/diagrams/layout1.xml><?xml version="1.0" encoding="utf-8"?>
+<dgm:layoutDef xmlns:dgm="http://schemas.openxmlformats.org/drawingml/2006/diagram" xmlns:a="http://schemas.openxmlformats.org/drawingml/2006/main" uniqueId="urn:microsoft.com/office/officeart/2005/8/layout/radial2">
+  <dgm:title val=""/>
+  <dgm:desc val=""/>
+  <dgm:catLst>
+    <dgm:cat type="relationship" pri="20000"/>
+    <dgm:cat type="convert" pri="9000"/>
+  </dgm:catLst>
+  <dgm:sampData>
+    <dgm:dataModel>
+      <dgm:ptLst>
+        <dgm:pt modelId="0" type="doc"/>
+        <dgm:pt modelId="1">
+          <dgm:prSet phldr="1"/>
+        </dgm:pt>
+        <dgm:pt modelId="11">
+          <dgm:prSet phldr="1"/>
+        </dgm:pt>
+        <dgm:pt modelId="12">
+          <dgm:prSet phldr="1"/>
+        </dgm:pt>
+        <dgm:pt modelId="2">
+          <dgm:prSet phldr="1"/>
+        </dgm:pt>
+        <dgm:pt modelId="21">
+          <dgm:prSet phldr="1"/>
+        </dgm:pt>
+        <dgm:pt modelId="22">
+          <dgm:prSet phldr="1"/>
+        </dgm:pt>
+        <dgm:pt modelId="3">
+          <dgm:prSet phldr="1"/>
+        </dgm:pt>
+        <dgm:pt modelId="31">
+          <dgm:prSet phldr="1"/>
+        </dgm:pt>
+        <dgm:pt modelId="32">
+          <dgm:prSet phldr="1"/>
+        </dgm:pt>
+      </dgm:ptLst>
+      <dgm:cxnLst>
+        <dgm:cxn modelId="4" srcId="0" destId="1" srcOrd="0" destOrd="0"/>
+        <dgm:cxn modelId="5" srcId="0" destId="2" srcOrd="1" destOrd="0"/>
+        <dgm:cxn modelId="6" srcId="0" destId="3" srcOrd="2" destOrd="0"/>
+        <dgm:cxn modelId="13" srcId="1" destId="11" srcOrd="0" destOrd="0"/>
+        <dgm:cxn modelId="14" srcId="1" destId="12" srcOrd="1" destOrd="0"/>
+        <dgm:cxn modelId="23" srcId="2" destId="21" srcOrd="0" destOrd="0"/>
+        <dgm:cxn modelId="24" srcId="2" destId="22" srcOrd="1" destOrd="0"/>
+        <dgm:cxn modelId="33" srcId="3" destId="31" srcOrd="0" destOrd="0"/>
+        <dgm:cxn modelId="34" srcId="3" destId="32" srcOrd="1" destOrd="0"/>
+      </dgm:cxnLst>
+      <dgm:bg/>
+      <dgm:whole/>
+    </dgm:dataModel>
+  </dgm:sampData>
+  <dgm:styleData>
+    <dgm:dataModel>
+      <dgm:ptLst>
+        <dgm:pt modelId="0" type="doc"/>
+        <dgm:pt modelId="1"/>
+        <dgm:pt modelId="2"/>
+      </dgm:ptLst>
+      <dgm:cxnLst>
+        <dgm:cxn modelId="3" srcId="0" destId="1" srcOrd="0" destOrd="0"/>
+        <dgm:cxn modelId="4" srcId="0" destId="2" srcOrd="1" destOrd="0"/>
+      </dgm:cxnLst>
+      <dgm:bg/>
+      <dgm:whole/>
+    </dgm:dataModel>
+  </dgm:styleData>
+  <dgm:clrData>
+    <dgm:dataModel>
+      <dgm:ptLst>
+        <dgm:pt modelId="0" type="doc"/>
+        <dgm:pt modelId="1"/>
+        <dgm:pt modelId="2"/>
+        <dgm:pt modelId="3"/>
+        <dgm:pt modelId="4"/>
+      </dgm:ptLst>
+      <dgm:cxnLst>
+        <dgm:cxn modelId="5" srcId="0" destId="1" srcOrd="0" destOrd="0"/>
+        <dgm:cxn modelId="6" srcId="0" destId="2" srcOrd="1" destOrd="0"/>
+        <dgm:cxn modelId="7" srcId="0" destId="3" srcOrd="2" destOrd="0"/>
+        <dgm:cxn modelId="8" srcId="0" destId="4" srcOrd="3" destOrd="0"/>
+      </dgm:cxnLst>
+      <dgm:bg/>
+      <dgm:whole/>
+    </dgm:dataModel>
+  </dgm:clrData>
+  <dgm:layoutNode name="composite">
+    <dgm:varLst>
+      <dgm:chMax val="5"/>
+      <dgm:dir/>
+      <dgm:animLvl val="ctr"/>
+      <dgm:resizeHandles val="exact"/>
+    </dgm:varLst>
+    <dgm:alg type="composite"/>
+    <dgm:shape xmlns:r="http://schemas.openxmlformats.org/officeDocument/2006/relationships" r:blip="">
+      <dgm:adjLst/>
+    </dgm:shape>
+    <dgm:presOf/>
+    <dgm:constrLst>
+      <dgm:constr type="w" for="ch" forName="cycle" refType="w"/>
+      <dgm:constr type="h" for="ch" forName="cycle" refType="h"/>
+    </dgm:constrLst>
+    <dgm:ruleLst/>
+    <dgm:layoutNode name="cycle">
+      <dgm:choose name="Name0">
+        <dgm:if name="Name1" func="var" arg="dir" op="equ" val="norm">
+          <dgm:choose name="Name2">
+            <dgm:if name="Name3" axis="ch" ptType="node" func="cnt" op="lte" val="1">
+              <dgm:alg type="cycle">
+                <dgm:param type="stAng" val="90"/>
+                <dgm:param type="spanAng" val="360"/>
+                <dgm:param type="ctrShpMap" val="fNode"/>
+              </dgm:alg>
+            </dgm:if>
+            <dgm:if name="Name4" axis="ch" ptType="node" func="cnt" op="equ" val="2">
+              <dgm:alg type="cycle">
+                <dgm:param type="stAng" val="70"/>
+                <dgm:param type="spanAng" val="40"/>
+                <dgm:param type="ctrShpMap" val="fNode"/>
+              </dgm:alg>
+            </dgm:if>
+            <dgm:if name="Name5" axis="ch" ptType="node" func="cnt" op="equ" val="3">
+              <dgm:alg type="cycle">
+                <dgm:param type="stAng" val="60"/>
+                <dgm:param type="spanAng" val="60"/>
+                <dgm:param type="ctrShpMap" val="fNode"/>
+              </dgm:alg>
+            </dgm:if>
+            <dgm:else name="Name6">
+              <dgm:alg type="cycle">
+                <dgm:param type="stAng" val="45"/>
+                <dgm:param type="spanAng" val="90"/>
+                <dgm:param type="ctrShpMap" val="fNode"/>
+              </dgm:alg>
+            </dgm:else>
+          </dgm:choose>
+        </dgm:if>
+        <dgm:else name="Name7">
+          <dgm:choose name="Name8">
+            <dgm:if name="Name9" axis="ch" ptType="node" func="cnt" op="lte" val="1">
+              <dgm:alg type="cycle">
+                <dgm:param type="stAng" val="-90"/>
+                <dgm:param type="spanAng" val="-360"/>
+                <dgm:param type="ctrShpMap" val="fNode"/>
+              </dgm:alg>
+            </dgm:if>
+            <dgm:if name="Name10" axis="ch" ptType="node" func="cnt" op="equ" val="2">
+              <dgm:alg type="cycle">
+                <dgm:param type="stAng" val="-70"/>
+                <dgm:param type="spanAng" val="-40"/>
+                <dgm:param type="ctrShpMap" val="fNode"/>
+              </dgm:alg>
+            </dgm:if>
+            <dgm:if name="Name11" axis="ch" ptType="node" func="cnt" op="equ" val="3">
+              <dgm:alg type="cycle">
+                <dgm:param type="stAng" val="-60"/>
+                <dgm:param type="spanAng" val="-60"/>
+                <dgm:param type="ctrShpMap" val="fNode"/>
+              </dgm:alg>
+            </dgm:if>
+            <dgm:else name="Name12">
+              <dgm:alg type="cycle">
+                <dgm:param type="stAng" val="-45"/>
+                <dgm:param type="spanAng" val="-90"/>
+                <dgm:param type="ctrShpMap" val="fNode"/>
+              </dgm:alg>
+            </dgm:else>
+          </dgm:choose>
+        </dgm:else>
+      </dgm:choose>
+      <dgm:shape xmlns:r="http://schemas.openxmlformats.org/officeDocument/2006/relationships" r:blip="">
+        <dgm:adjLst/>
+      </dgm:shape>
+      <dgm:presOf/>
+      <dgm:constrLst>
+        <dgm:constr type="sp" val="20"/>
+        <dgm:constr type="w" for="ch" forName="centerShape" refType="w"/>
+        <dgm:constr type="w" for="ch" forName="node" refType="w" refFor="ch" refForName="centerShape" fact="1.5"/>
+        <dgm:constr type="sibSp" refType="w" refFor="ch" refForName="centerShape" op="equ" fact="0.08"/>
+        <dgm:constr type="primFontSz" for="des" forName="parentNode" op="equ" val="65"/>
+        <dgm:constr type="secFontSz" for="des" forName="childNode" op="equ" val="65"/>
+      </dgm:constrLst>
+      <dgm:ruleLst/>
+      <dgm:choose name="Name13">
+        <dgm:if name="Name14" axis="ch" ptType="node" hideLastTrans="0" func="cnt" op="gte" val="1">
+          <dgm:layoutNode name="centerShape" styleLbl="node0">
+            <dgm:alg type="composite"/>
+            <dgm:shape xmlns:r="http://schemas.openxmlformats.org/officeDocument/2006/relationships" r:blip="">
+              <dgm:adjLst/>
+            </dgm:shape>
+            <dgm:presOf axis="ch" ptType="node" cnt="1"/>
+            <dgm:constrLst>
+              <dgm:constr type="w" for="ch" forName="connSite" refType="w" fact="0.7"/>
+              <dgm:constr type="h" for="ch" forName="connSite" refType="w" fact="0.7"/>
+              <dgm:constr type="ctrX" for="ch" forName="connSite" refType="w" fact="0.5"/>
+              <dgm:constr type="ctrY" for="ch" forName="connSite" refType="h" fact="0.5"/>
+              <dgm:constr type="w" for="ch" forName="visible" refType="w"/>
+              <dgm:constr type="h" for="ch" forName="visible" refType="w"/>
+              <dgm:constr type="ctrX" for="ch" forName="visible" refType="w" fact="0.5"/>
+              <dgm:constr type="ctrY" for="ch" forName="visible" refType="h" fact="0.5"/>
+            </dgm:constrLst>
+            <dgm:ruleLst/>
+            <dgm:layoutNode name="connSite">
+              <dgm:alg type="sp"/>
+              <dgm:shape xmlns:r="http://schemas.openxmlformats.org/officeDocument/2006/relationships" type="ellipse" r:blip="" hideGeom="1">
+                <dgm:adjLst/>
+              </dgm:shape>
+              <dgm:presOf/>
+              <dgm:constrLst/>
+              <dgm:ruleLst/>
+            </dgm:layoutNode>
+            <dgm:layoutNode name="visible">
+              <dgm:alg type="sp"/>
+              <dgm:shape xmlns:r="http://schemas.openxmlformats.org/officeDocument/2006/relationships" type="ellipse" r:blip="" blipPhldr="1">
+                <dgm:adjLst/>
+              </dgm:shape>
+              <dgm:presOf/>
+              <dgm:constrLst/>
+              <dgm:ruleLst/>
+            </dgm:layoutNode>
+          </dgm:layoutNode>
+        </dgm:if>
+        <dgm:else name="Name15"/>
+      </dgm:choose>
+      <dgm:forEach name="Name16" axis="ch">
+        <dgm:forEach name="Name17" axis="self" ptType="node">
+          <dgm:layoutNode name="node">
+            <dgm:alg type="composite"/>
+            <dgm:shape xmlns:r="http://schemas.openxmlformats.org/officeDocument/2006/relationships" r:blip="">
+              <dgm:adjLst/>
+            </dgm:shape>
+            <dgm:presOf/>
+            <dgm:choose name="Name18">
+              <dgm:if name="Name19" func="var" arg="dir" op="equ" val="norm">
+                <dgm:constrLst>
+                  <dgm:constr type="t" for="ch" forName="parentNode"/>
+                  <dgm:constr type="l" for="ch" forName="parentNode"/>
+                  <dgm:constr type="w" for="ch" forName="parentNode" refType="w" fact="0.4"/>
+                  <dgm:constr type="h" for="ch" forName="parentNode" refType="w" refFor="ch" refForName="parentNode" op="equ"/>
+                  <dgm:constr type="ctrY" for="ch" forName="childNode" refType="h" refFor="ch" refForName="parentNode" fact="0.5"/>
+                  <dgm:constr type="l" for="ch" forName="childNode" refType="w" refFor="ch" refForName="parentNode" op="equ" fact="1.1"/>
+                  <dgm:constr type="w" for="ch" forName="childNode" refType="w" fact="0.6"/>
+                  <dgm:constr type="h" for="ch" forName="childNode" refType="h" refFor="ch" refForName="parentNode"/>
+                </dgm:constrLst>
+              </dgm:if>
+              <dgm:else name="Name20">
+                <dgm:constrLst>
+                  <dgm:constr type="t" for="ch" forName="parentNode"/>
+                  <dgm:constr type="r" for="ch" forName="parentNode" refType="w"/>
+                  <dgm:constr type="w" for="ch" forName="parentNode" refType="w" fact="0.4"/>
+                  <dgm:constr type="h" for="ch" forName="parentNode" refType="w" refFor="ch" refForName="parentNode" op="equ"/>
+                  <dgm:constr type="ctrY" for="ch" forName="childNode" refType="h" refFor="ch" refForName="parentNode" fact="0.5"/>
+                  <dgm:constr type="l" for="ch" forName="childNode"/>
+                  <dgm:constr type="w" for="ch" forName="childNode" refType="w" fact="0.6"/>
+                  <dgm:constr type="h" for="ch" forName="childNode" refType="h" refFor="ch" refForName="parentNode"/>
+                </dgm:constrLst>
+              </dgm:else>
+            </dgm:choose>
+            <dgm:ruleLst/>
+            <dgm:layoutNode name="parentNode" styleLbl="node1">
+              <dgm:varLst>
+                <dgm:chMax val="1"/>
+                <dgm:bulletEnabled val="1"/>
+              </dgm:varLst>
+              <dgm:alg type="tx"/>
+              <dgm:shape xmlns:r="http://schemas.openxmlformats.org/officeDocument/2006/relationships" type="ellipse" r:blip="">
+                <dgm:adjLst/>
+              </dgm:shape>
+              <dgm:presOf axis="self"/>
+              <dgm:constrLst>
+                <dgm:constr type="tMarg" refType="primFontSz" fact="0.05"/>
+                <dgm:constr type="bMarg" refType="primFontSz" fact="0.05"/>
+                <dgm:constr type="lMarg" refType="primFontSz" fact="0.05"/>
+                <dgm:constr type="rMarg" refType="primFontSz" fact="0.05"/>
+              </dgm:constrLst>
+              <dgm:ruleLst>
+                <dgm:rule type="primFontSz" val="5" fact="NaN" max="NaN"/>
+              </dgm:ruleLst>
+            </dgm:layoutNode>
+            <dgm:layoutNode name="childNode" styleLbl="revTx" moveWith="parentNode">
+              <dgm:varLst>
+                <dgm:bulletEnabled val="1"/>
+              </dgm:varLst>
+              <dgm:alg type="tx">
+                <dgm:param type="txAnchorVertCh" val="mid"/>
+                <dgm:param type="stBulletLvl" val="1"/>
+              </dgm:alg>
+              <dgm:choose name="Name21">
+                <dgm:if name="Name22" axis="ch" ptType="node" func="cnt" op="gte" val="1">
+                  <dgm:shape xmlns:r="http://schemas.openxmlformats.org/officeDocument/2006/relationships" type="rect" r:blip="">
+                    <dgm:adjLst/>
+                  </dgm:shape>
+                </dgm:if>
+                <dgm:else name="Name23">
+                  <dgm:shape xmlns:r="http://schemas.openxmlformats.org/officeDocument/2006/relationships" type="rect" r:blip="" hideGeom="1">
+                    <dgm:adjLst/>
+                  </dgm:shape>
+                </dgm:else>
+              </dgm:choose>
+              <dgm:presOf axis="des" ptType="node"/>
+              <dgm:constrLst>
+                <dgm:constr type="tMarg"/>
+                <dgm:constr type="bMarg"/>
+                <dgm:constr type="lMarg"/>
+                <dgm:constr type="rMarg"/>
+              </dgm:constrLst>
+              <dgm:ruleLst>
+                <dgm:rule type="secFontSz" val="5" fact="NaN" max="NaN"/>
+              </dgm:ruleLst>
+            </dgm:layoutNode>
+          </dgm:layoutNode>
+        </dgm:forEach>
+        <dgm:forEach name="Name24" axis="self" ptType="parTrans" cnt="1">
+          <dgm:layoutNode name="Name25">
+            <dgm:alg type="conn">
+              <dgm:param type="dim" val="1D"/>
+              <dgm:param type="endSty" val="noArr"/>
+              <dgm:param type="begPts" val="auto"/>
+              <dgm:param type="endPts" val="auto"/>
+              <dgm:param type="srcNode" val="connSite"/>
+              <dgm:param type="dstNode" val="parentNode"/>
+            </dgm:alg>
+            <dgm:shape xmlns:r="http://schemas.openxmlformats.org/officeDocument/2006/relationships" type="conn" r:blip="" zOrderOff="-99">
+              <dgm:adjLst/>
+            </dgm:shape>
+            <dgm:presOf axis="self"/>
+            <dgm:constrLst>
+              <dgm:constr type="connDist"/>
+              <dgm:constr type="w" val="1"/>
+              <dgm:constr type="h" val="5"/>
+              <dgm:constr type="begPad"/>
+              <dgm:constr type="endPad"/>
+            </dgm:constrLst>
+            <dgm:ruleLst/>
+          </dgm:layoutNode>
+        </dgm:forEach>
+      </dgm:forEach>
+    </dgm:layoutNode>
+  </dgm:layoutNode>
+</dgm:layoutDef>
+</file>
+
+<file path=ppt/diagrams/quickStyle1.xml><?xml version="1.0" encoding="utf-8"?>
+<dgm:styleDef xmlns:dgm="http://schemas.openxmlformats.org/drawingml/2006/diagram" xmlns:a="http://schemas.openxmlformats.org/drawingml/2006/main" uniqueId="urn:microsoft.com/office/officeart/2005/8/quickstyle/simple1">
+  <dgm:title val=""/>
+  <dgm:desc val=""/>
+  <dgm:catLst>
+    <dgm:cat type="simple" pri="10100"/>
+  </dgm:catLst>
+  <dgm:scene3d>
+    <a:camera prst="orthographicFront"/>
+    <a:lightRig rig="threePt" dir="t"/>
+  </dgm:scene3d>
+  <dgm:styleLbl name="node0">
+    <dgm:scene3d>
+      <a:camera prst="orthographicFront"/>
+      <a:lightRig rig="threePt" dir="t"/>
+    </dgm:scene3d>
+    <dgm:sp3d/>
+    <dgm:txPr/>
+    <dgm:style>
+      <a:lnRef idx="2">
+        <a:scrgbClr r="0" g="0" b="0"/>
+      </a:lnRef>
+      <a:fillRef idx="1">
+        <a:scrgbClr r="0" g="0" b="0"/>
+      </a:fillRef>
+      <a:effectRef idx="0">
+        <a:scrgbClr r="0" g="0" b="0"/>
+      </a:effectRef>
+      <a:fontRef idx="minor">
+        <a:schemeClr val="lt1"/>
+      </a:fontRef>
+    </dgm:style>
+  </dgm:styleLbl>
+  <dgm:styleLbl name="lnNode1">
+    <dgm:scene3d>
+      <a:camera prst="orthographicFront"/>
+      <a:lightRig rig="threePt" dir="t"/>
+    </dgm:scene3d>
+    <dgm:sp3d/>
+    <dgm:txPr/>
+    <dgm:style>
+      <a:lnRef idx="2">
+        <a:scrgbClr r="0" g="0" b="0"/>
+      </a:lnRef>
+      <a:fillRef idx="1">
+        <a:scrgbClr r="0" g="0" b="0"/>
+      </a:fillRef>
+      <a:effectRef idx="0">
+        <a:scrgbClr r="0" g="0" b="0"/>
+      </a:effectRef>
+      <a:fontRef idx="minor">
+        <a:schemeClr val="lt1"/>
+      </a:fontRef>
+    </dgm:style>
+  </dgm:styleLbl>
+  <dgm:styleLbl name="vennNode1">
+    <dgm:scene3d>
+      <a:camera prst="orthographicFront"/>
+      <a:lightRig rig="threePt" dir="t"/>
+    </dgm:scene3d>
+    <dgm:sp3d/>
+    <dgm:txPr/>
+    <dgm:style>
+      <a:lnRef idx="2">
+        <a:scrgbClr r="0" g="0" b="0"/>
+      </a:lnRef>
+      <a:fillRef idx="1">
+        <a:scrgbClr r="0" g="0" b="0"/>
+      </a:fillRef>
+      <a:effectRef idx="0">
+        <a:scrgbClr r="0" g="0" b="0"/>
+      </a:effectRef>
+      <a:fontRef idx="minor">
+        <a:schemeClr val="tx1"/>
+      </a:fontRef>
+    </dgm:style>
+  </dgm:styleLbl>
+  <dgm:styleLbl name="alignNode1">
+    <dgm:scene3d>
+      <a:camera prst="orthographicFront"/>
+      <a:lightRig rig="threePt" dir="t"/>
+    </dgm:scene3d>
+    <dgm:sp3d/>
+    <dgm:txPr/>
+    <dgm:style>
+      <a:lnRef idx="2">
+        <a:scrgbClr r="0" g="0" b="0"/>
+      </a:lnRef>
+      <a:fillRef idx="1">
+        <a:scrgbClr r="0" g="0" b="0"/>
+      </a:fillRef>
+      <a:effectRef idx="0">
+        <a:scrgbClr r="0" g="0" b="0"/>
+      </a:effectRef>
+      <a:fontRef idx="minor">
+        <a:schemeClr val="lt1"/>
+      </a:fontRef>
+    </dgm:style>
+  </dgm:styleLbl>
+  <dgm:styleLbl name="node1">
+    <dgm:scene3d>
+      <a:camera prst="orthographicFront"/>
+      <a:lightRig rig="threePt" dir="t"/>
+    </dgm:scene3d>
+    <dgm:sp3d/>
+    <dgm:txPr/>
+    <dgm:style>
+      <a:lnRef idx="2">
+        <a:scrgbClr r="0" g="0" b="0"/>
+      </a:lnRef>
+      <a:fillRef idx="1">
+        <a:scrgbClr r="0" g="0" b="0"/>
+      </a:fillRef>
+      <a:effectRef idx="0">
+        <a:scrgbClr r="0" g="0" b="0"/>
+      </a:effectRef>
+      <a:fontRef idx="minor">
+        <a:schemeClr val="lt1"/>
+      </a:fontRef>
+    </dgm:style>
+  </dgm:styleLbl>
+  <dgm:styleLbl name="node2">
+    <dgm:scene3d>
+      <a:camera prst="orthographicFront"/>
+      <a:lightRig rig="threePt" dir="t"/>
+    </dgm:scene3d>
+    <dgm:sp3d/>
+    <dgm:txPr/>
+    <dgm:style>
+      <a:lnRef idx="2">
+        <a:scrgbClr r="0" g="0" b="0"/>
+      </a:lnRef>
+      <a:fillRef idx="1">
+        <a:scrgbClr r="0" g="0" b="0"/>
+      </a:fillRef>
+      <a:effectRef idx="0">
+        <a:scrgbClr r="0" g="0" b="0"/>
+      </a:effectRef>
+      <a:fontRef idx="minor">
+        <a:schemeClr val="lt1"/>
+      </a:fontRef>
+    </dgm:style>
+  </dgm:styleLbl>
+  <dgm:styleLbl name="node3">
+    <dgm:scene3d>
+      <a:camera prst="orthographicFront"/>
+      <a:lightRig rig="threePt" dir="t"/>
+    </dgm:scene3d>
+    <dgm:sp3d/>
+    <dgm:txPr/>
+    <dgm:style>
+      <a:lnRef idx="2">
+        <a:scrgbClr r="0" g="0" b="0"/>
+      </a:lnRef>
+      <a:fillRef idx="1">
+        <a:scrgbClr r="0" g="0" b="0"/>
+      </a:fillRef>
+      <a:effectRef idx="0">
+        <a:scrgbClr r="0" g="0" b="0"/>
+      </a:effectRef>
+      <a:fontRef idx="minor">
+        <a:schemeClr val="lt1"/>
+      </a:fontRef>
+    </dgm:style>
+  </dgm:styleLbl>
+  <dgm:styleLbl name="node4">
+    <dgm:scene3d>
+      <a:camera prst="orthographicFront"/>
+      <a:lightRig rig="threePt" dir="t"/>
+    </dgm:scene3d>
+    <dgm:sp3d/>
+    <dgm:txPr/>
+    <dgm:style>
+      <a:lnRef idx="2">
+        <a:scrgbClr r="0" g="0" b="0"/>
+      </a:lnRef>
+      <a:fillRef idx="1">
+        <a:scrgbClr r="0" g="0" b="0"/>
+      </a:fillRef>
+      <a:effectRef idx="0">
+        <a:scrgbClr r="0" g="0" b="0"/>
+      </a:effectRef>
+      <a:fontRef idx="minor">
+        <a:schemeClr val="lt1"/>
+      </a:fontRef>
+    </dgm:style>
+  </dgm:styleLbl>
+  <dgm:styleLbl name="fgImgPlace1">
+    <dgm:scene3d>
+      <a:camera prst="orthographicFront"/>
+      <a:lightRig rig="threePt" dir="t"/>
+    </dgm:scene3d>
+    <dgm:sp3d/>
+    <dgm:txPr/>
+    <dgm:style>
+      <a:lnRef idx="2">
+        <a:scrgbClr r="0" g="0" b="0"/>
+      </a:lnRef>
+      <a:fillRef idx="1">
+        <a:scrgbClr r="0" g="0" b="0"/>
+      </a:fillRef>
+      <a:effectRef idx="0">
+        <a:scrgbClr r="0" g="0" b="0"/>
+      </a:effectRef>
+      <a:fontRef idx="minor"/>
+    </dgm:style>
+  </dgm:styleLbl>
+  <dgm:styleLbl name="alignImgPlace1">
+    <dgm:scene3d>
+      <a:camera prst="orthographicFront"/>
+      <a:lightRig rig="threePt" dir="t"/>
+    </dgm:scene3d>
+    <dgm:sp3d/>
+    <dgm:txPr/>
+    <dgm:style>
+      <a:lnRef idx="2">
+        <a:scrgbClr r="0" g="0" b="0"/>
+      </a:lnRef>
+      <a:fillRef idx="1">
+        <a:scrgbClr r="0" g="0" b="0"/>
+      </a:fillRef>
+      <a:effectRef idx="0">
+        <a:scrgbClr r="0" g="0" b="0"/>
+      </a:effectRef>
+      <a:fontRef idx="minor"/>
+    </dgm:style>
+  </dgm:styleLbl>
+  <dgm:styleLbl name="bgImgPlace1">
+    <dgm:scene3d>
+      <a:camera prst="orthographicFront"/>
+      <a:lightRig rig="threePt" dir="t"/>
+    </dgm:scene3d>
+    <dgm:sp3d/>
+    <dgm:txPr/>
+    <dgm:style>
+      <a:lnRef idx="2">
+        <a:scrgbClr r="0" g="0" b="0"/>
+      </a:lnRef>
+      <a:fillRef idx="1">
+        <a:scrgbClr r="0" g="0" b="0"/>
+      </a:fillRef>
+      <a:effectRef idx="0">
+        <a:scrgbClr r="0" g="0" b="0"/>
+      </a:effectRef>
+      <a:fontRef idx="minor"/>
+    </dgm:style>
+  </dgm:styleLbl>
+  <dgm:styleLbl name="sibTrans2D1">
+    <dgm:scene3d>
+      <a:camera prst="orthographicFront"/>
+      <a:lightRig rig="threePt" dir="t"/>
+    </dgm:scene3d>
+    <dgm:sp3d/>
+    <dgm:txPr/>
+    <dgm:style>
+      <a:lnRef idx="0">
+        <a:scrgbClr r="0" g="0" b="0"/>
+      </a:lnRef>
+      <a:fillRef idx="1">
+        <a:scrgbClr r="0" g="0" b="0"/>
+      </a:fillRef>
+      <a:effectRef idx="0">
+        <a:scrgbClr r="0" g="0" b="0"/>
+      </a:effectRef>
+      <a:fontRef idx="minor">
+        <a:schemeClr val="lt1"/>
+      </a:fontRef>
+    </dgm:style>
+  </dgm:styleLbl>
+  <dgm:styleLbl name="fgSibTrans2D1">
+    <dgm:scene3d>
+      <a:camera prst="orthographicFront"/>
+      <a:lightRig rig="threePt" dir="t"/>
+    </dgm:scene3d>
+    <dgm:sp3d/>
+    <dgm:txPr/>
+    <dgm:style>
+      <a:lnRef idx="0">
+        <a:scrgbClr r="0" g="0" b="0"/>
+      </a:lnRef>
+      <a:fillRef idx="1">
+        <a:scrgbClr r="0" g="0" b="0"/>
+      </a:fillRef>
+      <a:effectRef idx="0">
+        <a:scrgbClr r="0" g="0" b="0"/>
+      </a:effectRef>
+      <a:fontRef idx="minor">
+        <a:schemeClr val="lt1"/>
+      </a:fontRef>
+    </dgm:style>
+  </dgm:styleLbl>
+  <dgm:styleLbl name="bgSibTrans2D1">
+    <dgm:scene3d>
+      <a:camera prst="orthographicFront"/>
+      <a:lightRig rig="threePt" dir="t"/>
+    </dgm:scene3d>
+    <dgm:sp3d/>
+    <dgm:txPr/>
+    <dgm:style>
+      <a:lnRef idx="0">
+        <a:scrgbClr r="0" g="0" b="0"/>
+      </a:lnRef>
+      <a:fillRef idx="1">
+        <a:scrgbClr r="0" g="0" b="0"/>
+      </a:fillRef>
+      <a:effectRef idx="0">
+        <a:scrgbClr r="0" g="0" b="0"/>
+      </a:effectRef>
+      <a:fontRef idx="minor">
+        <a:schemeClr val="lt1"/>
+      </a:fontRef>
+    </dgm:style>
+  </dgm:styleLbl>
+  <dgm:styleLbl name="sibTrans1D1">
+    <dgm:scene3d>
+      <a:camera prst="orthographicFront"/>
+      <a:lightRig rig="threePt" dir="t"/>
+    </dgm:scene3d>
+    <dgm:sp3d/>
+    <dgm:txPr/>
+    <dgm:style>
+      <a:lnRef idx="1">
+        <a:scrgbClr r="0" g="0" b="0"/>
+      </a:lnRef>
+      <a:fillRef idx="0">
+        <a:scrgbClr r="0" g="0" b="0"/>
+      </a:fillRef>
+      <a:effectRef idx="0">
+        <a:scrgbClr r="0" g="0" b="0"/>
+      </a:effectRef>
+      <a:fontRef idx="minor"/>
+    </dgm:style>
+  </dgm:styleLbl>
+  <dgm:styleLbl name="callout">
+    <dgm:scene3d>
+      <a:camera prst="orthographicFront"/>
+      <a:lightRig rig="threePt" dir="t"/>
+    </dgm:scene3d>
+    <dgm:sp3d/>
+    <dgm:txPr/>
+    <dgm:style>
+      <a:lnRef idx="2">
+        <a:scrgbClr r="0" g="0" b="0"/>
+      </a:lnRef>
+      <a:fillRef idx="1">
+        <a:scrgbClr r="0" g="0" b="0"/>
+      </a:fillRef>
+      <a:effectRef idx="0">
+        <a:scrgbClr r="0" g="0" b="0"/>
+      </a:effectRef>
+      <a:fontRef idx="minor"/>
+    </dgm:style>
+  </dgm:styleLbl>
+  <dgm:styleLbl name="asst0">
+    <dgm:scene3d>
+      <a:camera prst="orthographicFront"/>
+      <a:lightRig rig="threePt" dir="t"/>
+    </dgm:scene3d>
+    <dgm:sp3d/>
+    <dgm:txPr/>
+    <dgm:style>
+      <a:lnRef idx="2">
+        <a:scrgbClr r="0" g="0" b="0"/>
+      </a:lnRef>
+      <a:fillRef idx="1">
+        <a:scrgbClr r="0" g="0" b="0"/>
+      </a:fillRef>
+      <a:effectRef idx="0">
+        <a:scrgbClr r="0" g="0" b="0"/>
+      </a:effectRef>
+      <a:fontRef idx="minor">
+        <a:schemeClr val="lt1"/>
+      </a:fontRef>
+    </dgm:style>
+  </dgm:styleLbl>
+  <dgm:styleLbl name="asst1">
+    <dgm:scene3d>
+      <a:camera prst="orthographicFront"/>
+      <a:lightRig rig="threePt" dir="t"/>
+    </dgm:scene3d>
+    <dgm:sp3d/>
+    <dgm:txPr/>
+    <dgm:style>
+      <a:lnRef idx="2">
+        <a:scrgbClr r="0" g="0" b="0"/>
+      </a:lnRef>
+      <a:fillRef idx="1">
+        <a:scrgbClr r="0" g="0" b="0"/>
+      </a:fillRef>
+      <a:effectRef idx="0">
+        <a:scrgbClr r="0" g="0" b="0"/>
+      </a:effectRef>
+      <a:fontRef idx="minor">
+        <a:schemeClr val="lt1"/>
+      </a:fontRef>
+    </dgm:style>
+  </dgm:styleLbl>
+  <dgm:styleLbl name="asst2">
+    <dgm:scene3d>
+      <a:camera prst="orthographicFront"/>
+      <a:lightRig rig="threePt" dir="t"/>
+    </dgm:scene3d>
+    <dgm:sp3d/>
+    <dgm:txPr/>
+    <dgm:style>
+      <a:lnRef idx="2">
+        <a:scrgbClr r="0" g="0" b="0"/>
+      </a:lnRef>
+      <a:fillRef idx="1">
+        <a:scrgbClr r="0" g="0" b="0"/>
+      </a:fillRef>
+      <a:effectRef idx="0">
+        <a:scrgbClr r="0" g="0" b="0"/>
+      </a:effectRef>
+      <a:fontRef idx="minor">
+        <a:schemeClr val="lt1"/>
+      </a:fontRef>
+    </dgm:style>
+  </dgm:styleLbl>
+  <dgm:styleLbl name="asst3">
+    <dgm:scene3d>
+      <a:camera prst="orthographicFront"/>
+      <a:lightRig rig="threePt" dir="t"/>
+    </dgm:scene3d>
+    <dgm:sp3d/>
+    <dgm:txPr/>
+    <dgm:style>
+      <a:lnRef idx="2">
+        <a:scrgbClr r="0" g="0" b="0"/>
+      </a:lnRef>
+      <a:fillRef idx="1">
+        <a:scrgbClr r="0" g="0" b="0"/>
+      </a:fillRef>
+      <a:effectRef idx="0">
+        <a:scrgbClr r="0" g="0" b="0"/>
+      </a:effectRef>
+      <a:fontRef idx="minor">
+        <a:schemeClr val="lt1"/>
+      </a:fontRef>
+    </dgm:style>
+  </dgm:styleLbl>
+  <dgm:styleLbl name="asst4">
+    <dgm:scene3d>
+      <a:camera prst="orthographicFront"/>
+      <a:lightRig rig="threePt" dir="t"/>
+    </dgm:scene3d>
+    <dgm:sp3d/>
+    <dgm:txPr/>
+    <dgm:style>
+      <a:lnRef idx="2">
+        <a:scrgbClr r="0" g="0" b="0"/>
+      </a:lnRef>
+      <a:fillRef idx="1">
+        <a:scrgbClr r="0" g="0" b="0"/>
+      </a:fillRef>
+      <a:effectRef idx="0">
+        <a:scrgbClr r="0" g="0" b="0"/>
+      </a:effectRef>
+      <a:fontRef idx="minor">
+        <a:schemeClr val="lt1"/>
+      </a:fontRef>
+    </dgm:style>
+  </dgm:styleLbl>
+  <dgm:styleLbl name="parChTrans2D1">
+    <dgm:scene3d>
+      <a:camera prst="orthographicFront"/>
+      <a:lightRig rig="threePt" dir="t"/>
+    </dgm:scene3d>
+    <dgm:sp3d/>
+    <dgm:txPr/>
+    <dgm:style>
+      <a:lnRef idx="2">
+        <a:scrgbClr r="0" g="0" b="0"/>
+      </a:lnRef>
+      <a:fillRef idx="1">
+        <a:scrgbClr r="0" g="0" b="0"/>
+      </a:fillRef>
+      <a:effectRef idx="0">
+        <a:scrgbClr r="0" g="0" b="0"/>
+      </a:effectRef>
+      <a:fontRef idx="minor">
+        <a:schemeClr val="lt1"/>
+      </a:fontRef>
+    </dgm:style>
+  </dgm:styleLbl>
+  <dgm:styleLbl name="parChTrans2D2">
+    <dgm:scene3d>
+      <a:camera prst="orthographicFront"/>
+      <a:lightRig rig="threePt" dir="t"/>
+    </dgm:scene3d>
+    <dgm:sp3d/>
+    <dgm:txPr/>
+    <dgm:style>
+      <a:lnRef idx="2">
+        <a:scrgbClr r="0" g="0" b="0"/>
+      </a:lnRef>
+      <a:fillRef idx="1">
+        <a:scrgbClr r="0" g="0" b="0"/>
+      </a:fillRef>
+      <a:effectRef idx="0">
+        <a:scrgbClr r="0" g="0" b="0"/>
+      </a:effectRef>
+      <a:fontRef idx="minor">
+        <a:schemeClr val="lt1"/>
+      </a:fontRef>
+    </dgm:style>
+  </dgm:styleLbl>
+  <dgm:styleLbl name="parChTrans2D3">
+    <dgm:scene3d>
+      <a:camera prst="orthographicFront"/>
+      <a:lightRig rig="threePt" dir="t"/>
+    </dgm:scene3d>
+    <dgm:sp3d/>
+    <dgm:txPr/>
+    <dgm:style>
+      <a:lnRef idx="2">
+        <a:scrgbClr r="0" g="0" b="0"/>
+      </a:lnRef>
+      <a:fillRef idx="1">
+        <a:scrgbClr r="0" g="0" b="0"/>
+      </a:fillRef>
+      <a:effectRef idx="0">
+        <a:scrgbClr r="0" g="0" b="0"/>
+      </a:effectRef>
+      <a:fontRef idx="minor">
+        <a:schemeClr val="lt1"/>
+      </a:fontRef>
+    </dgm:style>
+  </dgm:styleLbl>
+  <dgm:styleLbl name="parChTrans2D4">
+    <dgm:scene3d>
+      <a:camera prst="orthographicFront"/>
+      <a:lightRig rig="threePt" dir="t"/>
+    </dgm:scene3d>
+    <dgm:sp3d/>
+    <dgm:txPr/>
+    <dgm:style>
+      <a:lnRef idx="2">
+        <a:scrgbClr r="0" g="0" b="0"/>
+      </a:lnRef>
+      <a:fillRef idx="1">
+        <a:scrgbClr r="0" g="0" b="0"/>
+      </a:fillRef>
+      <a:effectRef idx="0">
+        <a:scrgbClr r="0" g="0" b="0"/>
+      </a:effectRef>
+      <a:fontRef idx="minor">
+        <a:schemeClr val="lt1"/>
+      </a:fontRef>
+    </dgm:style>
+  </dgm:styleLbl>
+  <dgm:styleLbl name="parChTrans1D1">
+    <dgm:scene3d>
+      <a:camera prst="orthographicFront"/>
+      <a:lightRig rig="threePt" dir="t"/>
+    </dgm:scene3d>
+    <dgm:sp3d/>
+    <dgm:txPr/>
+    <dgm:style>
+      <a:lnRef idx="2">
+        <a:scrgbClr r="0" g="0" b="0"/>
+      </a:lnRef>
+      <a:fillRef idx="0">
+        <a:scrgbClr r="0" g="0" b="0"/>
+      </a:fillRef>
+      <a:effectRef idx="0">
+        <a:scrgbClr r="0" g="0" b="0"/>
+      </a:effectRef>
+      <a:fontRef idx="minor"/>
+    </dgm:style>
+  </dgm:styleLbl>
+  <dgm:styleLbl name="parChTrans1D2">
+    <dgm:scene3d>
+      <a:camera prst="orthographicFront"/>
+      <a:lightRig rig="threePt" dir="t"/>
+    </dgm:scene3d>
+    <dgm:sp3d/>
+    <dgm:txPr/>
+    <dgm:style>
+      <a:lnRef idx="2">
+        <a:scrgbClr r="0" g="0" b="0"/>
+      </a:lnRef>
+      <a:fillRef idx="0">
+        <a:scrgbClr r="0" g="0" b="0"/>
+      </a:fillRef>
+      <a:effectRef idx="0">
+        <a:scrgbClr r="0" g="0" b="0"/>
+      </a:effectRef>
+      <a:fontRef idx="minor"/>
+    </dgm:style>
+  </dgm:styleLbl>
+  <dgm:styleLbl name="parChTrans1D3">
+    <dgm:scene3d>
+      <a:camera prst="orthographicFront"/>
+      <a:lightRig rig="threePt" dir="t"/>
+    </dgm:scene3d>
+    <dgm:sp3d/>
+    <dgm:txPr/>
+    <dgm:style>
+      <a:lnRef idx="2">
+        <a:scrgbClr r="0" g="0" b="0"/>
+      </a:lnRef>
+      <a:fillRef idx="0">
+        <a:scrgbClr r="0" g="0" b="0"/>
+      </a:fillRef>
+      <a:effectRef idx="0">
+        <a:scrgbClr r="0" g="0" b="0"/>
+      </a:effectRef>
+      <a:fontRef idx="minor"/>
+    </dgm:style>
+  </dgm:styleLbl>
+  <dgm:styleLbl name="parChTrans1D4">
+    <dgm:scene3d>
+      <a:camera prst="orthographicFront"/>
+      <a:lightRig rig="threePt" dir="t"/>
+    </dgm:scene3d>
+    <dgm:sp3d/>
+    <dgm:txPr/>
+    <dgm:style>
+      <a:lnRef idx="2">
+        <a:scrgbClr r="0" g="0" b="0"/>
+      </a:lnRef>
+      <a:fillRef idx="0">
+        <a:scrgbClr r="0" g="0" b="0"/>
+      </a:fillRef>
+      <a:effectRef idx="0">
+        <a:scrgbClr r="0" g="0" b="0"/>
+      </a:effectRef>
+      <a:fontRef idx="minor"/>
+    </dgm:style>
+  </dgm:styleLbl>
+  <dgm:styleLbl name="fgAcc1">
+    <dgm:scene3d>
+      <a:camera prst="orthographicFront"/>
+      <a:lightRig rig="threePt" dir="t"/>
+    </dgm:scene3d>
+    <dgm:sp3d/>
+    <dgm:txPr/>
+    <dgm:style>
+      <a:lnRef idx="2">
+        <a:scrgbClr r="0" g="0" b="0"/>
+      </a:lnRef>
+      <a:fillRef idx="1">
+        <a:scrgbClr r="0" g="0" b="0"/>
+      </a:fillRef>
+      <a:effectRef idx="0">
+        <a:scrgbClr r="0" g="0" b="0"/>
+      </a:effectRef>
+      <a:fontRef idx="minor"/>
+    </dgm:style>
+  </dgm:styleLbl>
+  <dgm:styleLbl name="conFgAcc1">
+    <dgm:scene3d>
+      <a:camera prst="orthographicFront"/>
+      <a:lightRig rig="threePt" dir="t"/>
+    </dgm:scene3d>
+    <dgm:sp3d/>
+    <dgm:txPr/>
+    <dgm:style>
+      <a:lnRef idx="2">
+        <a:scrgbClr r="0" g="0" b="0"/>
+      </a:lnRef>
+      <a:fillRef idx="1">
+        <a:scrgbClr r="0" g="0" b="0"/>
+      </a:fillRef>
+      <a:effectRef idx="0">
+        <a:scrgbClr r="0" g="0" b="0"/>
+      </a:effectRef>
+      <a:fontRef idx="minor"/>
+    </dgm:style>
+  </dgm:styleLbl>
+  <dgm:styleLbl name="alignAcc1">
+    <dgm:scene3d>
+      <a:camera prst="orthographicFront"/>
+      <a:lightRig rig="threePt" dir="t"/>
+    </dgm:scene3d>
+    <dgm:sp3d/>
+    <dgm:txPr/>
+    <dgm:style>
+      <a:lnRef idx="2">
+        <a:scrgbClr r="0" g="0" b="0"/>
+      </a:lnRef>
+      <a:fillRef idx="1">
+        <a:scrgbClr r="0" g="0" b="0"/>
+      </a:fillRef>
+      <a:effectRef idx="0">
+        <a:scrgbClr r="0" g="0" b="0"/>
+      </a:effectRef>
+      <a:fontRef idx="minor"/>
+    </dgm:style>
+  </dgm:styleLbl>
+  <dgm:styleLbl name="trAlignAcc1">
+    <dgm:scene3d>
+      <a:camera prst="orthographicFront"/>
+      <a:lightRig rig="threePt" dir="t"/>
+    </dgm:scene3d>
+    <dgm:sp3d/>
+    <dgm:txPr/>
+    <dgm:style>
+      <a:lnRef idx="1">
+        <a:scrgbClr r="0" g="0" b="0"/>
+      </a:lnRef>
+      <a:fillRef idx="1">
+        <a:scrgbClr r="0" g="0" b="0"/>
+      </a:fillRef>
+      <a:effectRef idx="0">
+        <a:scrgbClr r="0" g="0" b="0"/>
+      </a:effectRef>
+      <a:fontRef idx="minor"/>
+    </dgm:style>
+  </dgm:styleLbl>
+  <dgm:styleLbl name="bgAcc1">
+    <dgm:scene3d>
+      <a:camera prst="orthographicFront"/>
+      <a:lightRig rig="threePt" dir="t"/>
+    </dgm:scene3d>
+    <dgm:sp3d/>
+    <dgm:txPr/>
+    <dgm:style>
+      <a:lnRef idx="2">
+        <a:scrgbClr r="0" g="0" b="0"/>
+      </a:lnRef>
+      <a:fillRef idx="1">
+        <a:scrgbClr r="0" g="0" b="0"/>
+      </a:fillRef>
+      <a:effectRef idx="0">
+        <a:scrgbClr r="0" g="0" b="0"/>
+      </a:effectRef>
+      <a:fontRef idx="minor"/>
+    </dgm:style>
+  </dgm:styleLbl>
+  <dgm:styleLbl name="solidFgAcc1">
+    <dgm:scene3d>
+      <a:camera prst="orthographicFront"/>
+      <a:lightRig rig="threePt" dir="t"/>
+    </dgm:scene3d>
+    <dgm:sp3d/>
+    <dgm:txPr/>
+    <dgm:style>
+      <a:lnRef idx="2">
+        <a:scrgbClr r="0" g="0" b="0"/>
+      </a:lnRef>
+      <a:fillRef idx="1">
+        <a:scrgbClr r="0" g="0" b="0"/>
+      </a:fillRef>
+      <a:effectRef idx="0">
+        <a:scrgbClr r="0" g="0" b="0"/>
+      </a:effectRef>
+      <a:fontRef idx="minor"/>
+    </dgm:style>
+  </dgm:styleLbl>
+  <dgm:styleLbl name="solidAlignAcc1">
+    <dgm:scene3d>
+      <a:camera prst="orthographicFront"/>
+      <a:lightRig rig="threePt" dir="t"/>
+    </dgm:scene3d>
+    <dgm:sp3d/>
+    <dgm:txPr/>
+    <dgm:style>
+      <a:lnRef idx="2">
+        <a:scrgbClr r="0" g="0" b="0"/>
+      </a:lnRef>
+      <a:fillRef idx="1">
+        <a:scrgbClr r="0" g="0" b="0"/>
+      </a:fillRef>
+      <a:effectRef idx="0">
+        <a:scrgbClr r="0" g="0" b="0"/>
+      </a:effectRef>
+      <a:fontRef idx="minor"/>
+    </dgm:style>
+  </dgm:styleLbl>
+  <dgm:styleLbl name="solidBgAcc1">
+    <dgm:scene3d>
+      <a:camera prst="orthographicFront"/>
+      <a:lightRig rig="threePt" dir="t"/>
+    </dgm:scene3d>
+    <dgm:sp3d/>
+    <dgm:txPr/>
+    <dgm:style>
+      <a:lnRef idx="2">
+        <a:scrgbClr r="0" g="0" b="0"/>
+      </a:lnRef>
+      <a:fillRef idx="1">
+        <a:scrgbClr r="0" g="0" b="0"/>
+      </a:fillRef>
+      <a:effectRef idx="0">
+        <a:scrgbClr r="0" g="0" b="0"/>
+      </a:effectRef>
+      <a:fontRef idx="minor"/>
+    </dgm:style>
+  </dgm:styleLbl>
+  <dgm:styleLbl name="fgAccFollowNode1">
+    <dgm:scene3d>
+      <a:camera prst="orthographicFront"/>
+      <a:lightRig rig="threePt" dir="t"/>
+    </dgm:scene3d>
+    <dgm:sp3d/>
+    <dgm:txPr/>
+    <dgm:style>
+      <a:lnRef idx="2">
+        <a:scrgbClr r="0" g="0" b="0"/>
+      </a:lnRef>
+      <a:fillRef idx="1">
+        <a:scrgbClr r="0" g="0" b="0"/>
+      </a:fillRef>
+      <a:effectRef idx="0">
+        <a:scrgbClr r="0" g="0" b="0"/>
+      </a:effectRef>
+      <a:fontRef idx="minor"/>
+    </dgm:style>
+  </dgm:styleLbl>
+  <dgm:styleLbl name="alignAccFollowNode1">
+    <dgm:scene3d>
+      <a:camera prst="orthographicFront"/>
+      <a:lightRig rig="threePt" dir="t"/>
+    </dgm:scene3d>
+    <dgm:sp3d/>
+    <dgm:txPr/>
+    <dgm:style>
+      <a:lnRef idx="2">
+        <a:scrgbClr r="0" g="0" b="0"/>
+      </a:lnRef>
+      <a:fillRef idx="1">
+        <a:scrgbClr r="0" g="0" b="0"/>
+      </a:fillRef>
+      <a:effectRef idx="0">
+        <a:scrgbClr r="0" g="0" b="0"/>
+      </a:effectRef>
+      <a:fontRef idx="minor"/>
+    </dgm:style>
+  </dgm:styleLbl>
+  <dgm:styleLbl name="bgAccFollowNode1">
+    <dgm:scene3d>
+      <a:camera prst="orthographicFront"/>
+      <a:lightRig rig="threePt" dir="t"/>
+    </dgm:scene3d>
+    <dgm:sp3d/>
+    <dgm:txPr/>
+    <dgm:style>
+      <a:lnRef idx="2">
+        <a:scrgbClr r="0" g="0" b="0"/>
+      </a:lnRef>
+      <a:fillRef idx="1">
+        <a:scrgbClr r="0" g="0" b="0"/>
+      </a:fillRef>
+      <a:effectRef idx="0">
+        <a:scrgbClr r="0" g="0" b="0"/>
+      </a:effectRef>
+      <a:fontRef idx="minor"/>
+    </dgm:style>
+  </dgm:styleLbl>
+  <dgm:styleLbl name="fgAcc0">
+    <dgm:scene3d>
+      <a:camera prst="orthographicFront"/>
+      <a:lightRig rig="threePt" dir="t"/>
+    </dgm:scene3d>
+    <dgm:sp3d/>
+    <dgm:txPr/>
+    <dgm:style>
+      <a:lnRef idx="2">
+        <a:scrgbClr r="0" g="0" b="0"/>
+      </a:lnRef>
+      <a:fillRef idx="1">
+        <a:scrgbClr r="0" g="0" b="0"/>
+      </a:fillRef>
+      <a:effectRef idx="0">
+        <a:scrgbClr r="0" g="0" b="0"/>
+      </a:effectRef>
+      <a:fontRef idx="minor"/>
+    </dgm:style>
+  </dgm:styleLbl>
+  <dgm:styleLbl name="fgAcc2">
+    <dgm:scene3d>
+      <a:camera prst="orthographicFront"/>
+      <a:lightRig rig="threePt" dir="t"/>
+    </dgm:scene3d>
+    <dgm:sp3d/>
+    <dgm:txPr/>
+    <dgm:style>
+      <a:lnRef idx="2">
+        <a:scrgbClr r="0" g="0" b="0"/>
+      </a:lnRef>
+      <a:fillRef idx="1">
+        <a:scrgbClr r="0" g="0" b="0"/>
+      </a:fillRef>
+      <a:effectRef idx="0">
+        <a:scrgbClr r="0" g="0" b="0"/>
+      </a:effectRef>
+      <a:fontRef idx="minor"/>
+    </dgm:style>
+  </dgm:styleLbl>
+  <dgm:styleLbl name="fgAcc3">
+    <dgm:scene3d>
+      <a:camera prst="orthographicFront"/>
+      <a:lightRig rig="threePt" dir="t"/>
+    </dgm:scene3d>
+    <dgm:sp3d/>
+    <dgm:txPr/>
+    <dgm:style>
+      <a:lnRef idx="2">
+        <a:scrgbClr r="0" g="0" b="0"/>
+      </a:lnRef>
+      <a:fillRef idx="1">
+        <a:scrgbClr r="0" g="0" b="0"/>
+      </a:fillRef>
+      <a:effectRef idx="0">
+        <a:scrgbClr r="0" g="0" b="0"/>
+      </a:effectRef>
+      <a:fontRef idx="minor"/>
+    </dgm:style>
+  </dgm:styleLbl>
+  <dgm:styleLbl name="fgAcc4">
+    <dgm:scene3d>
+      <a:camera prst="orthographicFront"/>
+      <a:lightRig rig="threePt" dir="t"/>
+    </dgm:scene3d>
+    <dgm:sp3d/>
+    <dgm:txPr/>
+    <dgm:style>
+      <a:lnRef idx="2">
+        <a:scrgbClr r="0" g="0" b="0"/>
+      </a:lnRef>
+      <a:fillRef idx="1">
+        <a:scrgbClr r="0" g="0" b="0"/>
+      </a:fillRef>
+      <a:effectRef idx="0">
+        <a:scrgbClr r="0" g="0" b="0"/>
+      </a:effectRef>
+      <a:fontRef idx="minor"/>
+    </dgm:style>
+  </dgm:styleLbl>
+  <dgm:styleLbl name="bgShp">
+    <dgm:scene3d>
+      <a:camera prst="orthographicFront"/>
+      <a:lightRig rig="threePt" dir="t"/>
+    </dgm:scene3d>
+    <dgm:sp3d/>
+    <dgm:txPr/>
+    <dgm:style>
+      <a:lnRef idx="0">
+        <a:scrgbClr r="0" g="0" b="0"/>
+      </a:lnRef>
+      <a:fillRef idx="1">
+        <a:scrgbClr r="0" g="0" b="0"/>
+      </a:fillRef>
+      <a:effectRef idx="0">
+        <a:scrgbClr r="0" g="0" b="0"/>
+      </a:effectRef>
+      <a:fontRef idx="minor"/>
+    </dgm:style>
+  </dgm:styleLbl>
+  <dgm:styleLbl name="dkBgShp">
+    <dgm:scene3d>
+      <a:camera prst="orthographicFront"/>
+      <a:lightRig rig="threePt" dir="t"/>
+    </dgm:scene3d>
+    <dgm:sp3d/>
+    <dgm:txPr/>
+    <dgm:style>
+      <a:lnRef idx="0">
+        <a:scrgbClr r="0" g="0" b="0"/>
+      </a:lnRef>
+      <a:fillRef idx="1">
+        <a:scrgbClr r="0" g="0" b="0"/>
+      </a:fillRef>
+      <a:effectRef idx="0">
+        <a:scrgbClr r="0" g="0" b="0"/>
+      </a:effectRef>
+      <a:fontRef idx="minor"/>
+    </dgm:style>
+  </dgm:styleLbl>
+  <dgm:styleLbl name="trBgShp">
+    <dgm:scene3d>
+      <a:camera prst="orthographicFront"/>
+      <a:lightRig rig="threePt" dir="t"/>
+    </dgm:scene3d>
+    <dgm:sp3d/>
+    <dgm:txPr/>
+    <dgm:style>
+      <a:lnRef idx="0">
+        <a:scrgbClr r="0" g="0" b="0"/>
+      </a:lnRef>
+      <a:fillRef idx="1">
+        <a:scrgbClr r="0" g="0" b="0"/>
+      </a:fillRef>
+      <a:effectRef idx="0">
+        <a:scrgbClr r="0" g="0" b="0"/>
+      </a:effectRef>
+      <a:fontRef idx="minor"/>
+    </dgm:style>
+  </dgm:styleLbl>
+  <dgm:styleLbl name="fgShp">
+    <dgm:scene3d>
+      <a:camera prst="orthographicFront"/>
+      <a:lightRig rig="threePt" dir="t"/>
+    </dgm:scene3d>
+    <dgm:sp3d/>
+    <dgm:txPr/>
+    <dgm:style>
+      <a:lnRef idx="2">
+        <a:scrgbClr r="0" g="0" b="0"/>
+      </a:lnRef>
+      <a:fillRef idx="1">
+        <a:scrgbClr r="0" g="0" b="0"/>
+      </a:fillRef>
+      <a:effectRef idx="0">
+        <a:scrgbClr r="0" g="0" b="0"/>
+      </a:effectRef>
+      <a:fontRef idx="minor"/>
+    </dgm:style>
+  </dgm:styleLbl>
+  <dgm:styleLbl name="revTx">
+    <dgm:scene3d>
+      <a:camera prst="orthographicFront"/>
+      <a:lightRig rig="threePt" dir="t"/>
+    </dgm:scene3d>
+    <dgm:sp3d/>
+    <dgm:txPr/>
+    <dgm:style>
+      <a:lnRef idx="0">
+        <a:scrgbClr r="0" g="0" b="0"/>
+      </a:lnRef>
+      <a:fillRef idx="0">
+        <a:scrgbClr r="0" g="0" b="0"/>
+      </a:fillRef>
+      <a:effectRef idx="0">
+        <a:scrgbClr r="0" g="0" b="0"/>
+      </a:effectRef>
+      <a:fontRef idx="minor"/>
+    </dgm:style>
+  </dgm:styleLbl>
+</dgm:styleDef>
 </file>
 
 <file path=ppt/slideLayouts/slideLayout1.xml><?xml version="1.0" encoding="utf-8"?>
@@ -8362,28 +11208,80 @@
           </a:p>
         </p:txBody>
       </p:sp>
-      <p:sp>
-        <p:nvSpPr>
-          <p:cNvPr id="3" name="Content Placeholder 2">
+      <p:graphicFrame>
+        <p:nvGraphicFramePr>
+          <p:cNvPr id="4" name="Content Placeholder 3">
             <a:extLst>
               <a:ext uri="{FF2B5EF4-FFF2-40B4-BE49-F238E27FC236}">
-                <a16:creationId xmlns:a16="http://schemas.microsoft.com/office/drawing/2014/main" id="{4D7DE9A0-C47F-4742-9C85-02E53FD15A53}"/>
+                <a16:creationId xmlns:a16="http://schemas.microsoft.com/office/drawing/2014/main" id="{4F4F1ACE-77A7-1344-9EEC-7D87EDB2B586}"/>
               </a:ext>
             </a:extLst>
           </p:cNvPr>
-          <p:cNvSpPr>
-            <a:spLocks noGrp="1"/>
-          </p:cNvSpPr>
+          <p:cNvGraphicFramePr>
+            <a:graphicFrameLocks noGrp="1"/>
+          </p:cNvGraphicFramePr>
           <p:nvPr>
             <p:ph idx="1"/>
+            <p:extLst>
+              <p:ext uri="{D42A27DB-BD31-4B8C-83A1-F6EECF244321}">
+                <p14:modId xmlns:p14="http://schemas.microsoft.com/office/powerpoint/2010/main" val="4009304963"/>
+              </p:ext>
+            </p:extLst>
           </p:nvPr>
-        </p:nvSpPr>
-        <p:spPr/>
+        </p:nvGraphicFramePr>
+        <p:xfrm>
+          <a:off x="2460422" y="1700011"/>
+          <a:ext cx="9310867" cy="4649092"/>
+        </p:xfrm>
+        <a:graphic>
+          <a:graphicData uri="http://schemas.openxmlformats.org/drawingml/2006/diagram">
+            <dgm:relIds xmlns:dgm="http://schemas.openxmlformats.org/drawingml/2006/diagram" xmlns:r="http://schemas.openxmlformats.org/officeDocument/2006/relationships" r:dm="rId2" r:lo="rId3" r:qs="rId4" r:cs="rId5"/>
+          </a:graphicData>
+        </a:graphic>
+      </p:graphicFrame>
+      <p:sp>
+        <p:nvSpPr>
+          <p:cNvPr id="5" name="TextBox 4">
+            <a:extLst>
+              <a:ext uri="{FF2B5EF4-FFF2-40B4-BE49-F238E27FC236}">
+                <a16:creationId xmlns:a16="http://schemas.microsoft.com/office/drawing/2014/main" id="{4C2A6D43-8A13-CE40-BD07-A1E3B884BD2D}"/>
+              </a:ext>
+            </a:extLst>
+          </p:cNvPr>
+          <p:cNvSpPr txBox="1"/>
+          <p:nvPr/>
+        </p:nvSpPr>
+        <p:spPr>
+          <a:xfrm rot="20728655">
+            <a:off x="4568629" y="3701391"/>
+            <a:ext cx="1248196" cy="646331"/>
+          </a:xfrm>
+          <a:prstGeom prst="rect">
+            <a:avLst/>
+          </a:prstGeom>
+          <a:solidFill>
+            <a:schemeClr val="accent1"/>
+          </a:solidFill>
+          <a:ln>
+            <a:solidFill>
+              <a:schemeClr val="accent1"/>
+            </a:solidFill>
+          </a:ln>
+        </p:spPr>
         <p:txBody>
-          <a:bodyPr/>
+          <a:bodyPr wrap="square" rtlCol="0">
+            <a:spAutoFit/>
+          </a:bodyPr>
           <a:lstStyle/>
           <a:p>
-            <a:endParaRPr lang="en-US" dirty="0"/>
+            <a:r>
+              <a:rPr lang="en-US" dirty="0">
+                <a:solidFill>
+                  <a:schemeClr val="bg1"/>
+                </a:solidFill>
+              </a:rPr>
+              <a:t>Data base</a:t>
+            </a:r>
           </a:p>
         </p:txBody>
       </p:sp>
@@ -8961,21 +11859,6 @@
 </file>
 
 <file path=customXml/item1.xml><?xml version="1.0" encoding="utf-8"?>
-<?mso-contentType ?>
-<FormTemplates xmlns="http://schemas.microsoft.com/sharepoint/v3/contenttype/forms">
-  <Display>DocumentLibraryForm</Display>
-  <Edit>DocumentLibraryForm</Edit>
-  <New>DocumentLibraryForm</New>
-</FormTemplates>
-</file>
-
-<file path=customXml/item2.xml><?xml version="1.0" encoding="utf-8"?>
-<p:properties xmlns:p="http://schemas.microsoft.com/office/2006/metadata/properties" xmlns:xsi="http://www.w3.org/2001/XMLSchema-instance" xmlns:pc="http://schemas.microsoft.com/office/infopath/2007/PartnerControls">
-  <documentManagement/>
-</p:properties>
-</file>
-
-<file path=customXml/item3.xml><?xml version="1.0" encoding="utf-8"?>
 <ct:contentTypeSchema xmlns:ct="http://schemas.microsoft.com/office/2006/metadata/contentType" xmlns:ma="http://schemas.microsoft.com/office/2006/metadata/properties/metaAttributes" ct:_="" ma:_="" ma:contentTypeName="Document" ma:contentTypeID="0x010100F2539F22E5A4404CAD34FB96C142FE3A" ma:contentTypeVersion="13" ma:contentTypeDescription="Create a new document." ma:contentTypeScope="" ma:versionID="007b3f3a912f112271816250b9555acf">
   <xsd:schema xmlns:xsd="http://www.w3.org/2001/XMLSchema" xmlns:xs="http://www.w3.org/2001/XMLSchema" xmlns:p="http://schemas.microsoft.com/office/2006/metadata/properties" xmlns:ns3="37131f3e-0989-4fa1-a557-0e693b5133ca" xmlns:ns4="1adeb048-267d-4a84-abfa-7db00b6784a1" targetNamespace="http://schemas.microsoft.com/office/2006/metadata/properties" ma:root="true" ma:fieldsID="5458722c96c3279d2a72c45d605244fb" ns3:_="" ns4:_="">
     <xsd:import namespace="37131f3e-0989-4fa1-a557-0e693b5133ca"/>
@@ -9198,24 +12081,22 @@
 </ct:contentTypeSchema>
 </file>
 
-<file path=customXml/itemProps1.xml><?xml version="1.0" encoding="utf-8"?>
-<ds:datastoreItem xmlns:ds="http://schemas.openxmlformats.org/officeDocument/2006/customXml" ds:itemID="{01DFB8BB-6F8D-4B5F-8932-40156F08F814}">
-  <ds:schemaRefs>
-    <ds:schemaRef ds:uri="http://schemas.microsoft.com/sharepoint/v3/contenttype/forms"/>
-  </ds:schemaRefs>
-</ds:datastoreItem>
+<file path=customXml/item2.xml><?xml version="1.0" encoding="utf-8"?>
+<p:properties xmlns:p="http://schemas.microsoft.com/office/2006/metadata/properties" xmlns:xsi="http://www.w3.org/2001/XMLSchema-instance" xmlns:pc="http://schemas.microsoft.com/office/infopath/2007/PartnerControls">
+  <documentManagement/>
+</p:properties>
 </file>
 
-<file path=customXml/itemProps2.xml><?xml version="1.0" encoding="utf-8"?>
-<ds:datastoreItem xmlns:ds="http://schemas.openxmlformats.org/officeDocument/2006/customXml" ds:itemID="{25CD252F-7E2D-460F-B915-B87F410E1193}">
-  <ds:schemaRefs>
-    <ds:schemaRef ds:uri="http://schemas.microsoft.com/office/2006/metadata/properties"/>
-    <ds:schemaRef ds:uri="http://schemas.microsoft.com/office/infopath/2007/PartnerControls"/>
-  </ds:schemaRefs>
-</ds:datastoreItem>
+<file path=customXml/item3.xml><?xml version="1.0" encoding="utf-8"?>
+<?mso-contentType ?>
+<FormTemplates xmlns="http://schemas.microsoft.com/sharepoint/v3/contenttype/forms">
+  <Display>DocumentLibraryForm</Display>
+  <Edit>DocumentLibraryForm</Edit>
+  <New>DocumentLibraryForm</New>
+</FormTemplates>
 </file>
 
-<file path=customXml/itemProps3.xml><?xml version="1.0" encoding="utf-8"?>
+<file path=customXml/itemProps1.xml><?xml version="1.0" encoding="utf-8"?>
 <ds:datastoreItem xmlns:ds="http://schemas.openxmlformats.org/officeDocument/2006/customXml" ds:itemID="{458EF97E-305A-489A-9070-95ED0A29ABFE}">
   <ds:schemaRefs>
     <ds:schemaRef ds:uri="http://schemas.microsoft.com/office/2006/metadata/contentType"/>
@@ -9232,4 +12113,21 @@
     <ds:schemaRef ds:uri="http://schemas.microsoft.com/internal/obd"/>
   </ds:schemaRefs>
 </ds:datastoreItem>
+</file>
+
+<file path=customXml/itemProps2.xml><?xml version="1.0" encoding="utf-8"?>
+<ds:datastoreItem xmlns:ds="http://schemas.openxmlformats.org/officeDocument/2006/customXml" ds:itemID="{25CD252F-7E2D-460F-B915-B87F410E1193}">
+  <ds:schemaRefs>
+    <ds:schemaRef ds:uri="http://schemas.microsoft.com/office/2006/metadata/properties"/>
+    <ds:schemaRef ds:uri="http://schemas.microsoft.com/office/infopath/2007/PartnerControls"/>
+  </ds:schemaRefs>
+</ds:datastoreItem>
+</file>
+
+<file path=customXml/itemProps3.xml><?xml version="1.0" encoding="utf-8"?>
+<ds:datastoreItem xmlns:ds="http://schemas.openxmlformats.org/officeDocument/2006/customXml" ds:itemID="{01DFB8BB-6F8D-4B5F-8932-40156F08F814}">
+  <ds:schemaRefs>
+    <ds:schemaRef ds:uri="http://schemas.microsoft.com/sharepoint/v3/contenttype/forms"/>
+  </ds:schemaRefs>
+</ds:datastoreItem>
 </file>